--- a/_SLIDES/2020_DEEL2/H8-Polymorfisme/les11_polymorfisme.pptx
+++ b/_SLIDES/2020_DEEL2/H8-Polymorfisme/les11_polymorfisme.pptx
@@ -2,26 +2,26 @@
 <file path=ppt/presentation.xml><?xml version="1.0" encoding="utf-8"?>
 <p:presentation xmlns:a="http://schemas.openxmlformats.org/drawingml/2006/main" xmlns:r="http://schemas.openxmlformats.org/officeDocument/2006/relationships" xmlns:p="http://schemas.openxmlformats.org/presentationml/2006/main" saveSubsetFonts="1">
   <p:sldMasterIdLst>
-    <p:sldMasterId id="2147483660" r:id="rId1"/>
+    <p:sldMasterId id="2147483678" r:id="rId1"/>
   </p:sldMasterIdLst>
   <p:notesMasterIdLst>
     <p:notesMasterId r:id="rId20"/>
   </p:notesMasterIdLst>
   <p:sldIdLst>
-    <p:sldId id="2050" r:id="rId2"/>
-    <p:sldId id="1668" r:id="rId3"/>
-    <p:sldId id="1669" r:id="rId4"/>
-    <p:sldId id="1670" r:id="rId5"/>
-    <p:sldId id="1671" r:id="rId6"/>
-    <p:sldId id="1672" r:id="rId7"/>
-    <p:sldId id="1951" r:id="rId8"/>
+    <p:sldId id="2062" r:id="rId2"/>
+    <p:sldId id="1669" r:id="rId3"/>
+    <p:sldId id="1670" r:id="rId4"/>
+    <p:sldId id="1671" r:id="rId5"/>
+    <p:sldId id="1672" r:id="rId6"/>
+    <p:sldId id="1951" r:id="rId7"/>
+    <p:sldId id="2064" r:id="rId8"/>
     <p:sldId id="2051" r:id="rId9"/>
     <p:sldId id="2052" r:id="rId10"/>
     <p:sldId id="2053" r:id="rId11"/>
     <p:sldId id="2054" r:id="rId12"/>
     <p:sldId id="2055" r:id="rId13"/>
     <p:sldId id="2056" r:id="rId14"/>
-    <p:sldId id="2057" r:id="rId15"/>
+    <p:sldId id="2063" r:id="rId15"/>
     <p:sldId id="2061" r:id="rId16"/>
     <p:sldId id="2058" r:id="rId17"/>
     <p:sldId id="2059" r:id="rId18"/>
@@ -129,20 +129,20 @@
       <p14:sectionLst xmlns:p14="http://schemas.microsoft.com/office/powerpoint/2010/main">
         <p14:section name="System.Object" id="{E13B8AA3-45FD-4D59-B615-92B5DA13F5BC}">
           <p14:sldIdLst>
-            <p14:sldId id="2050"/>
-            <p14:sldId id="1668"/>
+            <p14:sldId id="2062"/>
             <p14:sldId id="1669"/>
             <p14:sldId id="1670"/>
             <p14:sldId id="1671"/>
             <p14:sldId id="1672"/>
             <p14:sldId id="1951"/>
+            <p14:sldId id="2064"/>
             <p14:sldId id="2051"/>
             <p14:sldId id="2052"/>
             <p14:sldId id="2053"/>
             <p14:sldId id="2054"/>
             <p14:sldId id="2055"/>
             <p14:sldId id="2056"/>
-            <p14:sldId id="2057"/>
+            <p14:sldId id="2063"/>
             <p14:sldId id="2061"/>
             <p14:sldId id="2058"/>
             <p14:sldId id="2059"/>
@@ -240,7 +240,7 @@
           <a:p>
             <a:fld id="{87A6C808-A39E-4E81-BEAB-D2B293A1AF41}" type="datetimeFigureOut">
               <a:rPr lang="nl-BE" smtClean="0"/>
-              <a:t>28/04/2019</a:t>
+              <a:t>4/02/2021</a:t>
             </a:fld>
             <a:endParaRPr lang="nl-BE"/>
           </a:p>
@@ -508,9 +508,9 @@
 </p:notesMaster>
 </file>
 
-<file path=ppt/notesSlides/notesSlide1.xml><?xml version="1.0" encoding="utf-8"?>
-<p:notes xmlns:a="http://schemas.openxmlformats.org/drawingml/2006/main" xmlns:r="http://schemas.openxmlformats.org/officeDocument/2006/relationships" xmlns:p="http://schemas.openxmlformats.org/presentationml/2006/main">
-  <p:cSld>
+<file path=ppt/slideLayouts/slideLayout1.xml><?xml version="1.0" encoding="utf-8"?>
+<p:sldLayout xmlns:a="http://schemas.openxmlformats.org/drawingml/2006/main" xmlns:r="http://schemas.openxmlformats.org/officeDocument/2006/relationships" xmlns:p="http://schemas.openxmlformats.org/presentationml/2006/main" type="title" preserve="1">
+  <p:cSld name="Titeldia">
     <p:spTree>
       <p:nvGrpSpPr>
         <p:cNvPr id="1" name=""/>
@@ -527,278 +527,327 @@
       </p:grpSpPr>
       <p:sp>
         <p:nvSpPr>
-          <p:cNvPr id="24578" name="Rectangle 7"/>
-          <p:cNvSpPr>
-            <a:spLocks noGrp="1" noChangeArrowheads="1"/>
-          </p:cNvSpPr>
-          <p:nvPr>
-            <p:ph type="sldNum" sz="quarter" idx="5"/>
-          </p:nvPr>
-        </p:nvSpPr>
-        <p:spPr/>
-        <p:txBody>
-          <a:bodyPr/>
-          <a:lstStyle/>
-          <a:p>
-            <a:pPr marL="0" marR="0" lvl="0" indent="0" algn="r" defTabSz="914400" rtl="0" eaLnBrk="0" fontAlgn="base" latinLnBrk="0" hangingPunct="0">
-              <a:lnSpc>
-                <a:spcPct val="100000"/>
-              </a:lnSpc>
-              <a:spcBef>
-                <a:spcPct val="0"/>
-              </a:spcBef>
-              <a:spcAft>
-                <a:spcPct val="0"/>
-              </a:spcAft>
-              <a:buClrTx/>
-              <a:buSzTx/>
-              <a:buFontTx/>
-              <a:buNone/>
-              <a:tabLst/>
-              <a:defRPr/>
-            </a:pPr>
-            <a:fld id="{5EC05E6D-6A65-4ABD-875C-954F8D4F5A62}" type="slidenum">
-              <a:rPr kumimoji="0" lang="en-US" sz="900" b="0" i="0" u="none" strike="noStrike" kern="1200" cap="none" spc="0" normalizeH="0" baseline="0" noProof="0" smtClean="0">
-                <a:ln>
-                  <a:noFill/>
-                </a:ln>
-                <a:solidFill>
-                  <a:srgbClr val="000000"/>
-                </a:solidFill>
-                <a:effectLst/>
-                <a:uLnTx/>
-                <a:uFillTx/>
-                <a:latin typeface="Arial" charset="0"/>
-                <a:ea typeface="+mn-ea"/>
-                <a:cs typeface="+mn-cs"/>
-              </a:rPr>
-              <a:pPr marL="0" marR="0" lvl="0" indent="0" algn="r" defTabSz="914400" rtl="0" eaLnBrk="0" fontAlgn="base" latinLnBrk="0" hangingPunct="0">
-                <a:lnSpc>
-                  <a:spcPct val="100000"/>
-                </a:lnSpc>
-                <a:spcBef>
-                  <a:spcPct val="0"/>
-                </a:spcBef>
-                <a:spcAft>
-                  <a:spcPct val="0"/>
-                </a:spcAft>
-                <a:buClrTx/>
-                <a:buSzTx/>
-                <a:buFontTx/>
-                <a:buNone/>
-                <a:tabLst/>
-                <a:defRPr/>
-              </a:pPr>
-              <a:t>1</a:t>
-            </a:fld>
-            <a:endParaRPr kumimoji="0" lang="en-US" sz="900" b="0" i="0" u="none" strike="noStrike" kern="1200" cap="none" spc="0" normalizeH="0" baseline="0" noProof="0">
-              <a:ln>
-                <a:noFill/>
-              </a:ln>
-              <a:solidFill>
-                <a:srgbClr val="000000"/>
-              </a:solidFill>
-              <a:effectLst/>
-              <a:uLnTx/>
-              <a:uFillTx/>
-              <a:latin typeface="Arial" charset="0"/>
-              <a:ea typeface="+mn-ea"/>
-              <a:cs typeface="+mn-cs"/>
-            </a:endParaRPr>
-          </a:p>
-        </p:txBody>
-      </p:sp>
-      <p:sp>
-        <p:nvSpPr>
-          <p:cNvPr id="178179" name="Rectangle 2"/>
-          <p:cNvSpPr>
-            <a:spLocks noGrp="1" noRot="1" noChangeAspect="1" noChangeArrowheads="1" noTextEdit="1"/>
-          </p:cNvSpPr>
-          <p:nvPr>
-            <p:ph type="sldImg"/>
-          </p:nvPr>
+          <p:cNvPr id="9" name="Rechthoek 8">
+            <a:extLst>
+              <a:ext uri="{FF2B5EF4-FFF2-40B4-BE49-F238E27FC236}">
+                <a16:creationId xmlns:a16="http://schemas.microsoft.com/office/drawing/2014/main" id="{BB4E0A59-AC5E-4BF7-A172-03B9126A3D3F}"/>
+              </a:ext>
+            </a:extLst>
+          </p:cNvPr>
+          <p:cNvSpPr/>
+          <p:nvPr/>
         </p:nvSpPr>
         <p:spPr>
           <a:xfrm>
-            <a:off x="111125" y="749300"/>
-            <a:ext cx="6661150" cy="3748088"/>
-          </a:xfrm>
-          <a:ln/>
-        </p:spPr>
-      </p:sp>
-      <p:sp>
-        <p:nvSpPr>
-          <p:cNvPr id="178180" name="Rectangle 3"/>
-          <p:cNvSpPr>
-            <a:spLocks noGrp="1" noChangeArrowheads="1"/>
-          </p:cNvSpPr>
-          <p:nvPr>
-            <p:ph type="body" idx="1"/>
-          </p:nvPr>
-        </p:nvSpPr>
-        <p:spPr>
-          <a:noFill/>
-          <a:ln/>
-        </p:spPr>
-        <p:txBody>
-          <a:bodyPr/>
-          <a:lstStyle/>
-          <a:p>
-            <a:pPr eaLnBrk="1" hangingPunct="1"/>
-            <a:endParaRPr lang="nl-BE"/>
-          </a:p>
-        </p:txBody>
-      </p:sp>
-    </p:spTree>
-    <p:extLst>
-      <p:ext uri="{BB962C8B-B14F-4D97-AF65-F5344CB8AC3E}">
-        <p14:creationId xmlns:p14="http://schemas.microsoft.com/office/powerpoint/2010/main" val="2687946598"/>
-      </p:ext>
-    </p:extLst>
-  </p:cSld>
-  <p:clrMapOvr>
-    <a:masterClrMapping/>
-  </p:clrMapOvr>
-</p:notes>
-</file>
-
-<file path=ppt/slideLayouts/slideLayout1.xml><?xml version="1.0" encoding="utf-8"?>
-<p:sldLayout xmlns:a="http://schemas.openxmlformats.org/drawingml/2006/main" xmlns:r="http://schemas.openxmlformats.org/officeDocument/2006/relationships" xmlns:p="http://schemas.openxmlformats.org/presentationml/2006/main" showMasterSp="0" type="title" preserve="1">
-  <p:cSld name="Titeldia">
-    <p:bg>
-      <p:bgPr>
-        <a:solidFill>
-          <a:srgbClr val="FFFFFF"/>
-        </a:solidFill>
-        <a:effectLst/>
-      </p:bgPr>
-    </p:bg>
-    <p:spTree>
-      <p:nvGrpSpPr>
-        <p:cNvPr id="1" name=""/>
-        <p:cNvGrpSpPr/>
-        <p:nvPr/>
-      </p:nvGrpSpPr>
-      <p:grpSpPr>
-        <a:xfrm>
-          <a:off x="0" y="0"/>
-          <a:ext cx="0" cy="0"/>
-          <a:chOff x="0" y="0"/>
-          <a:chExt cx="0" cy="0"/>
-        </a:xfrm>
-      </p:grpSpPr>
-      <p:pic>
-        <p:nvPicPr>
-          <p:cNvPr id="3" name="Picture 3"/>
-          <p:cNvPicPr>
-            <a:picLocks noChangeAspect="1" noChangeArrowheads="1"/>
-          </p:cNvPicPr>
-          <p:nvPr userDrawn="1"/>
-        </p:nvPicPr>
-        <p:blipFill>
-          <a:blip r:embed="rId2" cstate="print"/>
-          <a:srcRect/>
-          <a:stretch>
-            <a:fillRect/>
-          </a:stretch>
-        </p:blipFill>
-        <p:spPr bwMode="auto">
-          <a:xfrm>
-            <a:off x="-2825750" y="2259013"/>
-            <a:ext cx="15017751" cy="5657850"/>
+            <a:off x="-66503" y="-55562"/>
+            <a:ext cx="12518967" cy="3657600"/>
           </a:xfrm>
           <a:prstGeom prst="rect">
             <a:avLst/>
           </a:prstGeom>
-          <a:noFill/>
-          <a:ln w="9525">
+          <a:solidFill>
+            <a:srgbClr val="44A035"/>
+          </a:solidFill>
+          <a:ln>
             <a:noFill/>
-            <a:miter lim="800000"/>
-            <a:headEnd/>
-            <a:tailEnd/>
           </a:ln>
         </p:spPr>
-      </p:pic>
+        <p:style>
+          <a:lnRef idx="2">
+            <a:schemeClr val="accent1">
+              <a:shade val="50000"/>
+            </a:schemeClr>
+          </a:lnRef>
+          <a:fillRef idx="1">
+            <a:schemeClr val="accent1"/>
+          </a:fillRef>
+          <a:effectRef idx="0">
+            <a:schemeClr val="accent1"/>
+          </a:effectRef>
+          <a:fontRef idx="minor">
+            <a:schemeClr val="lt1"/>
+          </a:fontRef>
+        </p:style>
+        <p:txBody>
+          <a:bodyPr rtlCol="0" anchor="ctr"/>
+          <a:lstStyle/>
+          <a:p>
+            <a:pPr algn="ctr"/>
+            <a:endParaRPr lang="nl-BE"/>
+          </a:p>
+        </p:txBody>
+      </p:sp>
+      <p:sp>
+        <p:nvSpPr>
+          <p:cNvPr id="7" name="Rechthoek 6">
+            <a:extLst>
+              <a:ext uri="{FF2B5EF4-FFF2-40B4-BE49-F238E27FC236}">
+                <a16:creationId xmlns:a16="http://schemas.microsoft.com/office/drawing/2014/main" id="{E81773F8-747F-4DB8-869A-30EE55502AF6}"/>
+              </a:ext>
+            </a:extLst>
+          </p:cNvPr>
+          <p:cNvSpPr/>
+          <p:nvPr/>
+        </p:nvSpPr>
+        <p:spPr>
+          <a:xfrm>
+            <a:off x="-66502" y="3602038"/>
+            <a:ext cx="12518967" cy="3255962"/>
+          </a:xfrm>
+          <a:prstGeom prst="rect">
+            <a:avLst/>
+          </a:prstGeom>
+          <a:solidFill>
+            <a:schemeClr val="bg2">
+              <a:lumMod val="90000"/>
+            </a:schemeClr>
+          </a:solidFill>
+          <a:ln>
+            <a:noFill/>
+          </a:ln>
+        </p:spPr>
+        <p:style>
+          <a:lnRef idx="2">
+            <a:schemeClr val="accent1">
+              <a:shade val="50000"/>
+            </a:schemeClr>
+          </a:lnRef>
+          <a:fillRef idx="1">
+            <a:schemeClr val="accent1"/>
+          </a:fillRef>
+          <a:effectRef idx="0">
+            <a:schemeClr val="accent1"/>
+          </a:effectRef>
+          <a:fontRef idx="minor">
+            <a:schemeClr val="lt1"/>
+          </a:fontRef>
+        </p:style>
+        <p:txBody>
+          <a:bodyPr rtlCol="0" anchor="ctr"/>
+          <a:lstStyle/>
+          <a:p>
+            <a:pPr algn="ctr"/>
+            <a:endParaRPr lang="nl-BE"/>
+          </a:p>
+        </p:txBody>
+      </p:sp>
+      <p:sp>
+        <p:nvSpPr>
+          <p:cNvPr id="2" name="Titel 1">
+            <a:extLst>
+              <a:ext uri="{FF2B5EF4-FFF2-40B4-BE49-F238E27FC236}">
+                <a16:creationId xmlns:a16="http://schemas.microsoft.com/office/drawing/2014/main" id="{E6780E7B-6347-428E-9965-E1E54D7784C9}"/>
+              </a:ext>
+            </a:extLst>
+          </p:cNvPr>
+          <p:cNvSpPr>
+            <a:spLocks noGrp="1"/>
+          </p:cNvSpPr>
+          <p:nvPr>
+            <p:ph type="ctrTitle"/>
+          </p:nvPr>
+        </p:nvSpPr>
+        <p:spPr>
+          <a:xfrm>
+            <a:off x="1524000" y="136525"/>
+            <a:ext cx="9144000" cy="2387600"/>
+          </a:xfrm>
+        </p:spPr>
+        <p:txBody>
+          <a:bodyPr anchor="b"/>
+          <a:lstStyle>
+            <a:lvl1pPr algn="ctr">
+              <a:defRPr sz="6000"/>
+            </a:lvl1pPr>
+          </a:lstStyle>
+          <a:p>
+            <a:r>
+              <a:rPr lang="nl-NL"/>
+              <a:t>Klik om stijl te bewerken</a:t>
+            </a:r>
+            <a:endParaRPr lang="nl-BE" dirty="0"/>
+          </a:p>
+        </p:txBody>
+      </p:sp>
+      <p:sp>
+        <p:nvSpPr>
+          <p:cNvPr id="3" name="Ondertitel 2">
+            <a:extLst>
+              <a:ext uri="{FF2B5EF4-FFF2-40B4-BE49-F238E27FC236}">
+                <a16:creationId xmlns:a16="http://schemas.microsoft.com/office/drawing/2014/main" id="{F4AD66E2-DACF-4235-AD2C-BAA9DFEF482A}"/>
+              </a:ext>
+            </a:extLst>
+          </p:cNvPr>
+          <p:cNvSpPr>
+            <a:spLocks noGrp="1"/>
+          </p:cNvSpPr>
+          <p:nvPr>
+            <p:ph type="subTitle" idx="1"/>
+          </p:nvPr>
+        </p:nvSpPr>
+        <p:spPr>
+          <a:xfrm>
+            <a:off x="1524000" y="3602038"/>
+            <a:ext cx="9144000" cy="1655762"/>
+          </a:xfrm>
+        </p:spPr>
+        <p:txBody>
+          <a:bodyPr/>
+          <a:lstStyle>
+            <a:lvl1pPr marL="0" indent="0" algn="ctr">
+              <a:buNone/>
+              <a:defRPr sz="2400"/>
+            </a:lvl1pPr>
+            <a:lvl2pPr marL="457200" indent="0" algn="ctr">
+              <a:buNone/>
+              <a:defRPr sz="2000"/>
+            </a:lvl2pPr>
+            <a:lvl3pPr marL="914400" indent="0" algn="ctr">
+              <a:buNone/>
+              <a:defRPr sz="1800"/>
+            </a:lvl3pPr>
+            <a:lvl4pPr marL="1371600" indent="0" algn="ctr">
+              <a:buNone/>
+              <a:defRPr sz="1600"/>
+            </a:lvl4pPr>
+            <a:lvl5pPr marL="1828800" indent="0" algn="ctr">
+              <a:buNone/>
+              <a:defRPr sz="1600"/>
+            </a:lvl5pPr>
+            <a:lvl6pPr marL="2286000" indent="0" algn="ctr">
+              <a:buNone/>
+              <a:defRPr sz="1600"/>
+            </a:lvl6pPr>
+            <a:lvl7pPr marL="2743200" indent="0" algn="ctr">
+              <a:buNone/>
+              <a:defRPr sz="1600"/>
+            </a:lvl7pPr>
+            <a:lvl8pPr marL="3200400" indent="0" algn="ctr">
+              <a:buNone/>
+              <a:defRPr sz="1600"/>
+            </a:lvl8pPr>
+            <a:lvl9pPr marL="3657600" indent="0" algn="ctr">
+              <a:buNone/>
+              <a:defRPr sz="1600"/>
+            </a:lvl9pPr>
+          </a:lstStyle>
+          <a:p>
+            <a:r>
+              <a:rPr lang="nl-NL"/>
+              <a:t>Klikken om de ondertitelstijl van het model te bewerken</a:t>
+            </a:r>
+            <a:endParaRPr lang="nl-BE"/>
+          </a:p>
+        </p:txBody>
+      </p:sp>
+      <p:sp>
+        <p:nvSpPr>
+          <p:cNvPr id="4" name="Tijdelijke aanduiding voor datum 3">
+            <a:extLst>
+              <a:ext uri="{FF2B5EF4-FFF2-40B4-BE49-F238E27FC236}">
+                <a16:creationId xmlns:a16="http://schemas.microsoft.com/office/drawing/2014/main" id="{73F6A1CD-5EA8-4193-B23C-9717C769AC7E}"/>
+              </a:ext>
+            </a:extLst>
+          </p:cNvPr>
+          <p:cNvSpPr>
+            <a:spLocks noGrp="1"/>
+          </p:cNvSpPr>
+          <p:nvPr>
+            <p:ph type="dt" sz="half" idx="10"/>
+          </p:nvPr>
+        </p:nvSpPr>
+        <p:spPr/>
+        <p:txBody>
+          <a:bodyPr/>
+          <a:lstStyle/>
+          <a:p>
+            <a:fld id="{2661A00B-007A-4326-8859-8C83DD4C6E5D}" type="datetimeFigureOut">
+              <a:rPr lang="nl-BE" smtClean="0"/>
+              <a:t>4/02/2021</a:t>
+            </a:fld>
+            <a:endParaRPr lang="nl-BE"/>
+          </a:p>
+        </p:txBody>
+      </p:sp>
+      <p:sp>
+        <p:nvSpPr>
+          <p:cNvPr id="5" name="Tijdelijke aanduiding voor voettekst 4">
+            <a:extLst>
+              <a:ext uri="{FF2B5EF4-FFF2-40B4-BE49-F238E27FC236}">
+                <a16:creationId xmlns:a16="http://schemas.microsoft.com/office/drawing/2014/main" id="{1741BD09-7970-442C-A1A1-B86377CB726F}"/>
+              </a:ext>
+            </a:extLst>
+          </p:cNvPr>
+          <p:cNvSpPr>
+            <a:spLocks noGrp="1"/>
+          </p:cNvSpPr>
+          <p:nvPr>
+            <p:ph type="ftr" sz="quarter" idx="11"/>
+          </p:nvPr>
+        </p:nvSpPr>
+        <p:spPr/>
+        <p:txBody>
+          <a:bodyPr/>
+          <a:lstStyle/>
+          <a:p>
+            <a:endParaRPr lang="nl-BE"/>
+          </a:p>
+        </p:txBody>
+      </p:sp>
+      <p:sp>
+        <p:nvSpPr>
+          <p:cNvPr id="6" name="Tijdelijke aanduiding voor dianummer 5">
+            <a:extLst>
+              <a:ext uri="{FF2B5EF4-FFF2-40B4-BE49-F238E27FC236}">
+                <a16:creationId xmlns:a16="http://schemas.microsoft.com/office/drawing/2014/main" id="{C8B1A799-4AA9-4556-A585-E1DA334605A5}"/>
+              </a:ext>
+            </a:extLst>
+          </p:cNvPr>
+          <p:cNvSpPr>
+            <a:spLocks noGrp="1"/>
+          </p:cNvSpPr>
+          <p:nvPr>
+            <p:ph type="sldNum" sz="quarter" idx="12"/>
+          </p:nvPr>
+        </p:nvSpPr>
+        <p:spPr/>
+        <p:txBody>
+          <a:bodyPr/>
+          <a:lstStyle/>
+          <a:p>
+            <a:pPr>
+              <a:defRPr/>
+            </a:pPr>
+            <a:endParaRPr lang="nl-NL" dirty="0"/>
+          </a:p>
+        </p:txBody>
+      </p:sp>
       <p:pic>
         <p:nvPicPr>
-          <p:cNvPr id="4" name="Picture 46" descr="ARTE_pr_PPt_Punt"/>
+          <p:cNvPr id="11" name="Picture 2" descr="Huisstijl | AP Hogeschool">
+            <a:extLst>
+              <a:ext uri="{FF2B5EF4-FFF2-40B4-BE49-F238E27FC236}">
+                <a16:creationId xmlns:a16="http://schemas.microsoft.com/office/drawing/2014/main" id="{7BDC3559-A25B-405A-914F-BA7F85567BFE}"/>
+              </a:ext>
+            </a:extLst>
+          </p:cNvPr>
           <p:cNvPicPr>
             <a:picLocks noChangeAspect="1" noChangeArrowheads="1"/>
           </p:cNvPicPr>
           <p:nvPr/>
         </p:nvPicPr>
         <p:blipFill>
-          <a:blip r:embed="rId3" cstate="print"/>
-          <a:srcRect t="20750"/>
-          <a:stretch>
-            <a:fillRect/>
-          </a:stretch>
-        </p:blipFill>
-        <p:spPr bwMode="auto">
-          <a:xfrm>
-            <a:off x="0" y="1"/>
-            <a:ext cx="12192000" cy="5438775"/>
-          </a:xfrm>
-          <a:prstGeom prst="rect">
-            <a:avLst/>
-          </a:prstGeom>
-          <a:noFill/>
-          <a:ln w="9525">
-            <a:noFill/>
-            <a:miter lim="800000"/>
-            <a:headEnd/>
-            <a:tailEnd/>
-          </a:ln>
-        </p:spPr>
-      </p:pic>
-      <p:sp>
-        <p:nvSpPr>
-          <p:cNvPr id="3099" name="Rectangle 27"/>
-          <p:cNvSpPr>
-            <a:spLocks noGrp="1" noChangeArrowheads="1"/>
-          </p:cNvSpPr>
-          <p:nvPr>
-            <p:ph type="ctrTitle" sz="quarter"/>
-          </p:nvPr>
-        </p:nvSpPr>
-        <p:spPr>
-          <a:xfrm>
-            <a:off x="963085" y="438151"/>
-            <a:ext cx="10579100" cy="1095375"/>
-          </a:xfrm>
-        </p:spPr>
-        <p:txBody>
-          <a:bodyPr anchor="t"/>
-          <a:lstStyle>
-            <a:lvl1pPr>
-              <a:lnSpc>
-                <a:spcPct val="100000"/>
-              </a:lnSpc>
-              <a:defRPr sz="3600">
-                <a:solidFill>
-                  <a:schemeClr val="bg1"/>
-                </a:solidFill>
-              </a:defRPr>
-            </a:lvl1pPr>
-          </a:lstStyle>
-          <a:p>
-            <a:r>
-              <a:rPr lang="en-US"/>
-              <a:t>Titelstijl van model bewerken</a:t>
-            </a:r>
-          </a:p>
-        </p:txBody>
-      </p:sp>
-      <p:pic>
-        <p:nvPicPr>
-          <p:cNvPr id="8194" name="Picture 2" descr="https://fbcdn-profile-a.akamaihd.net/hprofile-ak-ash1/t1/s160x160/374436_476699385701555_1606017591_a.jpg"/>
-          <p:cNvPicPr>
-            <a:picLocks noChangeAspect="1" noChangeArrowheads="1"/>
-          </p:cNvPicPr>
-          <p:nvPr userDrawn="1"/>
-        </p:nvPicPr>
-        <p:blipFill>
-          <a:blip r:embed="rId4">
+          <a:blip r:embed="rId2">
+            <a:clrChange>
+              <a:clrFrom>
+                <a:srgbClr val="FFFFFF"/>
+              </a:clrFrom>
+              <a:clrTo>
+                <a:srgbClr val="FFFFFF">
+                  <a:alpha val="0"/>
+                </a:srgbClr>
+              </a:clrTo>
+            </a:clrChange>
             <a:extLst>
               <a:ext uri="{28A0092B-C50C-407E-A947-70E740481C1C}">
                 <a14:useLocalDpi xmlns:a14="http://schemas.microsoft.com/office/drawing/2010/main" val="0"/>
@@ -812,8 +861,8 @@
         </p:blipFill>
         <p:spPr bwMode="auto">
           <a:xfrm>
-            <a:off x="849691" y="4803549"/>
-            <a:ext cx="2032000" cy="1524001"/>
+            <a:off x="193741" y="6378084"/>
+            <a:ext cx="513792" cy="285699"/>
           </a:xfrm>
           <a:prstGeom prst="rect">
             <a:avLst/>
@@ -830,16 +879,53 @@
           </a:extLst>
         </p:spPr>
       </p:pic>
+      <p:pic>
+        <p:nvPicPr>
+          <p:cNvPr id="10" name="Afbeelding 9">
+            <a:extLst>
+              <a:ext uri="{FF2B5EF4-FFF2-40B4-BE49-F238E27FC236}">
+                <a16:creationId xmlns:a16="http://schemas.microsoft.com/office/drawing/2014/main" id="{A28B49E7-9988-4ED1-8373-35F647B50359}"/>
+              </a:ext>
+            </a:extLst>
+          </p:cNvPr>
+          <p:cNvPicPr>
+            <a:picLocks noChangeAspect="1"/>
+          </p:cNvPicPr>
+          <p:nvPr/>
+        </p:nvPicPr>
+        <p:blipFill>
+          <a:blip r:embed="rId3">
+            <a:extLst>
+              <a:ext uri="{28A0092B-C50C-407E-A947-70E740481C1C}">
+                <a14:useLocalDpi xmlns:a14="http://schemas.microsoft.com/office/drawing/2010/main" val="0"/>
+              </a:ext>
+            </a:extLst>
+          </a:blip>
+          <a:stretch>
+            <a:fillRect/>
+          </a:stretch>
+        </p:blipFill>
+        <p:spPr>
+          <a:xfrm>
+            <a:off x="4927433" y="4659557"/>
+            <a:ext cx="2531093" cy="1452406"/>
+          </a:xfrm>
+          <a:prstGeom prst="rect">
+            <a:avLst/>
+          </a:prstGeom>
+        </p:spPr>
+      </p:pic>
     </p:spTree>
     <p:extLst>
       <p:ext uri="{BB962C8B-B14F-4D97-AF65-F5344CB8AC3E}">
-        <p14:creationId xmlns:p14="http://schemas.microsoft.com/office/powerpoint/2010/main" val="3803411212"/>
+        <p14:creationId xmlns:p14="http://schemas.microsoft.com/office/powerpoint/2010/main" val="3928226549"/>
       </p:ext>
     </p:extLst>
   </p:cSld>
   <p:clrMapOvr>
     <a:masterClrMapping/>
   </p:clrMapOvr>
+  <p:hf hdr="0" ftr="0" dt="0"/>
 </p:sldLayout>
 </file>
 
@@ -862,7 +948,13 @@
       </p:grpSpPr>
       <p:sp>
         <p:nvSpPr>
-          <p:cNvPr id="2" name="Titel 1"/>
+          <p:cNvPr id="2" name="Titel 1">
+            <a:extLst>
+              <a:ext uri="{FF2B5EF4-FFF2-40B4-BE49-F238E27FC236}">
+                <a16:creationId xmlns:a16="http://schemas.microsoft.com/office/drawing/2014/main" id="{EFCA75D8-30CC-4149-B0EE-6C11B19BA0B4}"/>
+              </a:ext>
+            </a:extLst>
+          </p:cNvPr>
           <p:cNvSpPr>
             <a:spLocks noGrp="1"/>
           </p:cNvSpPr>
@@ -877,14 +969,21 @@
           <a:p>
             <a:r>
               <a:rPr lang="nl-NL"/>
-              <a:t>Klik om de stijl te bewerken</a:t>
-            </a:r>
-          </a:p>
-        </p:txBody>
-      </p:sp>
-      <p:sp>
-        <p:nvSpPr>
-          <p:cNvPr id="3" name="Tijdelijke aanduiding voor verticale tekst 2"/>
+              <a:t>Klik om stijl te bewerken</a:t>
+            </a:r>
+            <a:endParaRPr lang="nl-BE"/>
+          </a:p>
+        </p:txBody>
+      </p:sp>
+      <p:sp>
+        <p:nvSpPr>
+          <p:cNvPr id="3" name="Tijdelijke aanduiding voor verticale tekst 2">
+            <a:extLst>
+              <a:ext uri="{FF2B5EF4-FFF2-40B4-BE49-F238E27FC236}">
+                <a16:creationId xmlns:a16="http://schemas.microsoft.com/office/drawing/2014/main" id="{EA66E83B-B9D4-47F4-9EBF-0A4626AECAFE}"/>
+              </a:ext>
+            </a:extLst>
+          </p:cNvPr>
           <p:cNvSpPr>
             <a:spLocks noGrp="1"/>
           </p:cNvSpPr>
@@ -900,7 +999,7 @@
             <a:pPr lvl="0"/>
             <a:r>
               <a:rPr lang="nl-NL"/>
-              <a:t>Klik om de modelstijlen te bewerken</a:t>
+              <a:t>Klikken om de tekststijl van het model te bewerken</a:t>
             </a:r>
           </a:p>
           <a:p>
@@ -930,37 +1029,94 @@
               <a:rPr lang="nl-NL"/>
               <a:t>Vijfde niveau</a:t>
             </a:r>
-          </a:p>
-        </p:txBody>
-      </p:sp>
-      <p:sp>
-        <p:nvSpPr>
-          <p:cNvPr id="4" name="Rectangle 6"/>
-          <p:cNvSpPr>
-            <a:spLocks noGrp="1" noChangeArrowheads="1"/>
-          </p:cNvSpPr>
-          <p:nvPr>
-            <p:ph type="sldNum" sz="quarter" idx="10"/>
+            <a:endParaRPr lang="nl-BE"/>
+          </a:p>
+        </p:txBody>
+      </p:sp>
+      <p:sp>
+        <p:nvSpPr>
+          <p:cNvPr id="4" name="Tijdelijke aanduiding voor datum 3">
+            <a:extLst>
+              <a:ext uri="{FF2B5EF4-FFF2-40B4-BE49-F238E27FC236}">
+                <a16:creationId xmlns:a16="http://schemas.microsoft.com/office/drawing/2014/main" id="{83BA7F98-DF99-4920-8C1F-D468B384FAC1}"/>
+              </a:ext>
+            </a:extLst>
+          </p:cNvPr>
+          <p:cNvSpPr>
+            <a:spLocks noGrp="1"/>
+          </p:cNvSpPr>
+          <p:nvPr>
+            <p:ph type="dt" sz="half" idx="10"/>
           </p:nvPr>
         </p:nvSpPr>
         <p:spPr/>
         <p:txBody>
           <a:bodyPr/>
-          <a:lstStyle>
-            <a:lvl1pPr>
-              <a:defRPr/>
-            </a:lvl1pPr>
-          </a:lstStyle>
+          <a:lstStyle/>
+          <a:p>
+            <a:fld id="{2661A00B-007A-4326-8859-8C83DD4C6E5D}" type="datetimeFigureOut">
+              <a:rPr lang="nl-BE" smtClean="0"/>
+              <a:t>4/02/2021</a:t>
+            </a:fld>
+            <a:endParaRPr lang="nl-BE"/>
+          </a:p>
+        </p:txBody>
+      </p:sp>
+      <p:sp>
+        <p:nvSpPr>
+          <p:cNvPr id="5" name="Tijdelijke aanduiding voor voettekst 4">
+            <a:extLst>
+              <a:ext uri="{FF2B5EF4-FFF2-40B4-BE49-F238E27FC236}">
+                <a16:creationId xmlns:a16="http://schemas.microsoft.com/office/drawing/2014/main" id="{7F88D253-8A58-4125-A227-13E738D48AE1}"/>
+              </a:ext>
+            </a:extLst>
+          </p:cNvPr>
+          <p:cNvSpPr>
+            <a:spLocks noGrp="1"/>
+          </p:cNvSpPr>
+          <p:nvPr>
+            <p:ph type="ftr" sz="quarter" idx="11"/>
+          </p:nvPr>
+        </p:nvSpPr>
+        <p:spPr/>
+        <p:txBody>
+          <a:bodyPr/>
+          <a:lstStyle/>
+          <a:p>
+            <a:endParaRPr lang="nl-BE"/>
+          </a:p>
+        </p:txBody>
+      </p:sp>
+      <p:sp>
+        <p:nvSpPr>
+          <p:cNvPr id="6" name="Tijdelijke aanduiding voor dianummer 5">
+            <a:extLst>
+              <a:ext uri="{FF2B5EF4-FFF2-40B4-BE49-F238E27FC236}">
+                <a16:creationId xmlns:a16="http://schemas.microsoft.com/office/drawing/2014/main" id="{BFA5504E-511A-417A-A6BA-EF7240883A61}"/>
+              </a:ext>
+            </a:extLst>
+          </p:cNvPr>
+          <p:cNvSpPr>
+            <a:spLocks noGrp="1"/>
+          </p:cNvSpPr>
+          <p:nvPr>
+            <p:ph type="sldNum" sz="quarter" idx="12"/>
+          </p:nvPr>
+        </p:nvSpPr>
+        <p:spPr/>
+        <p:txBody>
+          <a:bodyPr/>
+          <a:lstStyle/>
           <a:p>
             <a:pPr>
               <a:defRPr/>
             </a:pPr>
             <a:r>
-              <a:rPr lang="nl-NL" dirty="0"/>
+              <a:rPr lang="nl-NL"/>
               <a:t>© ap2008 | </a:t>
             </a:r>
             <a:fld id="{7BE05496-3B10-4A41-8C93-08BB49645C7C}" type="slidenum">
-              <a:rPr lang="nl-NL"/>
+              <a:rPr lang="nl-NL" smtClean="0"/>
               <a:pPr>
                 <a:defRPr/>
               </a:pPr>
@@ -973,7 +1129,7 @@
     </p:spTree>
     <p:extLst>
       <p:ext uri="{BB962C8B-B14F-4D97-AF65-F5344CB8AC3E}">
-        <p14:creationId xmlns:p14="http://schemas.microsoft.com/office/powerpoint/2010/main" val="3584469114"/>
+        <p14:creationId xmlns:p14="http://schemas.microsoft.com/office/powerpoint/2010/main" val="2234635103"/>
       </p:ext>
     </p:extLst>
   </p:cSld>
@@ -1002,7 +1158,13 @@
       </p:grpSpPr>
       <p:sp>
         <p:nvSpPr>
-          <p:cNvPr id="2" name="Verticale titel 1"/>
+          <p:cNvPr id="2" name="Verticale titel 1">
+            <a:extLst>
+              <a:ext uri="{FF2B5EF4-FFF2-40B4-BE49-F238E27FC236}">
+                <a16:creationId xmlns:a16="http://schemas.microsoft.com/office/drawing/2014/main" id="{A79AEEB0-02B2-447D-B1FD-D25D55DD56CE}"/>
+              </a:ext>
+            </a:extLst>
+          </p:cNvPr>
           <p:cNvSpPr>
             <a:spLocks noGrp="1"/>
           </p:cNvSpPr>
@@ -1012,8 +1174,8 @@
         </p:nvSpPr>
         <p:spPr>
           <a:xfrm>
-            <a:off x="9175752" y="0"/>
-            <a:ext cx="2736849" cy="6230938"/>
+            <a:off x="8724900" y="365125"/>
+            <a:ext cx="2628900" cy="5811838"/>
           </a:xfrm>
         </p:spPr>
         <p:txBody>
@@ -1022,14 +1184,21 @@
           <a:p>
             <a:r>
               <a:rPr lang="nl-NL"/>
-              <a:t>Klik om de stijl te bewerken</a:t>
-            </a:r>
-          </a:p>
-        </p:txBody>
-      </p:sp>
-      <p:sp>
-        <p:nvSpPr>
-          <p:cNvPr id="3" name="Tijdelijke aanduiding voor verticale tekst 2"/>
+              <a:t>Klik om stijl te bewerken</a:t>
+            </a:r>
+            <a:endParaRPr lang="nl-BE"/>
+          </a:p>
+        </p:txBody>
+      </p:sp>
+      <p:sp>
+        <p:nvSpPr>
+          <p:cNvPr id="3" name="Tijdelijke aanduiding voor verticale tekst 2">
+            <a:extLst>
+              <a:ext uri="{FF2B5EF4-FFF2-40B4-BE49-F238E27FC236}">
+                <a16:creationId xmlns:a16="http://schemas.microsoft.com/office/drawing/2014/main" id="{A47050A7-1669-4805-929E-741E4C4CF3E7}"/>
+              </a:ext>
+            </a:extLst>
+          </p:cNvPr>
           <p:cNvSpPr>
             <a:spLocks noGrp="1"/>
           </p:cNvSpPr>
@@ -1039,8 +1208,8 @@
         </p:nvSpPr>
         <p:spPr>
           <a:xfrm>
-            <a:off x="963084" y="0"/>
-            <a:ext cx="8009467" cy="6230938"/>
+            <a:off x="838200" y="365125"/>
+            <a:ext cx="7734300" cy="5811838"/>
           </a:xfrm>
         </p:spPr>
         <p:txBody>
@@ -1050,7 +1219,7 @@
             <a:pPr lvl="0"/>
             <a:r>
               <a:rPr lang="nl-NL"/>
-              <a:t>Klik om de modelstijlen te bewerken</a:t>
+              <a:t>Klikken om de tekststijl van het model te bewerken</a:t>
             </a:r>
           </a:p>
           <a:p>
@@ -1080,37 +1249,94 @@
               <a:rPr lang="nl-NL"/>
               <a:t>Vijfde niveau</a:t>
             </a:r>
-          </a:p>
-        </p:txBody>
-      </p:sp>
-      <p:sp>
-        <p:nvSpPr>
-          <p:cNvPr id="4" name="Rectangle 6"/>
-          <p:cNvSpPr>
-            <a:spLocks noGrp="1" noChangeArrowheads="1"/>
-          </p:cNvSpPr>
-          <p:nvPr>
-            <p:ph type="sldNum" sz="quarter" idx="10"/>
+            <a:endParaRPr lang="nl-BE"/>
+          </a:p>
+        </p:txBody>
+      </p:sp>
+      <p:sp>
+        <p:nvSpPr>
+          <p:cNvPr id="4" name="Tijdelijke aanduiding voor datum 3">
+            <a:extLst>
+              <a:ext uri="{FF2B5EF4-FFF2-40B4-BE49-F238E27FC236}">
+                <a16:creationId xmlns:a16="http://schemas.microsoft.com/office/drawing/2014/main" id="{99C78FC2-A4A1-4447-98A1-FB656BDDD885}"/>
+              </a:ext>
+            </a:extLst>
+          </p:cNvPr>
+          <p:cNvSpPr>
+            <a:spLocks noGrp="1"/>
+          </p:cNvSpPr>
+          <p:nvPr>
+            <p:ph type="dt" sz="half" idx="10"/>
           </p:nvPr>
         </p:nvSpPr>
         <p:spPr/>
         <p:txBody>
           <a:bodyPr/>
-          <a:lstStyle>
-            <a:lvl1pPr>
-              <a:defRPr/>
-            </a:lvl1pPr>
-          </a:lstStyle>
+          <a:lstStyle/>
+          <a:p>
+            <a:fld id="{2661A00B-007A-4326-8859-8C83DD4C6E5D}" type="datetimeFigureOut">
+              <a:rPr lang="nl-BE" smtClean="0"/>
+              <a:t>4/02/2021</a:t>
+            </a:fld>
+            <a:endParaRPr lang="nl-BE"/>
+          </a:p>
+        </p:txBody>
+      </p:sp>
+      <p:sp>
+        <p:nvSpPr>
+          <p:cNvPr id="5" name="Tijdelijke aanduiding voor voettekst 4">
+            <a:extLst>
+              <a:ext uri="{FF2B5EF4-FFF2-40B4-BE49-F238E27FC236}">
+                <a16:creationId xmlns:a16="http://schemas.microsoft.com/office/drawing/2014/main" id="{9463AC9B-1104-4245-83B2-941B2D3520D9}"/>
+              </a:ext>
+            </a:extLst>
+          </p:cNvPr>
+          <p:cNvSpPr>
+            <a:spLocks noGrp="1"/>
+          </p:cNvSpPr>
+          <p:nvPr>
+            <p:ph type="ftr" sz="quarter" idx="11"/>
+          </p:nvPr>
+        </p:nvSpPr>
+        <p:spPr/>
+        <p:txBody>
+          <a:bodyPr/>
+          <a:lstStyle/>
+          <a:p>
+            <a:endParaRPr lang="nl-BE"/>
+          </a:p>
+        </p:txBody>
+      </p:sp>
+      <p:sp>
+        <p:nvSpPr>
+          <p:cNvPr id="6" name="Tijdelijke aanduiding voor dianummer 5">
+            <a:extLst>
+              <a:ext uri="{FF2B5EF4-FFF2-40B4-BE49-F238E27FC236}">
+                <a16:creationId xmlns:a16="http://schemas.microsoft.com/office/drawing/2014/main" id="{351C8C71-ADCE-408A-BD03-6A30265139E7}"/>
+              </a:ext>
+            </a:extLst>
+          </p:cNvPr>
+          <p:cNvSpPr>
+            <a:spLocks noGrp="1"/>
+          </p:cNvSpPr>
+          <p:nvPr>
+            <p:ph type="sldNum" sz="quarter" idx="12"/>
+          </p:nvPr>
+        </p:nvSpPr>
+        <p:spPr/>
+        <p:txBody>
+          <a:bodyPr/>
+          <a:lstStyle/>
           <a:p>
             <a:pPr>
               <a:defRPr/>
             </a:pPr>
             <a:r>
-              <a:rPr lang="nl-NL" dirty="0"/>
+              <a:rPr lang="nl-NL"/>
               <a:t>© ap2008 | </a:t>
             </a:r>
             <a:fld id="{816F3D47-FFE9-479F-9037-FEF9EA7AD694}" type="slidenum">
-              <a:rPr lang="nl-NL"/>
+              <a:rPr lang="nl-NL" smtClean="0"/>
               <a:pPr>
                 <a:defRPr/>
               </a:pPr>
@@ -1123,7 +1349,7 @@
     </p:spTree>
     <p:extLst>
       <p:ext uri="{BB962C8B-B14F-4D97-AF65-F5344CB8AC3E}">
-        <p14:creationId xmlns:p14="http://schemas.microsoft.com/office/powerpoint/2010/main" val="1538191754"/>
+        <p14:creationId xmlns:p14="http://schemas.microsoft.com/office/powerpoint/2010/main" val="2445226745"/>
       </p:ext>
     </p:extLst>
   </p:cSld>
@@ -1134,8 +1360,8 @@
 </file>
 
 <file path=ppt/slideLayouts/slideLayout12.xml><?xml version="1.0" encoding="utf-8"?>
-<p:sldLayout xmlns:a="http://schemas.openxmlformats.org/drawingml/2006/main" xmlns:r="http://schemas.openxmlformats.org/officeDocument/2006/relationships" xmlns:p="http://schemas.openxmlformats.org/presentationml/2006/main" type="txOverObj" preserve="1">
-  <p:cSld name="Titel en tekst boven object">
+<p:sldLayout xmlns:a="http://schemas.openxmlformats.org/drawingml/2006/main" xmlns:r="http://schemas.openxmlformats.org/officeDocument/2006/relationships" xmlns:p="http://schemas.openxmlformats.org/presentationml/2006/main">
+  <p:cSld name="1_Titel en object">
     <p:spTree>
       <p:nvGrpSpPr>
         <p:cNvPr id="1" name=""/>
@@ -1150,1127 +1376,17 @@
           <a:chExt cx="0" cy="0"/>
         </a:xfrm>
       </p:grpSpPr>
-      <p:sp>
-        <p:nvSpPr>
-          <p:cNvPr id="2" name="Titel 1"/>
-          <p:cNvSpPr>
-            <a:spLocks noGrp="1"/>
-          </p:cNvSpPr>
-          <p:nvPr>
-            <p:ph type="title"/>
-          </p:nvPr>
-        </p:nvSpPr>
-        <p:spPr>
-          <a:xfrm>
-            <a:off x="963085" y="0"/>
-            <a:ext cx="10265833" cy="922338"/>
-          </a:xfrm>
-        </p:spPr>
-        <p:txBody>
-          <a:bodyPr/>
-          <a:lstStyle/>
-          <a:p>
-            <a:r>
-              <a:rPr lang="nl-NL"/>
-              <a:t>Klik om de stijl te bewerken</a:t>
-            </a:r>
-          </a:p>
-        </p:txBody>
-      </p:sp>
-      <p:sp>
-        <p:nvSpPr>
-          <p:cNvPr id="3" name="Tijdelijke aanduiding voor tekst 2"/>
-          <p:cNvSpPr>
-            <a:spLocks noGrp="1"/>
-          </p:cNvSpPr>
-          <p:nvPr>
-            <p:ph type="body" sz="half" idx="1"/>
-          </p:nvPr>
-        </p:nvSpPr>
-        <p:spPr>
-          <a:xfrm>
-            <a:off x="963085" y="1328738"/>
-            <a:ext cx="10949516" cy="2374900"/>
-          </a:xfrm>
-        </p:spPr>
-        <p:txBody>
-          <a:bodyPr/>
-          <a:lstStyle/>
-          <a:p>
-            <a:pPr lvl="0"/>
-            <a:r>
-              <a:rPr lang="nl-NL"/>
-              <a:t>Klik om de modelstijlen te bewerken</a:t>
-            </a:r>
-          </a:p>
-          <a:p>
-            <a:pPr lvl="1"/>
-            <a:r>
-              <a:rPr lang="nl-NL"/>
-              <a:t>Tweede niveau</a:t>
-            </a:r>
-          </a:p>
-          <a:p>
-            <a:pPr lvl="2"/>
-            <a:r>
-              <a:rPr lang="nl-NL"/>
-              <a:t>Derde niveau</a:t>
-            </a:r>
-          </a:p>
-          <a:p>
-            <a:pPr lvl="3"/>
-            <a:r>
-              <a:rPr lang="nl-NL"/>
-              <a:t>Vierde niveau</a:t>
-            </a:r>
-          </a:p>
-          <a:p>
-            <a:pPr lvl="4"/>
-            <a:r>
-              <a:rPr lang="nl-NL"/>
-              <a:t>Vijfde niveau</a:t>
-            </a:r>
-          </a:p>
-        </p:txBody>
-      </p:sp>
-      <p:sp>
-        <p:nvSpPr>
-          <p:cNvPr id="4" name="Tijdelijke aanduiding voor inhoud 3"/>
-          <p:cNvSpPr>
-            <a:spLocks noGrp="1"/>
-          </p:cNvSpPr>
-          <p:nvPr>
-            <p:ph sz="half" idx="2"/>
-          </p:nvPr>
-        </p:nvSpPr>
-        <p:spPr>
-          <a:xfrm>
-            <a:off x="963085" y="3856038"/>
-            <a:ext cx="10949516" cy="2374900"/>
-          </a:xfrm>
-        </p:spPr>
-        <p:txBody>
-          <a:bodyPr/>
-          <a:lstStyle/>
-          <a:p>
-            <a:pPr lvl="0"/>
-            <a:r>
-              <a:rPr lang="nl-NL"/>
-              <a:t>Klik om de modelstijlen te bewerken</a:t>
-            </a:r>
-          </a:p>
-          <a:p>
-            <a:pPr lvl="1"/>
-            <a:r>
-              <a:rPr lang="nl-NL"/>
-              <a:t>Tweede niveau</a:t>
-            </a:r>
-          </a:p>
-          <a:p>
-            <a:pPr lvl="2"/>
-            <a:r>
-              <a:rPr lang="nl-NL"/>
-              <a:t>Derde niveau</a:t>
-            </a:r>
-          </a:p>
-          <a:p>
-            <a:pPr lvl="3"/>
-            <a:r>
-              <a:rPr lang="nl-NL"/>
-              <a:t>Vierde niveau</a:t>
-            </a:r>
-          </a:p>
-          <a:p>
-            <a:pPr lvl="4"/>
-            <a:r>
-              <a:rPr lang="nl-NL"/>
-              <a:t>Vijfde niveau</a:t>
-            </a:r>
-          </a:p>
-        </p:txBody>
-      </p:sp>
-      <p:sp>
-        <p:nvSpPr>
-          <p:cNvPr id="5" name="Rectangle 6"/>
-          <p:cNvSpPr>
-            <a:spLocks noGrp="1" noChangeArrowheads="1"/>
-          </p:cNvSpPr>
-          <p:nvPr>
-            <p:ph type="sldNum" sz="quarter" idx="10"/>
-          </p:nvPr>
-        </p:nvSpPr>
-        <p:spPr/>
-        <p:txBody>
-          <a:bodyPr/>
-          <a:lstStyle>
-            <a:lvl1pPr>
-              <a:defRPr/>
-            </a:lvl1pPr>
-          </a:lstStyle>
-          <a:p>
-            <a:pPr>
-              <a:defRPr/>
-            </a:pPr>
-            <a:r>
-              <a:rPr lang="nl-NL" dirty="0"/>
-              <a:t>© ap2008 | </a:t>
-            </a:r>
-            <a:fld id="{ECEF5E14-41EF-4384-A221-B95AAD681112}" type="slidenum">
-              <a:rPr lang="nl-NL"/>
-              <a:pPr>
-                <a:defRPr/>
-              </a:pPr>
-              <a:t>‹nr.›</a:t>
-            </a:fld>
-            <a:endParaRPr lang="nl-NL" dirty="0"/>
-          </a:p>
-        </p:txBody>
-      </p:sp>
     </p:spTree>
     <p:extLst>
       <p:ext uri="{BB962C8B-B14F-4D97-AF65-F5344CB8AC3E}">
-        <p14:creationId xmlns:p14="http://schemas.microsoft.com/office/powerpoint/2010/main" val="4214792129"/>
+        <p14:creationId xmlns:p14="http://schemas.microsoft.com/office/powerpoint/2010/main" val="2720419991"/>
       </p:ext>
     </p:extLst>
   </p:cSld>
   <p:clrMapOvr>
     <a:masterClrMapping/>
   </p:clrMapOvr>
-</p:sldLayout>
-</file>
-
-<file path=ppt/slideLayouts/slideLayout13.xml><?xml version="1.0" encoding="utf-8"?>
-<p:sldLayout xmlns:a="http://schemas.openxmlformats.org/drawingml/2006/main" xmlns:r="http://schemas.openxmlformats.org/officeDocument/2006/relationships" xmlns:p="http://schemas.openxmlformats.org/presentationml/2006/main" type="objOverTx" preserve="1">
-  <p:cSld name="Titel en object boven tekst">
-    <p:spTree>
-      <p:nvGrpSpPr>
-        <p:cNvPr id="1" name=""/>
-        <p:cNvGrpSpPr/>
-        <p:nvPr/>
-      </p:nvGrpSpPr>
-      <p:grpSpPr>
-        <a:xfrm>
-          <a:off x="0" y="0"/>
-          <a:ext cx="0" cy="0"/>
-          <a:chOff x="0" y="0"/>
-          <a:chExt cx="0" cy="0"/>
-        </a:xfrm>
-      </p:grpSpPr>
-      <p:sp>
-        <p:nvSpPr>
-          <p:cNvPr id="2" name="Titel 1"/>
-          <p:cNvSpPr>
-            <a:spLocks noGrp="1"/>
-          </p:cNvSpPr>
-          <p:nvPr>
-            <p:ph type="title"/>
-          </p:nvPr>
-        </p:nvSpPr>
-        <p:spPr>
-          <a:xfrm>
-            <a:off x="963085" y="0"/>
-            <a:ext cx="10265833" cy="922338"/>
-          </a:xfrm>
-        </p:spPr>
-        <p:txBody>
-          <a:bodyPr/>
-          <a:lstStyle/>
-          <a:p>
-            <a:r>
-              <a:rPr lang="nl-NL"/>
-              <a:t>Klik om de stijl te bewerken</a:t>
-            </a:r>
-          </a:p>
-        </p:txBody>
-      </p:sp>
-      <p:sp>
-        <p:nvSpPr>
-          <p:cNvPr id="3" name="Tijdelijke aanduiding voor inhoud 2"/>
-          <p:cNvSpPr>
-            <a:spLocks noGrp="1"/>
-          </p:cNvSpPr>
-          <p:nvPr>
-            <p:ph sz="half" idx="1"/>
-          </p:nvPr>
-        </p:nvSpPr>
-        <p:spPr>
-          <a:xfrm>
-            <a:off x="963085" y="1328738"/>
-            <a:ext cx="10949516" cy="2374900"/>
-          </a:xfrm>
-        </p:spPr>
-        <p:txBody>
-          <a:bodyPr/>
-          <a:lstStyle/>
-          <a:p>
-            <a:pPr lvl="0"/>
-            <a:r>
-              <a:rPr lang="nl-NL"/>
-              <a:t>Klik om de modelstijlen te bewerken</a:t>
-            </a:r>
-          </a:p>
-          <a:p>
-            <a:pPr lvl="1"/>
-            <a:r>
-              <a:rPr lang="nl-NL"/>
-              <a:t>Tweede niveau</a:t>
-            </a:r>
-          </a:p>
-          <a:p>
-            <a:pPr lvl="2"/>
-            <a:r>
-              <a:rPr lang="nl-NL"/>
-              <a:t>Derde niveau</a:t>
-            </a:r>
-          </a:p>
-          <a:p>
-            <a:pPr lvl="3"/>
-            <a:r>
-              <a:rPr lang="nl-NL"/>
-              <a:t>Vierde niveau</a:t>
-            </a:r>
-          </a:p>
-          <a:p>
-            <a:pPr lvl="4"/>
-            <a:r>
-              <a:rPr lang="nl-NL"/>
-              <a:t>Vijfde niveau</a:t>
-            </a:r>
-          </a:p>
-        </p:txBody>
-      </p:sp>
-      <p:sp>
-        <p:nvSpPr>
-          <p:cNvPr id="4" name="Tijdelijke aanduiding voor tekst 3"/>
-          <p:cNvSpPr>
-            <a:spLocks noGrp="1"/>
-          </p:cNvSpPr>
-          <p:nvPr>
-            <p:ph type="body" sz="half" idx="2"/>
-          </p:nvPr>
-        </p:nvSpPr>
-        <p:spPr>
-          <a:xfrm>
-            <a:off x="963085" y="3856038"/>
-            <a:ext cx="10949516" cy="2374900"/>
-          </a:xfrm>
-        </p:spPr>
-        <p:txBody>
-          <a:bodyPr/>
-          <a:lstStyle/>
-          <a:p>
-            <a:pPr lvl="0"/>
-            <a:r>
-              <a:rPr lang="nl-NL"/>
-              <a:t>Klik om de modelstijlen te bewerken</a:t>
-            </a:r>
-          </a:p>
-          <a:p>
-            <a:pPr lvl="1"/>
-            <a:r>
-              <a:rPr lang="nl-NL"/>
-              <a:t>Tweede niveau</a:t>
-            </a:r>
-          </a:p>
-          <a:p>
-            <a:pPr lvl="2"/>
-            <a:r>
-              <a:rPr lang="nl-NL"/>
-              <a:t>Derde niveau</a:t>
-            </a:r>
-          </a:p>
-          <a:p>
-            <a:pPr lvl="3"/>
-            <a:r>
-              <a:rPr lang="nl-NL"/>
-              <a:t>Vierde niveau</a:t>
-            </a:r>
-          </a:p>
-          <a:p>
-            <a:pPr lvl="4"/>
-            <a:r>
-              <a:rPr lang="nl-NL"/>
-              <a:t>Vijfde niveau</a:t>
-            </a:r>
-          </a:p>
-        </p:txBody>
-      </p:sp>
-      <p:sp>
-        <p:nvSpPr>
-          <p:cNvPr id="5" name="Rectangle 6"/>
-          <p:cNvSpPr>
-            <a:spLocks noGrp="1" noChangeArrowheads="1"/>
-          </p:cNvSpPr>
-          <p:nvPr>
-            <p:ph type="sldNum" sz="quarter" idx="10"/>
-          </p:nvPr>
-        </p:nvSpPr>
-        <p:spPr/>
-        <p:txBody>
-          <a:bodyPr/>
-          <a:lstStyle>
-            <a:lvl1pPr>
-              <a:defRPr/>
-            </a:lvl1pPr>
-          </a:lstStyle>
-          <a:p>
-            <a:pPr>
-              <a:defRPr/>
-            </a:pPr>
-            <a:r>
-              <a:rPr lang="nl-NL" dirty="0"/>
-              <a:t>© ap2008 | </a:t>
-            </a:r>
-            <a:fld id="{56CAE482-F4CF-42FD-A102-D28383B61AD1}" type="slidenum">
-              <a:rPr lang="nl-NL"/>
-              <a:pPr>
-                <a:defRPr/>
-              </a:pPr>
-              <a:t>‹nr.›</a:t>
-            </a:fld>
-            <a:endParaRPr lang="nl-NL" dirty="0"/>
-          </a:p>
-        </p:txBody>
-      </p:sp>
-    </p:spTree>
-    <p:extLst>
-      <p:ext uri="{BB962C8B-B14F-4D97-AF65-F5344CB8AC3E}">
-        <p14:creationId xmlns:p14="http://schemas.microsoft.com/office/powerpoint/2010/main" val="2206529444"/>
-      </p:ext>
-    </p:extLst>
-  </p:cSld>
-  <p:clrMapOvr>
-    <a:masterClrMapping/>
-  </p:clrMapOvr>
-</p:sldLayout>
-</file>
-
-<file path=ppt/slideLayouts/slideLayout14.xml><?xml version="1.0" encoding="utf-8"?>
-<p:sldLayout xmlns:a="http://schemas.openxmlformats.org/drawingml/2006/main" xmlns:r="http://schemas.openxmlformats.org/officeDocument/2006/relationships" xmlns:p="http://schemas.openxmlformats.org/presentationml/2006/main" type="objAndTx" preserve="1">
-  <p:cSld name="Titel, inhoud en tekst">
-    <p:spTree>
-      <p:nvGrpSpPr>
-        <p:cNvPr id="1" name=""/>
-        <p:cNvGrpSpPr/>
-        <p:nvPr/>
-      </p:nvGrpSpPr>
-      <p:grpSpPr>
-        <a:xfrm>
-          <a:off x="0" y="0"/>
-          <a:ext cx="0" cy="0"/>
-          <a:chOff x="0" y="0"/>
-          <a:chExt cx="0" cy="0"/>
-        </a:xfrm>
-      </p:grpSpPr>
-      <p:sp>
-        <p:nvSpPr>
-          <p:cNvPr id="2" name="Titel 1"/>
-          <p:cNvSpPr>
-            <a:spLocks noGrp="1"/>
-          </p:cNvSpPr>
-          <p:nvPr>
-            <p:ph type="title"/>
-          </p:nvPr>
-        </p:nvSpPr>
-        <p:spPr>
-          <a:xfrm>
-            <a:off x="963085" y="0"/>
-            <a:ext cx="10265833" cy="922338"/>
-          </a:xfrm>
-        </p:spPr>
-        <p:txBody>
-          <a:bodyPr/>
-          <a:lstStyle/>
-          <a:p>
-            <a:r>
-              <a:rPr lang="nl-NL"/>
-              <a:t>Klik om de stijl te bewerken</a:t>
-            </a:r>
-          </a:p>
-        </p:txBody>
-      </p:sp>
-      <p:sp>
-        <p:nvSpPr>
-          <p:cNvPr id="3" name="Tijdelijke aanduiding voor inhoud 2"/>
-          <p:cNvSpPr>
-            <a:spLocks noGrp="1"/>
-          </p:cNvSpPr>
-          <p:nvPr>
-            <p:ph sz="half" idx="1"/>
-          </p:nvPr>
-        </p:nvSpPr>
-        <p:spPr>
-          <a:xfrm>
-            <a:off x="963085" y="1328738"/>
-            <a:ext cx="5372100" cy="4902200"/>
-          </a:xfrm>
-        </p:spPr>
-        <p:txBody>
-          <a:bodyPr/>
-          <a:lstStyle/>
-          <a:p>
-            <a:pPr lvl="0"/>
-            <a:r>
-              <a:rPr lang="nl-NL"/>
-              <a:t>Klik om de modelstijlen te bewerken</a:t>
-            </a:r>
-          </a:p>
-          <a:p>
-            <a:pPr lvl="1"/>
-            <a:r>
-              <a:rPr lang="nl-NL"/>
-              <a:t>Tweede niveau</a:t>
-            </a:r>
-          </a:p>
-          <a:p>
-            <a:pPr lvl="2"/>
-            <a:r>
-              <a:rPr lang="nl-NL"/>
-              <a:t>Derde niveau</a:t>
-            </a:r>
-          </a:p>
-          <a:p>
-            <a:pPr lvl="3"/>
-            <a:r>
-              <a:rPr lang="nl-NL"/>
-              <a:t>Vierde niveau</a:t>
-            </a:r>
-          </a:p>
-          <a:p>
-            <a:pPr lvl="4"/>
-            <a:r>
-              <a:rPr lang="nl-NL"/>
-              <a:t>Vijfde niveau</a:t>
-            </a:r>
-          </a:p>
-        </p:txBody>
-      </p:sp>
-      <p:sp>
-        <p:nvSpPr>
-          <p:cNvPr id="4" name="Tijdelijke aanduiding voor tekst 3"/>
-          <p:cNvSpPr>
-            <a:spLocks noGrp="1"/>
-          </p:cNvSpPr>
-          <p:nvPr>
-            <p:ph type="body" sz="half" idx="2"/>
-          </p:nvPr>
-        </p:nvSpPr>
-        <p:spPr>
-          <a:xfrm>
-            <a:off x="6538384" y="1328738"/>
-            <a:ext cx="5374216" cy="4902200"/>
-          </a:xfrm>
-        </p:spPr>
-        <p:txBody>
-          <a:bodyPr/>
-          <a:lstStyle/>
-          <a:p>
-            <a:pPr lvl="0"/>
-            <a:r>
-              <a:rPr lang="nl-NL"/>
-              <a:t>Klik om de modelstijlen te bewerken</a:t>
-            </a:r>
-          </a:p>
-          <a:p>
-            <a:pPr lvl="1"/>
-            <a:r>
-              <a:rPr lang="nl-NL"/>
-              <a:t>Tweede niveau</a:t>
-            </a:r>
-          </a:p>
-          <a:p>
-            <a:pPr lvl="2"/>
-            <a:r>
-              <a:rPr lang="nl-NL"/>
-              <a:t>Derde niveau</a:t>
-            </a:r>
-          </a:p>
-          <a:p>
-            <a:pPr lvl="3"/>
-            <a:r>
-              <a:rPr lang="nl-NL"/>
-              <a:t>Vierde niveau</a:t>
-            </a:r>
-          </a:p>
-          <a:p>
-            <a:pPr lvl="4"/>
-            <a:r>
-              <a:rPr lang="nl-NL"/>
-              <a:t>Vijfde niveau</a:t>
-            </a:r>
-          </a:p>
-        </p:txBody>
-      </p:sp>
-      <p:sp>
-        <p:nvSpPr>
-          <p:cNvPr id="5" name="Rectangle 6"/>
-          <p:cNvSpPr>
-            <a:spLocks noGrp="1" noChangeArrowheads="1"/>
-          </p:cNvSpPr>
-          <p:nvPr>
-            <p:ph type="sldNum" sz="quarter" idx="10"/>
-          </p:nvPr>
-        </p:nvSpPr>
-        <p:spPr/>
-        <p:txBody>
-          <a:bodyPr/>
-          <a:lstStyle>
-            <a:lvl1pPr>
-              <a:defRPr/>
-            </a:lvl1pPr>
-          </a:lstStyle>
-          <a:p>
-            <a:pPr>
-              <a:defRPr/>
-            </a:pPr>
-            <a:r>
-              <a:rPr lang="nl-NL" dirty="0"/>
-              <a:t>© ap2008 | </a:t>
-            </a:r>
-            <a:fld id="{292A9103-B1A4-4E72-B16D-CC0F061E6325}" type="slidenum">
-              <a:rPr lang="nl-NL"/>
-              <a:pPr>
-                <a:defRPr/>
-              </a:pPr>
-              <a:t>‹nr.›</a:t>
-            </a:fld>
-            <a:endParaRPr lang="nl-NL" dirty="0"/>
-          </a:p>
-        </p:txBody>
-      </p:sp>
-    </p:spTree>
-    <p:extLst>
-      <p:ext uri="{BB962C8B-B14F-4D97-AF65-F5344CB8AC3E}">
-        <p14:creationId xmlns:p14="http://schemas.microsoft.com/office/powerpoint/2010/main" val="1535485563"/>
-      </p:ext>
-    </p:extLst>
-  </p:cSld>
-  <p:clrMapOvr>
-    <a:masterClrMapping/>
-  </p:clrMapOvr>
-</p:sldLayout>
-</file>
-
-<file path=ppt/slideLayouts/slideLayout15.xml><?xml version="1.0" encoding="utf-8"?>
-<p:sldLayout xmlns:a="http://schemas.openxmlformats.org/drawingml/2006/main" xmlns:r="http://schemas.openxmlformats.org/officeDocument/2006/relationships" xmlns:p="http://schemas.openxmlformats.org/presentationml/2006/main" type="chart" preserve="1">
-  <p:cSld name="Titel en grafiek">
-    <p:spTree>
-      <p:nvGrpSpPr>
-        <p:cNvPr id="1" name=""/>
-        <p:cNvGrpSpPr/>
-        <p:nvPr/>
-      </p:nvGrpSpPr>
-      <p:grpSpPr>
-        <a:xfrm>
-          <a:off x="0" y="0"/>
-          <a:ext cx="0" cy="0"/>
-          <a:chOff x="0" y="0"/>
-          <a:chExt cx="0" cy="0"/>
-        </a:xfrm>
-      </p:grpSpPr>
-      <p:sp>
-        <p:nvSpPr>
-          <p:cNvPr id="2" name="Titel 1"/>
-          <p:cNvSpPr>
-            <a:spLocks noGrp="1"/>
-          </p:cNvSpPr>
-          <p:nvPr>
-            <p:ph type="title"/>
-          </p:nvPr>
-        </p:nvSpPr>
-        <p:spPr>
-          <a:xfrm>
-            <a:off x="963085" y="0"/>
-            <a:ext cx="10265833" cy="922338"/>
-          </a:xfrm>
-        </p:spPr>
-        <p:txBody>
-          <a:bodyPr/>
-          <a:lstStyle/>
-          <a:p>
-            <a:r>
-              <a:rPr lang="nl-NL"/>
-              <a:t>Klik om de stijl te bewerken</a:t>
-            </a:r>
-          </a:p>
-        </p:txBody>
-      </p:sp>
-      <p:sp>
-        <p:nvSpPr>
-          <p:cNvPr id="3" name="Tijdelijke aanduiding voor grafiek 2"/>
-          <p:cNvSpPr>
-            <a:spLocks noGrp="1"/>
-          </p:cNvSpPr>
-          <p:nvPr>
-            <p:ph type="chart" idx="1"/>
-          </p:nvPr>
-        </p:nvSpPr>
-        <p:spPr>
-          <a:xfrm>
-            <a:off x="963085" y="1328738"/>
-            <a:ext cx="10949516" cy="4902200"/>
-          </a:xfrm>
-        </p:spPr>
-        <p:txBody>
-          <a:bodyPr/>
-          <a:lstStyle/>
-          <a:p>
-            <a:pPr lvl="0"/>
-            <a:endParaRPr lang="nl-NL" noProof="0"/>
-          </a:p>
-        </p:txBody>
-      </p:sp>
-      <p:sp>
-        <p:nvSpPr>
-          <p:cNvPr id="4" name="Rectangle 6"/>
-          <p:cNvSpPr>
-            <a:spLocks noGrp="1" noChangeArrowheads="1"/>
-          </p:cNvSpPr>
-          <p:nvPr>
-            <p:ph type="sldNum" sz="quarter" idx="10"/>
-          </p:nvPr>
-        </p:nvSpPr>
-        <p:spPr/>
-        <p:txBody>
-          <a:bodyPr/>
-          <a:lstStyle>
-            <a:lvl1pPr>
-              <a:defRPr/>
-            </a:lvl1pPr>
-          </a:lstStyle>
-          <a:p>
-            <a:pPr>
-              <a:defRPr/>
-            </a:pPr>
-            <a:r>
-              <a:rPr lang="nl-NL" dirty="0"/>
-              <a:t>© ap2008 | </a:t>
-            </a:r>
-            <a:fld id="{E07500AD-C4BB-4B1D-B172-BA010A5CE094}" type="slidenum">
-              <a:rPr lang="nl-NL"/>
-              <a:pPr>
-                <a:defRPr/>
-              </a:pPr>
-              <a:t>‹nr.›</a:t>
-            </a:fld>
-            <a:endParaRPr lang="nl-NL" dirty="0"/>
-          </a:p>
-        </p:txBody>
-      </p:sp>
-    </p:spTree>
-    <p:extLst>
-      <p:ext uri="{BB962C8B-B14F-4D97-AF65-F5344CB8AC3E}">
-        <p14:creationId xmlns:p14="http://schemas.microsoft.com/office/powerpoint/2010/main" val="2252417667"/>
-      </p:ext>
-    </p:extLst>
-  </p:cSld>
-  <p:clrMapOvr>
-    <a:masterClrMapping/>
-  </p:clrMapOvr>
-</p:sldLayout>
-</file>
-
-<file path=ppt/slideLayouts/slideLayout16.xml><?xml version="1.0" encoding="utf-8"?>
-<p:sldLayout xmlns:a="http://schemas.openxmlformats.org/drawingml/2006/main" xmlns:r="http://schemas.openxmlformats.org/officeDocument/2006/relationships" xmlns:p="http://schemas.openxmlformats.org/presentationml/2006/main" type="tbl" preserve="1">
-  <p:cSld name="Titel en tabel">
-    <p:spTree>
-      <p:nvGrpSpPr>
-        <p:cNvPr id="1" name=""/>
-        <p:cNvGrpSpPr/>
-        <p:nvPr/>
-      </p:nvGrpSpPr>
-      <p:grpSpPr>
-        <a:xfrm>
-          <a:off x="0" y="0"/>
-          <a:ext cx="0" cy="0"/>
-          <a:chOff x="0" y="0"/>
-          <a:chExt cx="0" cy="0"/>
-        </a:xfrm>
-      </p:grpSpPr>
-      <p:sp>
-        <p:nvSpPr>
-          <p:cNvPr id="2" name="Titel 1"/>
-          <p:cNvSpPr>
-            <a:spLocks noGrp="1"/>
-          </p:cNvSpPr>
-          <p:nvPr>
-            <p:ph type="title"/>
-          </p:nvPr>
-        </p:nvSpPr>
-        <p:spPr>
-          <a:xfrm>
-            <a:off x="963085" y="0"/>
-            <a:ext cx="10265833" cy="922338"/>
-          </a:xfrm>
-        </p:spPr>
-        <p:txBody>
-          <a:bodyPr/>
-          <a:lstStyle/>
-          <a:p>
-            <a:r>
-              <a:rPr lang="nl-NL"/>
-              <a:t>Klik om de stijl te bewerken</a:t>
-            </a:r>
-          </a:p>
-        </p:txBody>
-      </p:sp>
-      <p:sp>
-        <p:nvSpPr>
-          <p:cNvPr id="3" name="Tijdelijke aanduiding voor tabel 2"/>
-          <p:cNvSpPr>
-            <a:spLocks noGrp="1"/>
-          </p:cNvSpPr>
-          <p:nvPr>
-            <p:ph type="tbl" idx="1"/>
-          </p:nvPr>
-        </p:nvSpPr>
-        <p:spPr>
-          <a:xfrm>
-            <a:off x="963085" y="1328738"/>
-            <a:ext cx="10949516" cy="4902200"/>
-          </a:xfrm>
-        </p:spPr>
-        <p:txBody>
-          <a:bodyPr/>
-          <a:lstStyle/>
-          <a:p>
-            <a:pPr lvl="0"/>
-            <a:endParaRPr lang="nl-NL" noProof="0"/>
-          </a:p>
-        </p:txBody>
-      </p:sp>
-      <p:sp>
-        <p:nvSpPr>
-          <p:cNvPr id="4" name="Rectangle 6"/>
-          <p:cNvSpPr>
-            <a:spLocks noGrp="1" noChangeArrowheads="1"/>
-          </p:cNvSpPr>
-          <p:nvPr>
-            <p:ph type="sldNum" sz="quarter" idx="10"/>
-          </p:nvPr>
-        </p:nvSpPr>
-        <p:spPr/>
-        <p:txBody>
-          <a:bodyPr/>
-          <a:lstStyle>
-            <a:lvl1pPr>
-              <a:defRPr/>
-            </a:lvl1pPr>
-          </a:lstStyle>
-          <a:p>
-            <a:pPr>
-              <a:defRPr/>
-            </a:pPr>
-            <a:r>
-              <a:rPr lang="nl-NL" dirty="0"/>
-              <a:t>© ap2008 | </a:t>
-            </a:r>
-            <a:fld id="{31746CC9-2660-48D4-8C8B-A0B0CDBB99B0}" type="slidenum">
-              <a:rPr lang="nl-NL"/>
-              <a:pPr>
-                <a:defRPr/>
-              </a:pPr>
-              <a:t>‹nr.›</a:t>
-            </a:fld>
-            <a:endParaRPr lang="nl-NL" dirty="0"/>
-          </a:p>
-        </p:txBody>
-      </p:sp>
-    </p:spTree>
-    <p:extLst>
-      <p:ext uri="{BB962C8B-B14F-4D97-AF65-F5344CB8AC3E}">
-        <p14:creationId xmlns:p14="http://schemas.microsoft.com/office/powerpoint/2010/main" val="2996290739"/>
-      </p:ext>
-    </p:extLst>
-  </p:cSld>
-  <p:clrMapOvr>
-    <a:masterClrMapping/>
-  </p:clrMapOvr>
-</p:sldLayout>
-</file>
-
-<file path=ppt/slideLayouts/slideLayout17.xml><?xml version="1.0" encoding="utf-8"?>
-<p:sldLayout xmlns:a="http://schemas.openxmlformats.org/drawingml/2006/main" xmlns:r="http://schemas.openxmlformats.org/officeDocument/2006/relationships" xmlns:p="http://schemas.openxmlformats.org/presentationml/2006/main" type="title">
-  <p:cSld name="Title Slide">
-    <p:spTree>
-      <p:nvGrpSpPr>
-        <p:cNvPr id="1" name=""/>
-        <p:cNvGrpSpPr/>
-        <p:nvPr/>
-      </p:nvGrpSpPr>
-      <p:grpSpPr>
-        <a:xfrm>
-          <a:off x="0" y="0"/>
-          <a:ext cx="0" cy="0"/>
-          <a:chOff x="0" y="0"/>
-          <a:chExt cx="0" cy="0"/>
-        </a:xfrm>
-      </p:grpSpPr>
-      <p:sp>
-        <p:nvSpPr>
-          <p:cNvPr id="2" name="Title 1"/>
-          <p:cNvSpPr>
-            <a:spLocks noGrp="1"/>
-          </p:cNvSpPr>
-          <p:nvPr>
-            <p:ph type="ctrTitle"/>
-          </p:nvPr>
-        </p:nvSpPr>
-        <p:spPr>
-          <a:xfrm>
-            <a:off x="914400" y="2130426"/>
-            <a:ext cx="10363200" cy="1470025"/>
-          </a:xfrm>
-        </p:spPr>
-        <p:txBody>
-          <a:bodyPr/>
-          <a:lstStyle/>
-          <a:p>
-            <a:r>
-              <a:rPr lang="en-US"/>
-              <a:t>Click to edit Master title style</a:t>
-            </a:r>
-            <a:endParaRPr lang="en-CA"/>
-          </a:p>
-        </p:txBody>
-      </p:sp>
-      <p:sp>
-        <p:nvSpPr>
-          <p:cNvPr id="3" name="Subtitle 2"/>
-          <p:cNvSpPr>
-            <a:spLocks noGrp="1"/>
-          </p:cNvSpPr>
-          <p:nvPr>
-            <p:ph type="subTitle" idx="1"/>
-          </p:nvPr>
-        </p:nvSpPr>
-        <p:spPr>
-          <a:xfrm>
-            <a:off x="1828800" y="3886200"/>
-            <a:ext cx="8534400" cy="1752600"/>
-          </a:xfrm>
-        </p:spPr>
-        <p:txBody>
-          <a:bodyPr/>
-          <a:lstStyle>
-            <a:lvl1pPr marL="0" indent="0" algn="ctr">
-              <a:buNone/>
-              <a:defRPr>
-                <a:solidFill>
-                  <a:schemeClr val="tx1">
-                    <a:tint val="75000"/>
-                  </a:schemeClr>
-                </a:solidFill>
-              </a:defRPr>
-            </a:lvl1pPr>
-            <a:lvl2pPr marL="457200" indent="0" algn="ctr">
-              <a:buNone/>
-              <a:defRPr>
-                <a:solidFill>
-                  <a:schemeClr val="tx1">
-                    <a:tint val="75000"/>
-                  </a:schemeClr>
-                </a:solidFill>
-              </a:defRPr>
-            </a:lvl2pPr>
-            <a:lvl3pPr marL="914400" indent="0" algn="ctr">
-              <a:buNone/>
-              <a:defRPr>
-                <a:solidFill>
-                  <a:schemeClr val="tx1">
-                    <a:tint val="75000"/>
-                  </a:schemeClr>
-                </a:solidFill>
-              </a:defRPr>
-            </a:lvl3pPr>
-            <a:lvl4pPr marL="1371600" indent="0" algn="ctr">
-              <a:buNone/>
-              <a:defRPr>
-                <a:solidFill>
-                  <a:schemeClr val="tx1">
-                    <a:tint val="75000"/>
-                  </a:schemeClr>
-                </a:solidFill>
-              </a:defRPr>
-            </a:lvl4pPr>
-            <a:lvl5pPr marL="1828800" indent="0" algn="ctr">
-              <a:buNone/>
-              <a:defRPr>
-                <a:solidFill>
-                  <a:schemeClr val="tx1">
-                    <a:tint val="75000"/>
-                  </a:schemeClr>
-                </a:solidFill>
-              </a:defRPr>
-            </a:lvl5pPr>
-            <a:lvl6pPr marL="2286000" indent="0" algn="ctr">
-              <a:buNone/>
-              <a:defRPr>
-                <a:solidFill>
-                  <a:schemeClr val="tx1">
-                    <a:tint val="75000"/>
-                  </a:schemeClr>
-                </a:solidFill>
-              </a:defRPr>
-            </a:lvl6pPr>
-            <a:lvl7pPr marL="2743200" indent="0" algn="ctr">
-              <a:buNone/>
-              <a:defRPr>
-                <a:solidFill>
-                  <a:schemeClr val="tx1">
-                    <a:tint val="75000"/>
-                  </a:schemeClr>
-                </a:solidFill>
-              </a:defRPr>
-            </a:lvl7pPr>
-            <a:lvl8pPr marL="3200400" indent="0" algn="ctr">
-              <a:buNone/>
-              <a:defRPr>
-                <a:solidFill>
-                  <a:schemeClr val="tx1">
-                    <a:tint val="75000"/>
-                  </a:schemeClr>
-                </a:solidFill>
-              </a:defRPr>
-            </a:lvl8pPr>
-            <a:lvl9pPr marL="3657600" indent="0" algn="ctr">
-              <a:buNone/>
-              <a:defRPr>
-                <a:solidFill>
-                  <a:schemeClr val="tx1">
-                    <a:tint val="75000"/>
-                  </a:schemeClr>
-                </a:solidFill>
-              </a:defRPr>
-            </a:lvl9pPr>
-          </a:lstStyle>
-          <a:p>
-            <a:r>
-              <a:rPr lang="en-US"/>
-              <a:t>Click to edit Master subtitle style</a:t>
-            </a:r>
-            <a:endParaRPr lang="en-CA"/>
-          </a:p>
-        </p:txBody>
-      </p:sp>
-      <p:sp>
-        <p:nvSpPr>
-          <p:cNvPr id="4" name="Date Placeholder 3"/>
-          <p:cNvSpPr>
-            <a:spLocks noGrp="1"/>
-          </p:cNvSpPr>
-          <p:nvPr>
-            <p:ph type="dt" sz="half" idx="10"/>
-          </p:nvPr>
-        </p:nvSpPr>
-        <p:spPr>
-          <a:xfrm>
-            <a:off x="609600" y="6356351"/>
-            <a:ext cx="2844800" cy="365125"/>
-          </a:xfrm>
-          <a:prstGeom prst="rect">
-            <a:avLst/>
-          </a:prstGeom>
-        </p:spPr>
-        <p:txBody>
-          <a:bodyPr/>
-          <a:lstStyle>
-            <a:lvl1pPr>
-              <a:defRPr/>
-            </a:lvl1pPr>
-          </a:lstStyle>
-          <a:p>
-            <a:pPr>
-              <a:defRPr/>
-            </a:pPr>
-            <a:fld id="{4283A4AE-8DB4-496E-8E13-031B045371D6}" type="datetimeFigureOut">
-              <a:rPr lang="en-US"/>
-              <a:pPr>
-                <a:defRPr/>
-              </a:pPr>
-              <a:t>4/28/2019</a:t>
-            </a:fld>
-            <a:endParaRPr lang="en-CA"/>
-          </a:p>
-        </p:txBody>
-      </p:sp>
-      <p:sp>
-        <p:nvSpPr>
-          <p:cNvPr id="5" name="Footer Placeholder 4"/>
-          <p:cNvSpPr>
-            <a:spLocks noGrp="1"/>
-          </p:cNvSpPr>
-          <p:nvPr>
-            <p:ph type="ftr" sz="quarter" idx="11"/>
-          </p:nvPr>
-        </p:nvSpPr>
-        <p:spPr>
-          <a:xfrm>
-            <a:off x="4165600" y="6356351"/>
-            <a:ext cx="3860800" cy="365125"/>
-          </a:xfrm>
-          <a:prstGeom prst="rect">
-            <a:avLst/>
-          </a:prstGeom>
-        </p:spPr>
-        <p:txBody>
-          <a:bodyPr/>
-          <a:lstStyle>
-            <a:lvl1pPr>
-              <a:defRPr/>
-            </a:lvl1pPr>
-          </a:lstStyle>
-          <a:p>
-            <a:pPr>
-              <a:defRPr/>
-            </a:pPr>
-            <a:endParaRPr lang="en-CA"/>
-          </a:p>
-        </p:txBody>
-      </p:sp>
-      <p:sp>
-        <p:nvSpPr>
-          <p:cNvPr id="6" name="Slide Number Placeholder 5"/>
-          <p:cNvSpPr>
-            <a:spLocks noGrp="1"/>
-          </p:cNvSpPr>
-          <p:nvPr>
-            <p:ph type="sldNum" sz="quarter" idx="12"/>
-          </p:nvPr>
-        </p:nvSpPr>
-        <p:spPr/>
-        <p:txBody>
-          <a:bodyPr/>
-          <a:lstStyle>
-            <a:lvl1pPr>
-              <a:defRPr/>
-            </a:lvl1pPr>
-          </a:lstStyle>
-          <a:p>
-            <a:pPr>
-              <a:defRPr/>
-            </a:pPr>
-            <a:fld id="{A06BB038-3F5A-4047-B30F-E06C3E47D8DA}" type="slidenum">
-              <a:rPr lang="en-CA"/>
-              <a:pPr>
-                <a:defRPr/>
-              </a:pPr>
-              <a:t>‹nr.›</a:t>
-            </a:fld>
-            <a:endParaRPr lang="en-CA"/>
-          </a:p>
-        </p:txBody>
-      </p:sp>
-    </p:spTree>
-    <p:extLst>
-      <p:ext uri="{BB962C8B-B14F-4D97-AF65-F5344CB8AC3E}">
-        <p14:creationId xmlns:p14="http://schemas.microsoft.com/office/powerpoint/2010/main" val="1948970688"/>
-      </p:ext>
-    </p:extLst>
-  </p:cSld>
-  <p:clrMapOvr>
-    <a:masterClrMapping/>
-  </p:clrMapOvr>
+  <p:hf hdr="0" ftr="0" dt="0"/>
 </p:sldLayout>
 </file>
 
@@ -2293,7 +1409,13 @@
       </p:grpSpPr>
       <p:sp>
         <p:nvSpPr>
-          <p:cNvPr id="2" name="Titel 1"/>
+          <p:cNvPr id="2" name="Titel 1">
+            <a:extLst>
+              <a:ext uri="{FF2B5EF4-FFF2-40B4-BE49-F238E27FC236}">
+                <a16:creationId xmlns:a16="http://schemas.microsoft.com/office/drawing/2014/main" id="{3B8BAD38-7922-4925-9B1E-C8B9824AB115}"/>
+              </a:ext>
+            </a:extLst>
+          </p:cNvPr>
           <p:cNvSpPr>
             <a:spLocks noGrp="1"/>
           </p:cNvSpPr>
@@ -2308,14 +1430,21 @@
           <a:p>
             <a:r>
               <a:rPr lang="nl-NL"/>
-              <a:t>Klik om de stijl te bewerken</a:t>
-            </a:r>
-          </a:p>
-        </p:txBody>
-      </p:sp>
-      <p:sp>
-        <p:nvSpPr>
-          <p:cNvPr id="3" name="Tijdelijke aanduiding voor inhoud 2"/>
+              <a:t>Klik om stijl te bewerken</a:t>
+            </a:r>
+            <a:endParaRPr lang="nl-BE"/>
+          </a:p>
+        </p:txBody>
+      </p:sp>
+      <p:sp>
+        <p:nvSpPr>
+          <p:cNvPr id="3" name="Tijdelijke aanduiding voor inhoud 2">
+            <a:extLst>
+              <a:ext uri="{FF2B5EF4-FFF2-40B4-BE49-F238E27FC236}">
+                <a16:creationId xmlns:a16="http://schemas.microsoft.com/office/drawing/2014/main" id="{F646D84E-4957-4D2C-BDD6-C478B3F04CD3}"/>
+              </a:ext>
+            </a:extLst>
+          </p:cNvPr>
           <p:cNvSpPr>
             <a:spLocks noGrp="1"/>
           </p:cNvSpPr>
@@ -2331,7 +1460,7 @@
             <a:pPr lvl="0"/>
             <a:r>
               <a:rPr lang="nl-NL"/>
-              <a:t>Klik om de modelstijlen te bewerken</a:t>
+              <a:t>Klikken om de tekststijl van het model te bewerken</a:t>
             </a:r>
           </a:p>
           <a:p>
@@ -2361,47 +1490,94 @@
               <a:rPr lang="nl-NL"/>
               <a:t>Vijfde niveau</a:t>
             </a:r>
-          </a:p>
-        </p:txBody>
-      </p:sp>
-      <p:sp>
-        <p:nvSpPr>
-          <p:cNvPr id="4" name="Rectangle 6"/>
-          <p:cNvSpPr>
-            <a:spLocks noGrp="1" noChangeArrowheads="1"/>
-          </p:cNvSpPr>
-          <p:nvPr>
-            <p:ph type="sldNum" sz="quarter" idx="10"/>
-          </p:nvPr>
-        </p:nvSpPr>
-        <p:spPr>
-          <a:ln/>
-        </p:spPr>
-        <p:txBody>
-          <a:bodyPr/>
-          <a:lstStyle>
-            <a:lvl1pPr>
-              <a:defRPr/>
-            </a:lvl1pPr>
-          </a:lstStyle>
+            <a:endParaRPr lang="nl-BE"/>
+          </a:p>
+        </p:txBody>
+      </p:sp>
+      <p:sp>
+        <p:nvSpPr>
+          <p:cNvPr id="4" name="Tijdelijke aanduiding voor datum 3">
+            <a:extLst>
+              <a:ext uri="{FF2B5EF4-FFF2-40B4-BE49-F238E27FC236}">
+                <a16:creationId xmlns:a16="http://schemas.microsoft.com/office/drawing/2014/main" id="{467BED60-0F65-4F2B-B5B9-7CDC70E73F2E}"/>
+              </a:ext>
+            </a:extLst>
+          </p:cNvPr>
+          <p:cNvSpPr>
+            <a:spLocks noGrp="1"/>
+          </p:cNvSpPr>
+          <p:nvPr>
+            <p:ph type="dt" sz="half" idx="10"/>
+          </p:nvPr>
+        </p:nvSpPr>
+        <p:spPr/>
+        <p:txBody>
+          <a:bodyPr/>
+          <a:lstStyle/>
+          <a:p>
+            <a:fld id="{2661A00B-007A-4326-8859-8C83DD4C6E5D}" type="datetimeFigureOut">
+              <a:rPr lang="nl-BE" smtClean="0"/>
+              <a:t>4/02/2021</a:t>
+            </a:fld>
+            <a:endParaRPr lang="nl-BE"/>
+          </a:p>
+        </p:txBody>
+      </p:sp>
+      <p:sp>
+        <p:nvSpPr>
+          <p:cNvPr id="5" name="Tijdelijke aanduiding voor voettekst 4">
+            <a:extLst>
+              <a:ext uri="{FF2B5EF4-FFF2-40B4-BE49-F238E27FC236}">
+                <a16:creationId xmlns:a16="http://schemas.microsoft.com/office/drawing/2014/main" id="{3C5970C4-1407-4452-9148-636A126C94CD}"/>
+              </a:ext>
+            </a:extLst>
+          </p:cNvPr>
+          <p:cNvSpPr>
+            <a:spLocks noGrp="1"/>
+          </p:cNvSpPr>
+          <p:nvPr>
+            <p:ph type="ftr" sz="quarter" idx="11"/>
+          </p:nvPr>
+        </p:nvSpPr>
+        <p:spPr/>
+        <p:txBody>
+          <a:bodyPr/>
+          <a:lstStyle/>
+          <a:p>
+            <a:endParaRPr lang="nl-BE"/>
+          </a:p>
+        </p:txBody>
+      </p:sp>
+      <p:sp>
+        <p:nvSpPr>
+          <p:cNvPr id="6" name="Tijdelijke aanduiding voor dianummer 5">
+            <a:extLst>
+              <a:ext uri="{FF2B5EF4-FFF2-40B4-BE49-F238E27FC236}">
+                <a16:creationId xmlns:a16="http://schemas.microsoft.com/office/drawing/2014/main" id="{25C57E89-1D0D-4354-8F65-63804968C1CF}"/>
+              </a:ext>
+            </a:extLst>
+          </p:cNvPr>
+          <p:cNvSpPr>
+            <a:spLocks noGrp="1"/>
+          </p:cNvSpPr>
+          <p:nvPr>
+            <p:ph type="sldNum" sz="quarter" idx="12"/>
+          </p:nvPr>
+        </p:nvSpPr>
+        <p:spPr/>
+        <p:txBody>
+          <a:bodyPr/>
+          <a:lstStyle/>
           <a:p>
             <a:pPr>
               <a:defRPr/>
             </a:pPr>
             <a:r>
-              <a:rPr lang="nl-NL" dirty="0"/>
-              <a:t>© </a:t>
-            </a:r>
-            <a:r>
-              <a:rPr lang="nl-NL" dirty="0" err="1"/>
-              <a:t>ap</a:t>
-            </a:r>
-            <a:r>
-              <a:rPr lang="nl-NL" dirty="0"/>
-              <a:t>| </a:t>
+              <a:rPr lang="nl-NL"/>
+              <a:t>© ap| </a:t>
             </a:r>
             <a:fld id="{8A00CA90-1673-4C5D-B289-DA0BFE9501DF}" type="slidenum">
-              <a:rPr lang="nl-NL"/>
+              <a:rPr lang="nl-NL" smtClean="0"/>
               <a:pPr>
                 <a:defRPr/>
               </a:pPr>
@@ -2414,7 +1590,7 @@
     </p:spTree>
     <p:extLst>
       <p:ext uri="{BB962C8B-B14F-4D97-AF65-F5344CB8AC3E}">
-        <p14:creationId xmlns:p14="http://schemas.microsoft.com/office/powerpoint/2010/main" val="2378203828"/>
+        <p14:creationId xmlns:p14="http://schemas.microsoft.com/office/powerpoint/2010/main" val="3344379863"/>
       </p:ext>
     </p:extLst>
   </p:cSld>
@@ -2443,7 +1619,13 @@
       </p:grpSpPr>
       <p:sp>
         <p:nvSpPr>
-          <p:cNvPr id="2" name="Titel 1"/>
+          <p:cNvPr id="2" name="Titel 1">
+            <a:extLst>
+              <a:ext uri="{FF2B5EF4-FFF2-40B4-BE49-F238E27FC236}">
+                <a16:creationId xmlns:a16="http://schemas.microsoft.com/office/drawing/2014/main" id="{CC7D09DE-9877-4775-9EA0-3FAF25053291}"/>
+              </a:ext>
+            </a:extLst>
+          </p:cNvPr>
           <p:cNvSpPr>
             <a:spLocks noGrp="1"/>
           </p:cNvSpPr>
@@ -2453,28 +1635,35 @@
         </p:nvSpPr>
         <p:spPr>
           <a:xfrm>
-            <a:off x="963084" y="4406901"/>
-            <a:ext cx="10363200" cy="1362075"/>
+            <a:off x="831850" y="1709738"/>
+            <a:ext cx="10515600" cy="2852737"/>
           </a:xfrm>
         </p:spPr>
         <p:txBody>
-          <a:bodyPr anchor="t"/>
+          <a:bodyPr anchor="b"/>
           <a:lstStyle>
-            <a:lvl1pPr algn="l">
-              <a:defRPr sz="4000" b="1" cap="all"/>
+            <a:lvl1pPr>
+              <a:defRPr sz="6000"/>
             </a:lvl1pPr>
           </a:lstStyle>
           <a:p>
             <a:r>
               <a:rPr lang="nl-NL"/>
-              <a:t>Klik om de stijl te bewerken</a:t>
-            </a:r>
-          </a:p>
-        </p:txBody>
-      </p:sp>
-      <p:sp>
-        <p:nvSpPr>
-          <p:cNvPr id="3" name="Tijdelijke aanduiding voor tekst 2"/>
+              <a:t>Klik om stijl te bewerken</a:t>
+            </a:r>
+            <a:endParaRPr lang="nl-BE"/>
+          </a:p>
+        </p:txBody>
+      </p:sp>
+      <p:sp>
+        <p:nvSpPr>
+          <p:cNvPr id="3" name="Tijdelijke aanduiding voor tekst 2">
+            <a:extLst>
+              <a:ext uri="{FF2B5EF4-FFF2-40B4-BE49-F238E27FC236}">
+                <a16:creationId xmlns:a16="http://schemas.microsoft.com/office/drawing/2014/main" id="{7E204716-6C27-4458-A66E-7D0C8675C936}"/>
+              </a:ext>
+            </a:extLst>
+          </p:cNvPr>
           <p:cNvSpPr>
             <a:spLocks noGrp="1"/>
           </p:cNvSpPr>
@@ -2484,97 +1673,197 @@
         </p:nvSpPr>
         <p:spPr>
           <a:xfrm>
-            <a:off x="963084" y="2906713"/>
-            <a:ext cx="10363200" cy="1500187"/>
+            <a:off x="831850" y="4589463"/>
+            <a:ext cx="10515600" cy="1500187"/>
           </a:xfrm>
         </p:spPr>
         <p:txBody>
-          <a:bodyPr anchor="b"/>
+          <a:bodyPr/>
           <a:lstStyle>
             <a:lvl1pPr marL="0" indent="0">
               <a:buNone/>
-              <a:defRPr sz="2000"/>
+              <a:defRPr sz="2400">
+                <a:solidFill>
+                  <a:schemeClr val="tx1">
+                    <a:tint val="75000"/>
+                  </a:schemeClr>
+                </a:solidFill>
+              </a:defRPr>
             </a:lvl1pPr>
             <a:lvl2pPr marL="457200" indent="0">
               <a:buNone/>
-              <a:defRPr sz="1800"/>
+              <a:defRPr sz="2000">
+                <a:solidFill>
+                  <a:schemeClr val="tx1">
+                    <a:tint val="75000"/>
+                  </a:schemeClr>
+                </a:solidFill>
+              </a:defRPr>
             </a:lvl2pPr>
             <a:lvl3pPr marL="914400" indent="0">
               <a:buNone/>
-              <a:defRPr sz="1600"/>
+              <a:defRPr sz="1800">
+                <a:solidFill>
+                  <a:schemeClr val="tx1">
+                    <a:tint val="75000"/>
+                  </a:schemeClr>
+                </a:solidFill>
+              </a:defRPr>
             </a:lvl3pPr>
             <a:lvl4pPr marL="1371600" indent="0">
               <a:buNone/>
-              <a:defRPr sz="1400"/>
+              <a:defRPr sz="1600">
+                <a:solidFill>
+                  <a:schemeClr val="tx1">
+                    <a:tint val="75000"/>
+                  </a:schemeClr>
+                </a:solidFill>
+              </a:defRPr>
             </a:lvl4pPr>
             <a:lvl5pPr marL="1828800" indent="0">
               <a:buNone/>
-              <a:defRPr sz="1400"/>
+              <a:defRPr sz="1600">
+                <a:solidFill>
+                  <a:schemeClr val="tx1">
+                    <a:tint val="75000"/>
+                  </a:schemeClr>
+                </a:solidFill>
+              </a:defRPr>
             </a:lvl5pPr>
             <a:lvl6pPr marL="2286000" indent="0">
               <a:buNone/>
-              <a:defRPr sz="1400"/>
+              <a:defRPr sz="1600">
+                <a:solidFill>
+                  <a:schemeClr val="tx1">
+                    <a:tint val="75000"/>
+                  </a:schemeClr>
+                </a:solidFill>
+              </a:defRPr>
             </a:lvl6pPr>
             <a:lvl7pPr marL="2743200" indent="0">
               <a:buNone/>
-              <a:defRPr sz="1400"/>
+              <a:defRPr sz="1600">
+                <a:solidFill>
+                  <a:schemeClr val="tx1">
+                    <a:tint val="75000"/>
+                  </a:schemeClr>
+                </a:solidFill>
+              </a:defRPr>
             </a:lvl7pPr>
             <a:lvl8pPr marL="3200400" indent="0">
               <a:buNone/>
-              <a:defRPr sz="1400"/>
+              <a:defRPr sz="1600">
+                <a:solidFill>
+                  <a:schemeClr val="tx1">
+                    <a:tint val="75000"/>
+                  </a:schemeClr>
+                </a:solidFill>
+              </a:defRPr>
             </a:lvl8pPr>
             <a:lvl9pPr marL="3657600" indent="0">
               <a:buNone/>
-              <a:defRPr sz="1400"/>
+              <a:defRPr sz="1600">
+                <a:solidFill>
+                  <a:schemeClr val="tx1">
+                    <a:tint val="75000"/>
+                  </a:schemeClr>
+                </a:solidFill>
+              </a:defRPr>
             </a:lvl9pPr>
           </a:lstStyle>
           <a:p>
             <a:pPr lvl="0"/>
             <a:r>
               <a:rPr lang="nl-NL"/>
-              <a:t>Klik om de modelstijlen te bewerken</a:t>
-            </a:r>
-          </a:p>
-        </p:txBody>
-      </p:sp>
-      <p:sp>
-        <p:nvSpPr>
-          <p:cNvPr id="4" name="Rectangle 6"/>
-          <p:cNvSpPr>
-            <a:spLocks noGrp="1" noChangeArrowheads="1"/>
-          </p:cNvSpPr>
-          <p:nvPr>
-            <p:ph type="sldNum" sz="quarter" idx="10"/>
-          </p:nvPr>
-        </p:nvSpPr>
-        <p:spPr>
-          <a:ln/>
-        </p:spPr>
-        <p:txBody>
-          <a:bodyPr/>
-          <a:lstStyle>
-            <a:lvl1pPr>
-              <a:defRPr/>
-            </a:lvl1pPr>
-          </a:lstStyle>
+              <a:t>Klikken om de tekststijl van het model te bewerken</a:t>
+            </a:r>
+          </a:p>
+        </p:txBody>
+      </p:sp>
+      <p:sp>
+        <p:nvSpPr>
+          <p:cNvPr id="4" name="Tijdelijke aanduiding voor datum 3">
+            <a:extLst>
+              <a:ext uri="{FF2B5EF4-FFF2-40B4-BE49-F238E27FC236}">
+                <a16:creationId xmlns:a16="http://schemas.microsoft.com/office/drawing/2014/main" id="{A66AC9EB-DEAD-42CF-AD23-439C5DA97073}"/>
+              </a:ext>
+            </a:extLst>
+          </p:cNvPr>
+          <p:cNvSpPr>
+            <a:spLocks noGrp="1"/>
+          </p:cNvSpPr>
+          <p:nvPr>
+            <p:ph type="dt" sz="half" idx="10"/>
+          </p:nvPr>
+        </p:nvSpPr>
+        <p:spPr/>
+        <p:txBody>
+          <a:bodyPr/>
+          <a:lstStyle/>
+          <a:p>
+            <a:fld id="{2661A00B-007A-4326-8859-8C83DD4C6E5D}" type="datetimeFigureOut">
+              <a:rPr lang="nl-BE" smtClean="0"/>
+              <a:t>4/02/2021</a:t>
+            </a:fld>
+            <a:endParaRPr lang="nl-BE"/>
+          </a:p>
+        </p:txBody>
+      </p:sp>
+      <p:sp>
+        <p:nvSpPr>
+          <p:cNvPr id="5" name="Tijdelijke aanduiding voor voettekst 4">
+            <a:extLst>
+              <a:ext uri="{FF2B5EF4-FFF2-40B4-BE49-F238E27FC236}">
+                <a16:creationId xmlns:a16="http://schemas.microsoft.com/office/drawing/2014/main" id="{4E272174-F617-485C-8862-B67278A66933}"/>
+              </a:ext>
+            </a:extLst>
+          </p:cNvPr>
+          <p:cNvSpPr>
+            <a:spLocks noGrp="1"/>
+          </p:cNvSpPr>
+          <p:nvPr>
+            <p:ph type="ftr" sz="quarter" idx="11"/>
+          </p:nvPr>
+        </p:nvSpPr>
+        <p:spPr/>
+        <p:txBody>
+          <a:bodyPr/>
+          <a:lstStyle/>
+          <a:p>
+            <a:endParaRPr lang="nl-BE"/>
+          </a:p>
+        </p:txBody>
+      </p:sp>
+      <p:sp>
+        <p:nvSpPr>
+          <p:cNvPr id="6" name="Tijdelijke aanduiding voor dianummer 5">
+            <a:extLst>
+              <a:ext uri="{FF2B5EF4-FFF2-40B4-BE49-F238E27FC236}">
+                <a16:creationId xmlns:a16="http://schemas.microsoft.com/office/drawing/2014/main" id="{ED7AC59F-8095-4C85-89CD-7324AA678184}"/>
+              </a:ext>
+            </a:extLst>
+          </p:cNvPr>
+          <p:cNvSpPr>
+            <a:spLocks noGrp="1"/>
+          </p:cNvSpPr>
+          <p:nvPr>
+            <p:ph type="sldNum" sz="quarter" idx="12"/>
+          </p:nvPr>
+        </p:nvSpPr>
+        <p:spPr/>
+        <p:txBody>
+          <a:bodyPr/>
+          <a:lstStyle/>
           <a:p>
             <a:pPr>
               <a:defRPr/>
             </a:pPr>
             <a:r>
-              <a:rPr lang="nl-NL" dirty="0"/>
-              <a:t>© </a:t>
-            </a:r>
-            <a:r>
-              <a:rPr lang="nl-NL" dirty="0" err="1"/>
-              <a:t>ap</a:t>
-            </a:r>
-            <a:r>
-              <a:rPr lang="nl-NL" dirty="0"/>
-              <a:t>| </a:t>
+              <a:rPr lang="nl-NL"/>
+              <a:t>© ap| </a:t>
             </a:r>
             <a:fld id="{07DCCE98-C9D1-4FEF-ADDE-AE30A9E734C1}" type="slidenum">
-              <a:rPr lang="nl-NL"/>
+              <a:rPr lang="nl-NL" smtClean="0"/>
               <a:pPr>
                 <a:defRPr/>
               </a:pPr>
@@ -2587,7 +1876,7 @@
     </p:spTree>
     <p:extLst>
       <p:ext uri="{BB962C8B-B14F-4D97-AF65-F5344CB8AC3E}">
-        <p14:creationId xmlns:p14="http://schemas.microsoft.com/office/powerpoint/2010/main" val="544628977"/>
+        <p14:creationId xmlns:p14="http://schemas.microsoft.com/office/powerpoint/2010/main" val="3520397104"/>
       </p:ext>
     </p:extLst>
   </p:cSld>
@@ -2616,7 +1905,13 @@
       </p:grpSpPr>
       <p:sp>
         <p:nvSpPr>
-          <p:cNvPr id="2" name="Titel 1"/>
+          <p:cNvPr id="2" name="Titel 1">
+            <a:extLst>
+              <a:ext uri="{FF2B5EF4-FFF2-40B4-BE49-F238E27FC236}">
+                <a16:creationId xmlns:a16="http://schemas.microsoft.com/office/drawing/2014/main" id="{6DF8B325-2136-406D-BF0A-E575C7306B7F}"/>
+              </a:ext>
+            </a:extLst>
+          </p:cNvPr>
           <p:cNvSpPr>
             <a:spLocks noGrp="1"/>
           </p:cNvSpPr>
@@ -2631,14 +1926,21 @@
           <a:p>
             <a:r>
               <a:rPr lang="nl-NL"/>
-              <a:t>Klik om de stijl te bewerken</a:t>
-            </a:r>
-          </a:p>
-        </p:txBody>
-      </p:sp>
-      <p:sp>
-        <p:nvSpPr>
-          <p:cNvPr id="3" name="Tijdelijke aanduiding voor inhoud 2"/>
+              <a:t>Klik om stijl te bewerken</a:t>
+            </a:r>
+            <a:endParaRPr lang="nl-BE"/>
+          </a:p>
+        </p:txBody>
+      </p:sp>
+      <p:sp>
+        <p:nvSpPr>
+          <p:cNvPr id="3" name="Tijdelijke aanduiding voor inhoud 2">
+            <a:extLst>
+              <a:ext uri="{FF2B5EF4-FFF2-40B4-BE49-F238E27FC236}">
+                <a16:creationId xmlns:a16="http://schemas.microsoft.com/office/drawing/2014/main" id="{812A1A84-3D08-49DA-A4A4-7023BFE6C812}"/>
+              </a:ext>
+            </a:extLst>
+          </p:cNvPr>
           <p:cNvSpPr>
             <a:spLocks noGrp="1"/>
           </p:cNvSpPr>
@@ -2648,46 +1950,18 @@
         </p:nvSpPr>
         <p:spPr>
           <a:xfrm>
-            <a:off x="963085" y="1328738"/>
-            <a:ext cx="5372100" cy="4902200"/>
+            <a:off x="838200" y="1825625"/>
+            <a:ext cx="5181600" cy="4351338"/>
           </a:xfrm>
         </p:spPr>
         <p:txBody>
           <a:bodyPr/>
-          <a:lstStyle>
-            <a:lvl1pPr>
-              <a:defRPr sz="2800"/>
-            </a:lvl1pPr>
-            <a:lvl2pPr>
-              <a:defRPr sz="2400"/>
-            </a:lvl2pPr>
-            <a:lvl3pPr>
-              <a:defRPr sz="2000"/>
-            </a:lvl3pPr>
-            <a:lvl4pPr>
-              <a:defRPr sz="1800"/>
-            </a:lvl4pPr>
-            <a:lvl5pPr>
-              <a:defRPr sz="1800"/>
-            </a:lvl5pPr>
-            <a:lvl6pPr>
-              <a:defRPr sz="1800"/>
-            </a:lvl6pPr>
-            <a:lvl7pPr>
-              <a:defRPr sz="1800"/>
-            </a:lvl7pPr>
-            <a:lvl8pPr>
-              <a:defRPr sz="1800"/>
-            </a:lvl8pPr>
-            <a:lvl9pPr>
-              <a:defRPr sz="1800"/>
-            </a:lvl9pPr>
-          </a:lstStyle>
+          <a:lstStyle/>
           <a:p>
             <a:pPr lvl="0"/>
             <a:r>
               <a:rPr lang="nl-NL"/>
-              <a:t>Klik om de modelstijlen te bewerken</a:t>
+              <a:t>Klikken om de tekststijl van het model te bewerken</a:t>
             </a:r>
           </a:p>
           <a:p>
@@ -2717,12 +1991,19 @@
               <a:rPr lang="nl-NL"/>
               <a:t>Vijfde niveau</a:t>
             </a:r>
-          </a:p>
-        </p:txBody>
-      </p:sp>
-      <p:sp>
-        <p:nvSpPr>
-          <p:cNvPr id="4" name="Tijdelijke aanduiding voor inhoud 3"/>
+            <a:endParaRPr lang="nl-BE"/>
+          </a:p>
+        </p:txBody>
+      </p:sp>
+      <p:sp>
+        <p:nvSpPr>
+          <p:cNvPr id="4" name="Tijdelijke aanduiding voor inhoud 3">
+            <a:extLst>
+              <a:ext uri="{FF2B5EF4-FFF2-40B4-BE49-F238E27FC236}">
+                <a16:creationId xmlns:a16="http://schemas.microsoft.com/office/drawing/2014/main" id="{91B5DB36-3733-4D71-9D2B-5502BA30CF06}"/>
+              </a:ext>
+            </a:extLst>
+          </p:cNvPr>
           <p:cNvSpPr>
             <a:spLocks noGrp="1"/>
           </p:cNvSpPr>
@@ -2732,46 +2013,18 @@
         </p:nvSpPr>
         <p:spPr>
           <a:xfrm>
-            <a:off x="6538384" y="1328738"/>
-            <a:ext cx="5374216" cy="4902200"/>
+            <a:off x="6172200" y="1825625"/>
+            <a:ext cx="5181600" cy="4351338"/>
           </a:xfrm>
         </p:spPr>
         <p:txBody>
           <a:bodyPr/>
-          <a:lstStyle>
-            <a:lvl1pPr>
-              <a:defRPr sz="2800"/>
-            </a:lvl1pPr>
-            <a:lvl2pPr>
-              <a:defRPr sz="2400"/>
-            </a:lvl2pPr>
-            <a:lvl3pPr>
-              <a:defRPr sz="2000"/>
-            </a:lvl3pPr>
-            <a:lvl4pPr>
-              <a:defRPr sz="1800"/>
-            </a:lvl4pPr>
-            <a:lvl5pPr>
-              <a:defRPr sz="1800"/>
-            </a:lvl5pPr>
-            <a:lvl6pPr>
-              <a:defRPr sz="1800"/>
-            </a:lvl6pPr>
-            <a:lvl7pPr>
-              <a:defRPr sz="1800"/>
-            </a:lvl7pPr>
-            <a:lvl8pPr>
-              <a:defRPr sz="1800"/>
-            </a:lvl8pPr>
-            <a:lvl9pPr>
-              <a:defRPr sz="1800"/>
-            </a:lvl9pPr>
-          </a:lstStyle>
+          <a:lstStyle/>
           <a:p>
             <a:pPr lvl="0"/>
             <a:r>
               <a:rPr lang="nl-NL"/>
-              <a:t>Klik om de modelstijlen te bewerken</a:t>
+              <a:t>Klikken om de tekststijl van het model te bewerken</a:t>
             </a:r>
           </a:p>
           <a:p>
@@ -2801,37 +2054,94 @@
               <a:rPr lang="nl-NL"/>
               <a:t>Vijfde niveau</a:t>
             </a:r>
-          </a:p>
-        </p:txBody>
-      </p:sp>
-      <p:sp>
-        <p:nvSpPr>
-          <p:cNvPr id="5" name="Rectangle 6"/>
-          <p:cNvSpPr>
-            <a:spLocks noGrp="1" noChangeArrowheads="1"/>
-          </p:cNvSpPr>
-          <p:nvPr>
-            <p:ph type="sldNum" sz="quarter" idx="10"/>
+            <a:endParaRPr lang="nl-BE"/>
+          </a:p>
+        </p:txBody>
+      </p:sp>
+      <p:sp>
+        <p:nvSpPr>
+          <p:cNvPr id="5" name="Tijdelijke aanduiding voor datum 4">
+            <a:extLst>
+              <a:ext uri="{FF2B5EF4-FFF2-40B4-BE49-F238E27FC236}">
+                <a16:creationId xmlns:a16="http://schemas.microsoft.com/office/drawing/2014/main" id="{A884AE63-C510-4ABD-BCB9-469A9F65ECC2}"/>
+              </a:ext>
+            </a:extLst>
+          </p:cNvPr>
+          <p:cNvSpPr>
+            <a:spLocks noGrp="1"/>
+          </p:cNvSpPr>
+          <p:nvPr>
+            <p:ph type="dt" sz="half" idx="10"/>
           </p:nvPr>
         </p:nvSpPr>
         <p:spPr/>
         <p:txBody>
           <a:bodyPr/>
-          <a:lstStyle>
-            <a:lvl1pPr>
-              <a:defRPr/>
-            </a:lvl1pPr>
-          </a:lstStyle>
+          <a:lstStyle/>
+          <a:p>
+            <a:fld id="{2661A00B-007A-4326-8859-8C83DD4C6E5D}" type="datetimeFigureOut">
+              <a:rPr lang="nl-BE" smtClean="0"/>
+              <a:t>4/02/2021</a:t>
+            </a:fld>
+            <a:endParaRPr lang="nl-BE"/>
+          </a:p>
+        </p:txBody>
+      </p:sp>
+      <p:sp>
+        <p:nvSpPr>
+          <p:cNvPr id="6" name="Tijdelijke aanduiding voor voettekst 5">
+            <a:extLst>
+              <a:ext uri="{FF2B5EF4-FFF2-40B4-BE49-F238E27FC236}">
+                <a16:creationId xmlns:a16="http://schemas.microsoft.com/office/drawing/2014/main" id="{20A8498C-B6A6-4DC9-8255-569230952C63}"/>
+              </a:ext>
+            </a:extLst>
+          </p:cNvPr>
+          <p:cNvSpPr>
+            <a:spLocks noGrp="1"/>
+          </p:cNvSpPr>
+          <p:nvPr>
+            <p:ph type="ftr" sz="quarter" idx="11"/>
+          </p:nvPr>
+        </p:nvSpPr>
+        <p:spPr/>
+        <p:txBody>
+          <a:bodyPr/>
+          <a:lstStyle/>
+          <a:p>
+            <a:endParaRPr lang="nl-BE"/>
+          </a:p>
+        </p:txBody>
+      </p:sp>
+      <p:sp>
+        <p:nvSpPr>
+          <p:cNvPr id="7" name="Tijdelijke aanduiding voor dianummer 6">
+            <a:extLst>
+              <a:ext uri="{FF2B5EF4-FFF2-40B4-BE49-F238E27FC236}">
+                <a16:creationId xmlns:a16="http://schemas.microsoft.com/office/drawing/2014/main" id="{68D77CFB-1B09-43DB-9177-427CFFA2B1D2}"/>
+              </a:ext>
+            </a:extLst>
+          </p:cNvPr>
+          <p:cNvSpPr>
+            <a:spLocks noGrp="1"/>
+          </p:cNvSpPr>
+          <p:nvPr>
+            <p:ph type="sldNum" sz="quarter" idx="12"/>
+          </p:nvPr>
+        </p:nvSpPr>
+        <p:spPr/>
+        <p:txBody>
+          <a:bodyPr/>
+          <a:lstStyle/>
           <a:p>
             <a:pPr>
               <a:defRPr/>
             </a:pPr>
             <a:r>
-              <a:rPr lang="nl-NL" dirty="0"/>
+              <a:rPr lang="nl-NL"/>
               <a:t>© ap2008 | </a:t>
             </a:r>
             <a:fld id="{F8B896B4-E00B-4DE9-9035-90E8A04EE6C5}" type="slidenum">
-              <a:rPr lang="nl-NL"/>
+              <a:rPr lang="nl-NL" smtClean="0"/>
               <a:pPr>
                 <a:defRPr/>
               </a:pPr>
@@ -2844,7 +2154,7 @@
     </p:spTree>
     <p:extLst>
       <p:ext uri="{BB962C8B-B14F-4D97-AF65-F5344CB8AC3E}">
-        <p14:creationId xmlns:p14="http://schemas.microsoft.com/office/powerpoint/2010/main" val="1141558434"/>
+        <p14:creationId xmlns:p14="http://schemas.microsoft.com/office/powerpoint/2010/main" val="1124229193"/>
       </p:ext>
     </p:extLst>
   </p:cSld>
@@ -2873,7 +2183,13 @@
       </p:grpSpPr>
       <p:sp>
         <p:nvSpPr>
-          <p:cNvPr id="2" name="Titel 1"/>
+          <p:cNvPr id="2" name="Titel 1">
+            <a:extLst>
+              <a:ext uri="{FF2B5EF4-FFF2-40B4-BE49-F238E27FC236}">
+                <a16:creationId xmlns:a16="http://schemas.microsoft.com/office/drawing/2014/main" id="{6D918494-5C63-47C0-84BE-8ED0D3FF6919}"/>
+              </a:ext>
+            </a:extLst>
+          </p:cNvPr>
           <p:cNvSpPr>
             <a:spLocks noGrp="1"/>
           </p:cNvSpPr>
@@ -2883,28 +2199,31 @@
         </p:nvSpPr>
         <p:spPr>
           <a:xfrm>
-            <a:off x="609600" y="274638"/>
-            <a:ext cx="10972800" cy="1143000"/>
+            <a:off x="839788" y="365125"/>
+            <a:ext cx="10515600" cy="1325563"/>
           </a:xfrm>
         </p:spPr>
         <p:txBody>
           <a:bodyPr/>
-          <a:lstStyle>
-            <a:lvl1pPr>
-              <a:defRPr/>
-            </a:lvl1pPr>
-          </a:lstStyle>
+          <a:lstStyle/>
           <a:p>
             <a:r>
               <a:rPr lang="nl-NL"/>
-              <a:t>Klik om de stijl te bewerken</a:t>
-            </a:r>
-          </a:p>
-        </p:txBody>
-      </p:sp>
-      <p:sp>
-        <p:nvSpPr>
-          <p:cNvPr id="3" name="Tijdelijke aanduiding voor tekst 2"/>
+              <a:t>Klik om stijl te bewerken</a:t>
+            </a:r>
+            <a:endParaRPr lang="nl-BE"/>
+          </a:p>
+        </p:txBody>
+      </p:sp>
+      <p:sp>
+        <p:nvSpPr>
+          <p:cNvPr id="3" name="Tijdelijke aanduiding voor tekst 2">
+            <a:extLst>
+              <a:ext uri="{FF2B5EF4-FFF2-40B4-BE49-F238E27FC236}">
+                <a16:creationId xmlns:a16="http://schemas.microsoft.com/office/drawing/2014/main" id="{7C63C31E-AB27-4678-9D54-B1D0D3466F8A}"/>
+              </a:ext>
+            </a:extLst>
+          </p:cNvPr>
           <p:cNvSpPr>
             <a:spLocks noGrp="1"/>
           </p:cNvSpPr>
@@ -2914,8 +2233,8 @@
         </p:nvSpPr>
         <p:spPr>
           <a:xfrm>
-            <a:off x="609600" y="1535113"/>
-            <a:ext cx="5386917" cy="639762"/>
+            <a:off x="839788" y="1681163"/>
+            <a:ext cx="5157787" cy="823912"/>
           </a:xfrm>
         </p:spPr>
         <p:txBody>
@@ -2962,14 +2281,20 @@
             <a:pPr lvl="0"/>
             <a:r>
               <a:rPr lang="nl-NL"/>
-              <a:t>Klik om de modelstijlen te bewerken</a:t>
-            </a:r>
-          </a:p>
-        </p:txBody>
-      </p:sp>
-      <p:sp>
-        <p:nvSpPr>
-          <p:cNvPr id="4" name="Tijdelijke aanduiding voor inhoud 3"/>
+              <a:t>Klikken om de tekststijl van het model te bewerken</a:t>
+            </a:r>
+          </a:p>
+        </p:txBody>
+      </p:sp>
+      <p:sp>
+        <p:nvSpPr>
+          <p:cNvPr id="4" name="Tijdelijke aanduiding voor inhoud 3">
+            <a:extLst>
+              <a:ext uri="{FF2B5EF4-FFF2-40B4-BE49-F238E27FC236}">
+                <a16:creationId xmlns:a16="http://schemas.microsoft.com/office/drawing/2014/main" id="{5F81428D-6F2B-4A4F-BE3B-04884F6C65FF}"/>
+              </a:ext>
+            </a:extLst>
+          </p:cNvPr>
           <p:cNvSpPr>
             <a:spLocks noGrp="1"/>
           </p:cNvSpPr>
@@ -2979,46 +2304,18 @@
         </p:nvSpPr>
         <p:spPr>
           <a:xfrm>
-            <a:off x="609600" y="2174875"/>
-            <a:ext cx="5386917" cy="3951288"/>
+            <a:off x="839788" y="2505075"/>
+            <a:ext cx="5157787" cy="3684588"/>
           </a:xfrm>
         </p:spPr>
         <p:txBody>
           <a:bodyPr/>
-          <a:lstStyle>
-            <a:lvl1pPr>
-              <a:defRPr sz="2400"/>
-            </a:lvl1pPr>
-            <a:lvl2pPr>
-              <a:defRPr sz="2000"/>
-            </a:lvl2pPr>
-            <a:lvl3pPr>
-              <a:defRPr sz="1800"/>
-            </a:lvl3pPr>
-            <a:lvl4pPr>
-              <a:defRPr sz="1600"/>
-            </a:lvl4pPr>
-            <a:lvl5pPr>
-              <a:defRPr sz="1600"/>
-            </a:lvl5pPr>
-            <a:lvl6pPr>
-              <a:defRPr sz="1600"/>
-            </a:lvl6pPr>
-            <a:lvl7pPr>
-              <a:defRPr sz="1600"/>
-            </a:lvl7pPr>
-            <a:lvl8pPr>
-              <a:defRPr sz="1600"/>
-            </a:lvl8pPr>
-            <a:lvl9pPr>
-              <a:defRPr sz="1600"/>
-            </a:lvl9pPr>
-          </a:lstStyle>
+          <a:lstStyle/>
           <a:p>
             <a:pPr lvl="0"/>
             <a:r>
               <a:rPr lang="nl-NL"/>
-              <a:t>Klik om de modelstijlen te bewerken</a:t>
+              <a:t>Klikken om de tekststijl van het model te bewerken</a:t>
             </a:r>
           </a:p>
           <a:p>
@@ -3048,12 +2345,19 @@
               <a:rPr lang="nl-NL"/>
               <a:t>Vijfde niveau</a:t>
             </a:r>
-          </a:p>
-        </p:txBody>
-      </p:sp>
-      <p:sp>
-        <p:nvSpPr>
-          <p:cNvPr id="5" name="Tijdelijke aanduiding voor tekst 4"/>
+            <a:endParaRPr lang="nl-BE"/>
+          </a:p>
+        </p:txBody>
+      </p:sp>
+      <p:sp>
+        <p:nvSpPr>
+          <p:cNvPr id="5" name="Tijdelijke aanduiding voor tekst 4">
+            <a:extLst>
+              <a:ext uri="{FF2B5EF4-FFF2-40B4-BE49-F238E27FC236}">
+                <a16:creationId xmlns:a16="http://schemas.microsoft.com/office/drawing/2014/main" id="{EF87D035-5B4E-4F7A-A699-252D6B185212}"/>
+              </a:ext>
+            </a:extLst>
+          </p:cNvPr>
           <p:cNvSpPr>
             <a:spLocks noGrp="1"/>
           </p:cNvSpPr>
@@ -3063,8 +2367,8 @@
         </p:nvSpPr>
         <p:spPr>
           <a:xfrm>
-            <a:off x="6193368" y="1535113"/>
-            <a:ext cx="5389033" cy="639762"/>
+            <a:off x="6172200" y="1681163"/>
+            <a:ext cx="5183188" cy="823912"/>
           </a:xfrm>
         </p:spPr>
         <p:txBody>
@@ -3111,14 +2415,20 @@
             <a:pPr lvl="0"/>
             <a:r>
               <a:rPr lang="nl-NL"/>
-              <a:t>Klik om de modelstijlen te bewerken</a:t>
-            </a:r>
-          </a:p>
-        </p:txBody>
-      </p:sp>
-      <p:sp>
-        <p:nvSpPr>
-          <p:cNvPr id="6" name="Tijdelijke aanduiding voor inhoud 5"/>
+              <a:t>Klikken om de tekststijl van het model te bewerken</a:t>
+            </a:r>
+          </a:p>
+        </p:txBody>
+      </p:sp>
+      <p:sp>
+        <p:nvSpPr>
+          <p:cNvPr id="6" name="Tijdelijke aanduiding voor inhoud 5">
+            <a:extLst>
+              <a:ext uri="{FF2B5EF4-FFF2-40B4-BE49-F238E27FC236}">
+                <a16:creationId xmlns:a16="http://schemas.microsoft.com/office/drawing/2014/main" id="{D354858C-4DA6-4DAE-93E2-3D7E0C6E07E8}"/>
+              </a:ext>
+            </a:extLst>
+          </p:cNvPr>
           <p:cNvSpPr>
             <a:spLocks noGrp="1"/>
           </p:cNvSpPr>
@@ -3128,46 +2438,18 @@
         </p:nvSpPr>
         <p:spPr>
           <a:xfrm>
-            <a:off x="6193368" y="2174875"/>
-            <a:ext cx="5389033" cy="3951288"/>
+            <a:off x="6172200" y="2505075"/>
+            <a:ext cx="5183188" cy="3684588"/>
           </a:xfrm>
         </p:spPr>
         <p:txBody>
           <a:bodyPr/>
-          <a:lstStyle>
-            <a:lvl1pPr>
-              <a:defRPr sz="2400"/>
-            </a:lvl1pPr>
-            <a:lvl2pPr>
-              <a:defRPr sz="2000"/>
-            </a:lvl2pPr>
-            <a:lvl3pPr>
-              <a:defRPr sz="1800"/>
-            </a:lvl3pPr>
-            <a:lvl4pPr>
-              <a:defRPr sz="1600"/>
-            </a:lvl4pPr>
-            <a:lvl5pPr>
-              <a:defRPr sz="1600"/>
-            </a:lvl5pPr>
-            <a:lvl6pPr>
-              <a:defRPr sz="1600"/>
-            </a:lvl6pPr>
-            <a:lvl7pPr>
-              <a:defRPr sz="1600"/>
-            </a:lvl7pPr>
-            <a:lvl8pPr>
-              <a:defRPr sz="1600"/>
-            </a:lvl8pPr>
-            <a:lvl9pPr>
-              <a:defRPr sz="1600"/>
-            </a:lvl9pPr>
-          </a:lstStyle>
+          <a:lstStyle/>
           <a:p>
             <a:pPr lvl="0"/>
             <a:r>
               <a:rPr lang="nl-NL"/>
-              <a:t>Klik om de modelstijlen te bewerken</a:t>
+              <a:t>Klikken om de tekststijl van het model te bewerken</a:t>
             </a:r>
           </a:p>
           <a:p>
@@ -3197,37 +2479,94 @@
               <a:rPr lang="nl-NL"/>
               <a:t>Vijfde niveau</a:t>
             </a:r>
-          </a:p>
-        </p:txBody>
-      </p:sp>
-      <p:sp>
-        <p:nvSpPr>
-          <p:cNvPr id="7" name="Rectangle 6"/>
-          <p:cNvSpPr>
-            <a:spLocks noGrp="1" noChangeArrowheads="1"/>
-          </p:cNvSpPr>
-          <p:nvPr>
-            <p:ph type="sldNum" sz="quarter" idx="10"/>
+            <a:endParaRPr lang="nl-BE"/>
+          </a:p>
+        </p:txBody>
+      </p:sp>
+      <p:sp>
+        <p:nvSpPr>
+          <p:cNvPr id="7" name="Tijdelijke aanduiding voor datum 6">
+            <a:extLst>
+              <a:ext uri="{FF2B5EF4-FFF2-40B4-BE49-F238E27FC236}">
+                <a16:creationId xmlns:a16="http://schemas.microsoft.com/office/drawing/2014/main" id="{C3997C63-4B1E-4009-A760-23659F6D4C4F}"/>
+              </a:ext>
+            </a:extLst>
+          </p:cNvPr>
+          <p:cNvSpPr>
+            <a:spLocks noGrp="1"/>
+          </p:cNvSpPr>
+          <p:nvPr>
+            <p:ph type="dt" sz="half" idx="10"/>
           </p:nvPr>
         </p:nvSpPr>
         <p:spPr/>
         <p:txBody>
           <a:bodyPr/>
-          <a:lstStyle>
-            <a:lvl1pPr>
-              <a:defRPr/>
-            </a:lvl1pPr>
-          </a:lstStyle>
+          <a:lstStyle/>
+          <a:p>
+            <a:fld id="{2661A00B-007A-4326-8859-8C83DD4C6E5D}" type="datetimeFigureOut">
+              <a:rPr lang="nl-BE" smtClean="0"/>
+              <a:t>4/02/2021</a:t>
+            </a:fld>
+            <a:endParaRPr lang="nl-BE"/>
+          </a:p>
+        </p:txBody>
+      </p:sp>
+      <p:sp>
+        <p:nvSpPr>
+          <p:cNvPr id="8" name="Tijdelijke aanduiding voor voettekst 7">
+            <a:extLst>
+              <a:ext uri="{FF2B5EF4-FFF2-40B4-BE49-F238E27FC236}">
+                <a16:creationId xmlns:a16="http://schemas.microsoft.com/office/drawing/2014/main" id="{2D13070B-C3A5-4C21-93A3-2901C5275C77}"/>
+              </a:ext>
+            </a:extLst>
+          </p:cNvPr>
+          <p:cNvSpPr>
+            <a:spLocks noGrp="1"/>
+          </p:cNvSpPr>
+          <p:nvPr>
+            <p:ph type="ftr" sz="quarter" idx="11"/>
+          </p:nvPr>
+        </p:nvSpPr>
+        <p:spPr/>
+        <p:txBody>
+          <a:bodyPr/>
+          <a:lstStyle/>
+          <a:p>
+            <a:endParaRPr lang="nl-BE"/>
+          </a:p>
+        </p:txBody>
+      </p:sp>
+      <p:sp>
+        <p:nvSpPr>
+          <p:cNvPr id="9" name="Tijdelijke aanduiding voor dianummer 8">
+            <a:extLst>
+              <a:ext uri="{FF2B5EF4-FFF2-40B4-BE49-F238E27FC236}">
+                <a16:creationId xmlns:a16="http://schemas.microsoft.com/office/drawing/2014/main" id="{1C467616-5346-4858-8558-4E52489215E3}"/>
+              </a:ext>
+            </a:extLst>
+          </p:cNvPr>
+          <p:cNvSpPr>
+            <a:spLocks noGrp="1"/>
+          </p:cNvSpPr>
+          <p:nvPr>
+            <p:ph type="sldNum" sz="quarter" idx="12"/>
+          </p:nvPr>
+        </p:nvSpPr>
+        <p:spPr/>
+        <p:txBody>
+          <a:bodyPr/>
+          <a:lstStyle/>
           <a:p>
             <a:pPr>
               <a:defRPr/>
             </a:pPr>
             <a:r>
-              <a:rPr lang="nl-NL" dirty="0"/>
+              <a:rPr lang="nl-NL"/>
               <a:t>© ap2008 | </a:t>
             </a:r>
             <a:fld id="{CBA431D4-C4EA-4267-BBB6-C71DCDFCE14A}" type="slidenum">
-              <a:rPr lang="nl-NL"/>
+              <a:rPr lang="nl-NL" smtClean="0"/>
               <a:pPr>
                 <a:defRPr/>
               </a:pPr>
@@ -3240,7 +2579,7 @@
     </p:spTree>
     <p:extLst>
       <p:ext uri="{BB962C8B-B14F-4D97-AF65-F5344CB8AC3E}">
-        <p14:creationId xmlns:p14="http://schemas.microsoft.com/office/powerpoint/2010/main" val="1878473746"/>
+        <p14:creationId xmlns:p14="http://schemas.microsoft.com/office/powerpoint/2010/main" val="3119397025"/>
       </p:ext>
     </p:extLst>
   </p:cSld>
@@ -3269,7 +2608,13 @@
       </p:grpSpPr>
       <p:sp>
         <p:nvSpPr>
-          <p:cNvPr id="2" name="Titel 1"/>
+          <p:cNvPr id="2" name="Titel 1">
+            <a:extLst>
+              <a:ext uri="{FF2B5EF4-FFF2-40B4-BE49-F238E27FC236}">
+                <a16:creationId xmlns:a16="http://schemas.microsoft.com/office/drawing/2014/main" id="{D4F3B850-D9CF-469D-8F6A-E2BDD637AAA5}"/>
+              </a:ext>
+            </a:extLst>
+          </p:cNvPr>
           <p:cNvSpPr>
             <a:spLocks noGrp="1"/>
           </p:cNvSpPr>
@@ -3284,49 +2629,96 @@
           <a:p>
             <a:r>
               <a:rPr lang="nl-NL"/>
-              <a:t>Klik om de stijl te bewerken</a:t>
-            </a:r>
-          </a:p>
-        </p:txBody>
-      </p:sp>
-      <p:sp>
-        <p:nvSpPr>
-          <p:cNvPr id="3" name="Rectangle 6"/>
-          <p:cNvSpPr>
-            <a:spLocks noGrp="1" noChangeArrowheads="1"/>
-          </p:cNvSpPr>
-          <p:nvPr>
-            <p:ph type="sldNum" sz="quarter" idx="10"/>
-          </p:nvPr>
-        </p:nvSpPr>
-        <p:spPr>
-          <a:ln/>
-        </p:spPr>
-        <p:txBody>
-          <a:bodyPr/>
-          <a:lstStyle>
-            <a:lvl1pPr>
-              <a:defRPr/>
-            </a:lvl1pPr>
-          </a:lstStyle>
+              <a:t>Klik om stijl te bewerken</a:t>
+            </a:r>
+            <a:endParaRPr lang="nl-BE"/>
+          </a:p>
+        </p:txBody>
+      </p:sp>
+      <p:sp>
+        <p:nvSpPr>
+          <p:cNvPr id="3" name="Tijdelijke aanduiding voor datum 2">
+            <a:extLst>
+              <a:ext uri="{FF2B5EF4-FFF2-40B4-BE49-F238E27FC236}">
+                <a16:creationId xmlns:a16="http://schemas.microsoft.com/office/drawing/2014/main" id="{A18378AF-4848-4FF4-8280-7D9ECB8B1B9A}"/>
+              </a:ext>
+            </a:extLst>
+          </p:cNvPr>
+          <p:cNvSpPr>
+            <a:spLocks noGrp="1"/>
+          </p:cNvSpPr>
+          <p:nvPr>
+            <p:ph type="dt" sz="half" idx="10"/>
+          </p:nvPr>
+        </p:nvSpPr>
+        <p:spPr/>
+        <p:txBody>
+          <a:bodyPr/>
+          <a:lstStyle/>
+          <a:p>
+            <a:fld id="{2661A00B-007A-4326-8859-8C83DD4C6E5D}" type="datetimeFigureOut">
+              <a:rPr lang="nl-BE" smtClean="0"/>
+              <a:t>4/02/2021</a:t>
+            </a:fld>
+            <a:endParaRPr lang="nl-BE"/>
+          </a:p>
+        </p:txBody>
+      </p:sp>
+      <p:sp>
+        <p:nvSpPr>
+          <p:cNvPr id="4" name="Tijdelijke aanduiding voor voettekst 3">
+            <a:extLst>
+              <a:ext uri="{FF2B5EF4-FFF2-40B4-BE49-F238E27FC236}">
+                <a16:creationId xmlns:a16="http://schemas.microsoft.com/office/drawing/2014/main" id="{00949076-FEA0-4733-9BD4-144121369E5D}"/>
+              </a:ext>
+            </a:extLst>
+          </p:cNvPr>
+          <p:cNvSpPr>
+            <a:spLocks noGrp="1"/>
+          </p:cNvSpPr>
+          <p:nvPr>
+            <p:ph type="ftr" sz="quarter" idx="11"/>
+          </p:nvPr>
+        </p:nvSpPr>
+        <p:spPr/>
+        <p:txBody>
+          <a:bodyPr/>
+          <a:lstStyle/>
+          <a:p>
+            <a:endParaRPr lang="nl-BE"/>
+          </a:p>
+        </p:txBody>
+      </p:sp>
+      <p:sp>
+        <p:nvSpPr>
+          <p:cNvPr id="5" name="Tijdelijke aanduiding voor dianummer 4">
+            <a:extLst>
+              <a:ext uri="{FF2B5EF4-FFF2-40B4-BE49-F238E27FC236}">
+                <a16:creationId xmlns:a16="http://schemas.microsoft.com/office/drawing/2014/main" id="{AEEBC9A3-1316-4097-A51D-A3E7C9F05717}"/>
+              </a:ext>
+            </a:extLst>
+          </p:cNvPr>
+          <p:cNvSpPr>
+            <a:spLocks noGrp="1"/>
+          </p:cNvSpPr>
+          <p:nvPr>
+            <p:ph type="sldNum" sz="quarter" idx="12"/>
+          </p:nvPr>
+        </p:nvSpPr>
+        <p:spPr/>
+        <p:txBody>
+          <a:bodyPr/>
+          <a:lstStyle/>
           <a:p>
             <a:pPr>
               <a:defRPr/>
             </a:pPr>
             <a:r>
-              <a:rPr lang="nl-NL" dirty="0"/>
-              <a:t>© </a:t>
-            </a:r>
-            <a:r>
-              <a:rPr lang="nl-NL" dirty="0" err="1"/>
-              <a:t>ap</a:t>
-            </a:r>
-            <a:r>
-              <a:rPr lang="nl-NL" dirty="0"/>
-              <a:t>| </a:t>
+              <a:rPr lang="nl-NL"/>
+              <a:t>© ap| </a:t>
             </a:r>
             <a:fld id="{8B81F973-C481-4980-A0B7-87F0E9C31755}" type="slidenum">
-              <a:rPr lang="nl-NL"/>
+              <a:rPr lang="nl-NL" smtClean="0"/>
               <a:pPr>
                 <a:defRPr/>
               </a:pPr>
@@ -3339,7 +2731,7 @@
     </p:spTree>
     <p:extLst>
       <p:ext uri="{BB962C8B-B14F-4D97-AF65-F5344CB8AC3E}">
-        <p14:creationId xmlns:p14="http://schemas.microsoft.com/office/powerpoint/2010/main" val="3793555037"/>
+        <p14:creationId xmlns:p14="http://schemas.microsoft.com/office/powerpoint/2010/main" val="2032355900"/>
       </p:ext>
     </p:extLst>
   </p:cSld>
@@ -3368,32 +2760,88 @@
       </p:grpSpPr>
       <p:sp>
         <p:nvSpPr>
-          <p:cNvPr id="2" name="Rectangle 6"/>
-          <p:cNvSpPr>
-            <a:spLocks noGrp="1" noChangeArrowheads="1"/>
-          </p:cNvSpPr>
-          <p:nvPr>
-            <p:ph type="sldNum" sz="quarter" idx="10"/>
+          <p:cNvPr id="2" name="Tijdelijke aanduiding voor datum 1">
+            <a:extLst>
+              <a:ext uri="{FF2B5EF4-FFF2-40B4-BE49-F238E27FC236}">
+                <a16:creationId xmlns:a16="http://schemas.microsoft.com/office/drawing/2014/main" id="{A9D634B5-8C2D-48AE-91EA-C4594F8C1258}"/>
+              </a:ext>
+            </a:extLst>
+          </p:cNvPr>
+          <p:cNvSpPr>
+            <a:spLocks noGrp="1"/>
+          </p:cNvSpPr>
+          <p:nvPr>
+            <p:ph type="dt" sz="half" idx="10"/>
           </p:nvPr>
         </p:nvSpPr>
         <p:spPr/>
         <p:txBody>
           <a:bodyPr/>
-          <a:lstStyle>
-            <a:lvl1pPr>
-              <a:defRPr/>
-            </a:lvl1pPr>
-          </a:lstStyle>
+          <a:lstStyle/>
+          <a:p>
+            <a:fld id="{2661A00B-007A-4326-8859-8C83DD4C6E5D}" type="datetimeFigureOut">
+              <a:rPr lang="nl-BE" smtClean="0"/>
+              <a:t>4/02/2021</a:t>
+            </a:fld>
+            <a:endParaRPr lang="nl-BE"/>
+          </a:p>
+        </p:txBody>
+      </p:sp>
+      <p:sp>
+        <p:nvSpPr>
+          <p:cNvPr id="3" name="Tijdelijke aanduiding voor voettekst 2">
+            <a:extLst>
+              <a:ext uri="{FF2B5EF4-FFF2-40B4-BE49-F238E27FC236}">
+                <a16:creationId xmlns:a16="http://schemas.microsoft.com/office/drawing/2014/main" id="{E0A0C514-A640-4C96-B201-54186C9AFDBE}"/>
+              </a:ext>
+            </a:extLst>
+          </p:cNvPr>
+          <p:cNvSpPr>
+            <a:spLocks noGrp="1"/>
+          </p:cNvSpPr>
+          <p:nvPr>
+            <p:ph type="ftr" sz="quarter" idx="11"/>
+          </p:nvPr>
+        </p:nvSpPr>
+        <p:spPr/>
+        <p:txBody>
+          <a:bodyPr/>
+          <a:lstStyle/>
+          <a:p>
+            <a:endParaRPr lang="nl-BE"/>
+          </a:p>
+        </p:txBody>
+      </p:sp>
+      <p:sp>
+        <p:nvSpPr>
+          <p:cNvPr id="4" name="Tijdelijke aanduiding voor dianummer 3">
+            <a:extLst>
+              <a:ext uri="{FF2B5EF4-FFF2-40B4-BE49-F238E27FC236}">
+                <a16:creationId xmlns:a16="http://schemas.microsoft.com/office/drawing/2014/main" id="{69500356-ABD5-4B99-B278-E17553C156DF}"/>
+              </a:ext>
+            </a:extLst>
+          </p:cNvPr>
+          <p:cNvSpPr>
+            <a:spLocks noGrp="1"/>
+          </p:cNvSpPr>
+          <p:nvPr>
+            <p:ph type="sldNum" sz="quarter" idx="12"/>
+          </p:nvPr>
+        </p:nvSpPr>
+        <p:spPr/>
+        <p:txBody>
+          <a:bodyPr/>
+          <a:lstStyle/>
           <a:p>
             <a:pPr>
               <a:defRPr/>
             </a:pPr>
             <a:r>
-              <a:rPr lang="nl-NL" dirty="0"/>
+              <a:rPr lang="nl-NL"/>
               <a:t>© ap2008 | </a:t>
             </a:r>
             <a:fld id="{1B713D80-EF8A-4A88-BBD7-6C507639B2E2}" type="slidenum">
-              <a:rPr lang="nl-NL"/>
+              <a:rPr lang="nl-NL" smtClean="0"/>
               <a:pPr>
                 <a:defRPr/>
               </a:pPr>
@@ -3406,7 +2854,7 @@
     </p:spTree>
     <p:extLst>
       <p:ext uri="{BB962C8B-B14F-4D97-AF65-F5344CB8AC3E}">
-        <p14:creationId xmlns:p14="http://schemas.microsoft.com/office/powerpoint/2010/main" val="4123595854"/>
+        <p14:creationId xmlns:p14="http://schemas.microsoft.com/office/powerpoint/2010/main" val="2336967138"/>
       </p:ext>
     </p:extLst>
   </p:cSld>
@@ -3435,7 +2883,13 @@
       </p:grpSpPr>
       <p:sp>
         <p:nvSpPr>
-          <p:cNvPr id="2" name="Titel 1"/>
+          <p:cNvPr id="2" name="Titel 1">
+            <a:extLst>
+              <a:ext uri="{FF2B5EF4-FFF2-40B4-BE49-F238E27FC236}">
+                <a16:creationId xmlns:a16="http://schemas.microsoft.com/office/drawing/2014/main" id="{60C76E74-348C-48C3-A13E-74C76572AE40}"/>
+              </a:ext>
+            </a:extLst>
+          </p:cNvPr>
           <p:cNvSpPr>
             <a:spLocks noGrp="1"/>
           </p:cNvSpPr>
@@ -3445,28 +2899,35 @@
         </p:nvSpPr>
         <p:spPr>
           <a:xfrm>
-            <a:off x="609601" y="273050"/>
-            <a:ext cx="4011084" cy="1162050"/>
+            <a:off x="839788" y="457200"/>
+            <a:ext cx="3932237" cy="1600200"/>
           </a:xfrm>
         </p:spPr>
         <p:txBody>
           <a:bodyPr anchor="b"/>
           <a:lstStyle>
-            <a:lvl1pPr algn="l">
-              <a:defRPr sz="2000" b="1"/>
+            <a:lvl1pPr>
+              <a:defRPr sz="3200"/>
             </a:lvl1pPr>
           </a:lstStyle>
           <a:p>
             <a:r>
               <a:rPr lang="nl-NL"/>
-              <a:t>Klik om de stijl te bewerken</a:t>
-            </a:r>
-          </a:p>
-        </p:txBody>
-      </p:sp>
-      <p:sp>
-        <p:nvSpPr>
-          <p:cNvPr id="3" name="Tijdelijke aanduiding voor inhoud 2"/>
+              <a:t>Klik om stijl te bewerken</a:t>
+            </a:r>
+            <a:endParaRPr lang="nl-BE"/>
+          </a:p>
+        </p:txBody>
+      </p:sp>
+      <p:sp>
+        <p:nvSpPr>
+          <p:cNvPr id="3" name="Tijdelijke aanduiding voor inhoud 2">
+            <a:extLst>
+              <a:ext uri="{FF2B5EF4-FFF2-40B4-BE49-F238E27FC236}">
+                <a16:creationId xmlns:a16="http://schemas.microsoft.com/office/drawing/2014/main" id="{DBBF6845-2F60-4F6C-831E-1BAF210E6BD5}"/>
+              </a:ext>
+            </a:extLst>
+          </p:cNvPr>
           <p:cNvSpPr>
             <a:spLocks noGrp="1"/>
           </p:cNvSpPr>
@@ -3476,8 +2937,8 @@
         </p:nvSpPr>
         <p:spPr>
           <a:xfrm>
-            <a:off x="4766733" y="273051"/>
-            <a:ext cx="6815667" cy="5853113"/>
+            <a:off x="5183188" y="987425"/>
+            <a:ext cx="6172200" cy="4873625"/>
           </a:xfrm>
         </p:spPr>
         <p:txBody>
@@ -3515,7 +2976,7 @@
             <a:pPr lvl="0"/>
             <a:r>
               <a:rPr lang="nl-NL"/>
-              <a:t>Klik om de modelstijlen te bewerken</a:t>
+              <a:t>Klikken om de tekststijl van het model te bewerken</a:t>
             </a:r>
           </a:p>
           <a:p>
@@ -3545,12 +3006,19 @@
               <a:rPr lang="nl-NL"/>
               <a:t>Vijfde niveau</a:t>
             </a:r>
-          </a:p>
-        </p:txBody>
-      </p:sp>
-      <p:sp>
-        <p:nvSpPr>
-          <p:cNvPr id="4" name="Tijdelijke aanduiding voor tekst 3"/>
+            <a:endParaRPr lang="nl-BE"/>
+          </a:p>
+        </p:txBody>
+      </p:sp>
+      <p:sp>
+        <p:nvSpPr>
+          <p:cNvPr id="4" name="Tijdelijke aanduiding voor tekst 3">
+            <a:extLst>
+              <a:ext uri="{FF2B5EF4-FFF2-40B4-BE49-F238E27FC236}">
+                <a16:creationId xmlns:a16="http://schemas.microsoft.com/office/drawing/2014/main" id="{9B303079-BF21-44E3-8E18-CFA9C169745F}"/>
+              </a:ext>
+            </a:extLst>
+          </p:cNvPr>
           <p:cNvSpPr>
             <a:spLocks noGrp="1"/>
           </p:cNvSpPr>
@@ -3560,8 +3028,8 @@
         </p:nvSpPr>
         <p:spPr>
           <a:xfrm>
-            <a:off x="609601" y="1435101"/>
-            <a:ext cx="4011084" cy="4691063"/>
+            <a:off x="839788" y="2057400"/>
+            <a:ext cx="3932237" cy="3811588"/>
           </a:xfrm>
         </p:spPr>
         <p:txBody>
@@ -3569,78 +3037,134 @@
           <a:lstStyle>
             <a:lvl1pPr marL="0" indent="0">
               <a:buNone/>
-              <a:defRPr sz="1400"/>
+              <a:defRPr sz="1600"/>
             </a:lvl1pPr>
             <a:lvl2pPr marL="457200" indent="0">
               <a:buNone/>
-              <a:defRPr sz="1200"/>
+              <a:defRPr sz="1400"/>
             </a:lvl2pPr>
             <a:lvl3pPr marL="914400" indent="0">
               <a:buNone/>
-              <a:defRPr sz="1000"/>
+              <a:defRPr sz="1200"/>
             </a:lvl3pPr>
             <a:lvl4pPr marL="1371600" indent="0">
               <a:buNone/>
-              <a:defRPr sz="900"/>
+              <a:defRPr sz="1000"/>
             </a:lvl4pPr>
             <a:lvl5pPr marL="1828800" indent="0">
               <a:buNone/>
-              <a:defRPr sz="900"/>
+              <a:defRPr sz="1000"/>
             </a:lvl5pPr>
             <a:lvl6pPr marL="2286000" indent="0">
               <a:buNone/>
-              <a:defRPr sz="900"/>
+              <a:defRPr sz="1000"/>
             </a:lvl6pPr>
             <a:lvl7pPr marL="2743200" indent="0">
               <a:buNone/>
-              <a:defRPr sz="900"/>
+              <a:defRPr sz="1000"/>
             </a:lvl7pPr>
             <a:lvl8pPr marL="3200400" indent="0">
               <a:buNone/>
-              <a:defRPr sz="900"/>
+              <a:defRPr sz="1000"/>
             </a:lvl8pPr>
             <a:lvl9pPr marL="3657600" indent="0">
               <a:buNone/>
-              <a:defRPr sz="900"/>
+              <a:defRPr sz="1000"/>
             </a:lvl9pPr>
           </a:lstStyle>
           <a:p>
             <a:pPr lvl="0"/>
             <a:r>
               <a:rPr lang="nl-NL"/>
-              <a:t>Klik om de modelstijlen te bewerken</a:t>
-            </a:r>
-          </a:p>
-        </p:txBody>
-      </p:sp>
-      <p:sp>
-        <p:nvSpPr>
-          <p:cNvPr id="5" name="Rectangle 6"/>
-          <p:cNvSpPr>
-            <a:spLocks noGrp="1" noChangeArrowheads="1"/>
-          </p:cNvSpPr>
-          <p:nvPr>
-            <p:ph type="sldNum" sz="quarter" idx="10"/>
+              <a:t>Klikken om de tekststijl van het model te bewerken</a:t>
+            </a:r>
+          </a:p>
+        </p:txBody>
+      </p:sp>
+      <p:sp>
+        <p:nvSpPr>
+          <p:cNvPr id="5" name="Tijdelijke aanduiding voor datum 4">
+            <a:extLst>
+              <a:ext uri="{FF2B5EF4-FFF2-40B4-BE49-F238E27FC236}">
+                <a16:creationId xmlns:a16="http://schemas.microsoft.com/office/drawing/2014/main" id="{D763318B-D3A7-4D55-82AF-7D19CCD01683}"/>
+              </a:ext>
+            </a:extLst>
+          </p:cNvPr>
+          <p:cNvSpPr>
+            <a:spLocks noGrp="1"/>
+          </p:cNvSpPr>
+          <p:nvPr>
+            <p:ph type="dt" sz="half" idx="10"/>
           </p:nvPr>
         </p:nvSpPr>
         <p:spPr/>
         <p:txBody>
           <a:bodyPr/>
-          <a:lstStyle>
-            <a:lvl1pPr>
-              <a:defRPr/>
-            </a:lvl1pPr>
-          </a:lstStyle>
+          <a:lstStyle/>
+          <a:p>
+            <a:fld id="{2661A00B-007A-4326-8859-8C83DD4C6E5D}" type="datetimeFigureOut">
+              <a:rPr lang="nl-BE" smtClean="0"/>
+              <a:t>4/02/2021</a:t>
+            </a:fld>
+            <a:endParaRPr lang="nl-BE"/>
+          </a:p>
+        </p:txBody>
+      </p:sp>
+      <p:sp>
+        <p:nvSpPr>
+          <p:cNvPr id="6" name="Tijdelijke aanduiding voor voettekst 5">
+            <a:extLst>
+              <a:ext uri="{FF2B5EF4-FFF2-40B4-BE49-F238E27FC236}">
+                <a16:creationId xmlns:a16="http://schemas.microsoft.com/office/drawing/2014/main" id="{C16126F0-267A-413E-A20B-7214BF14675E}"/>
+              </a:ext>
+            </a:extLst>
+          </p:cNvPr>
+          <p:cNvSpPr>
+            <a:spLocks noGrp="1"/>
+          </p:cNvSpPr>
+          <p:nvPr>
+            <p:ph type="ftr" sz="quarter" idx="11"/>
+          </p:nvPr>
+        </p:nvSpPr>
+        <p:spPr/>
+        <p:txBody>
+          <a:bodyPr/>
+          <a:lstStyle/>
+          <a:p>
+            <a:endParaRPr lang="nl-BE"/>
+          </a:p>
+        </p:txBody>
+      </p:sp>
+      <p:sp>
+        <p:nvSpPr>
+          <p:cNvPr id="7" name="Tijdelijke aanduiding voor dianummer 6">
+            <a:extLst>
+              <a:ext uri="{FF2B5EF4-FFF2-40B4-BE49-F238E27FC236}">
+                <a16:creationId xmlns:a16="http://schemas.microsoft.com/office/drawing/2014/main" id="{0EE8EF28-8D87-4E29-987A-25E61C23CF1A}"/>
+              </a:ext>
+            </a:extLst>
+          </p:cNvPr>
+          <p:cNvSpPr>
+            <a:spLocks noGrp="1"/>
+          </p:cNvSpPr>
+          <p:nvPr>
+            <p:ph type="sldNum" sz="quarter" idx="12"/>
+          </p:nvPr>
+        </p:nvSpPr>
+        <p:spPr/>
+        <p:txBody>
+          <a:bodyPr/>
+          <a:lstStyle/>
           <a:p>
             <a:pPr>
               <a:defRPr/>
             </a:pPr>
             <a:r>
-              <a:rPr lang="nl-NL" dirty="0"/>
+              <a:rPr lang="nl-NL"/>
               <a:t>© ap2008 | </a:t>
             </a:r>
             <a:fld id="{85DF2318-0576-4E4A-A8B4-7BF50C294295}" type="slidenum">
-              <a:rPr lang="nl-NL"/>
+              <a:rPr lang="nl-NL" smtClean="0"/>
               <a:pPr>
                 <a:defRPr/>
               </a:pPr>
@@ -3653,7 +3177,7 @@
     </p:spTree>
     <p:extLst>
       <p:ext uri="{BB962C8B-B14F-4D97-AF65-F5344CB8AC3E}">
-        <p14:creationId xmlns:p14="http://schemas.microsoft.com/office/powerpoint/2010/main" val="4125867061"/>
+        <p14:creationId xmlns:p14="http://schemas.microsoft.com/office/powerpoint/2010/main" val="3736014858"/>
       </p:ext>
     </p:extLst>
   </p:cSld>
@@ -3682,7 +3206,13 @@
       </p:grpSpPr>
       <p:sp>
         <p:nvSpPr>
-          <p:cNvPr id="2" name="Titel 1"/>
+          <p:cNvPr id="2" name="Titel 1">
+            <a:extLst>
+              <a:ext uri="{FF2B5EF4-FFF2-40B4-BE49-F238E27FC236}">
+                <a16:creationId xmlns:a16="http://schemas.microsoft.com/office/drawing/2014/main" id="{C4068CD6-8C62-40B2-A334-AB8A4A31F17D}"/>
+              </a:ext>
+            </a:extLst>
+          </p:cNvPr>
           <p:cNvSpPr>
             <a:spLocks noGrp="1"/>
           </p:cNvSpPr>
@@ -3692,28 +3222,35 @@
         </p:nvSpPr>
         <p:spPr>
           <a:xfrm>
-            <a:off x="2389717" y="4800600"/>
-            <a:ext cx="7315200" cy="566738"/>
+            <a:off x="839788" y="457200"/>
+            <a:ext cx="3932237" cy="1600200"/>
           </a:xfrm>
         </p:spPr>
         <p:txBody>
           <a:bodyPr anchor="b"/>
           <a:lstStyle>
-            <a:lvl1pPr algn="l">
-              <a:defRPr sz="2000" b="1"/>
+            <a:lvl1pPr>
+              <a:defRPr sz="3200"/>
             </a:lvl1pPr>
           </a:lstStyle>
           <a:p>
             <a:r>
               <a:rPr lang="nl-NL"/>
-              <a:t>Klik om de stijl te bewerken</a:t>
-            </a:r>
-          </a:p>
-        </p:txBody>
-      </p:sp>
-      <p:sp>
-        <p:nvSpPr>
-          <p:cNvPr id="3" name="Tijdelijke aanduiding voor afbeelding 2"/>
+              <a:t>Klik om stijl te bewerken</a:t>
+            </a:r>
+            <a:endParaRPr lang="nl-BE"/>
+          </a:p>
+        </p:txBody>
+      </p:sp>
+      <p:sp>
+        <p:nvSpPr>
+          <p:cNvPr id="3" name="Tijdelijke aanduiding voor afbeelding 2">
+            <a:extLst>
+              <a:ext uri="{FF2B5EF4-FFF2-40B4-BE49-F238E27FC236}">
+                <a16:creationId xmlns:a16="http://schemas.microsoft.com/office/drawing/2014/main" id="{5C519671-7768-46CF-9589-EC18A631F555}"/>
+              </a:ext>
+            </a:extLst>
+          </p:cNvPr>
           <p:cNvSpPr>
             <a:spLocks noGrp="1"/>
           </p:cNvSpPr>
@@ -3723,8 +3260,8 @@
         </p:nvSpPr>
         <p:spPr>
           <a:xfrm>
-            <a:off x="2389717" y="612775"/>
-            <a:ext cx="7315200" cy="4114800"/>
+            <a:off x="5183188" y="987425"/>
+            <a:ext cx="6172200" cy="4873625"/>
           </a:xfrm>
         </p:spPr>
         <p:txBody>
@@ -3768,14 +3305,23 @@
             </a:lvl9pPr>
           </a:lstStyle>
           <a:p>
-            <a:pPr lvl="0"/>
-            <a:endParaRPr lang="nl-NL" noProof="0"/>
-          </a:p>
-        </p:txBody>
-      </p:sp>
-      <p:sp>
-        <p:nvSpPr>
-          <p:cNvPr id="4" name="Tijdelijke aanduiding voor tekst 3"/>
+            <a:r>
+              <a:rPr lang="nl-NL"/>
+              <a:t>Klik op het pictogram als u een afbeelding wilt toevoegen</a:t>
+            </a:r>
+            <a:endParaRPr lang="nl-BE"/>
+          </a:p>
+        </p:txBody>
+      </p:sp>
+      <p:sp>
+        <p:nvSpPr>
+          <p:cNvPr id="4" name="Tijdelijke aanduiding voor tekst 3">
+            <a:extLst>
+              <a:ext uri="{FF2B5EF4-FFF2-40B4-BE49-F238E27FC236}">
+                <a16:creationId xmlns:a16="http://schemas.microsoft.com/office/drawing/2014/main" id="{43BB512F-050B-486A-BF60-FAF904A258F3}"/>
+              </a:ext>
+            </a:extLst>
+          </p:cNvPr>
           <p:cNvSpPr>
             <a:spLocks noGrp="1"/>
           </p:cNvSpPr>
@@ -3785,8 +3331,8 @@
         </p:nvSpPr>
         <p:spPr>
           <a:xfrm>
-            <a:off x="2389717" y="5367338"/>
-            <a:ext cx="7315200" cy="804862"/>
+            <a:off x="839788" y="2057400"/>
+            <a:ext cx="3932237" cy="3811588"/>
           </a:xfrm>
         </p:spPr>
         <p:txBody>
@@ -3794,78 +3340,134 @@
           <a:lstStyle>
             <a:lvl1pPr marL="0" indent="0">
               <a:buNone/>
-              <a:defRPr sz="1400"/>
+              <a:defRPr sz="1600"/>
             </a:lvl1pPr>
             <a:lvl2pPr marL="457200" indent="0">
               <a:buNone/>
-              <a:defRPr sz="1200"/>
+              <a:defRPr sz="1400"/>
             </a:lvl2pPr>
             <a:lvl3pPr marL="914400" indent="0">
               <a:buNone/>
-              <a:defRPr sz="1000"/>
+              <a:defRPr sz="1200"/>
             </a:lvl3pPr>
             <a:lvl4pPr marL="1371600" indent="0">
               <a:buNone/>
-              <a:defRPr sz="900"/>
+              <a:defRPr sz="1000"/>
             </a:lvl4pPr>
             <a:lvl5pPr marL="1828800" indent="0">
               <a:buNone/>
-              <a:defRPr sz="900"/>
+              <a:defRPr sz="1000"/>
             </a:lvl5pPr>
             <a:lvl6pPr marL="2286000" indent="0">
               <a:buNone/>
-              <a:defRPr sz="900"/>
+              <a:defRPr sz="1000"/>
             </a:lvl6pPr>
             <a:lvl7pPr marL="2743200" indent="0">
               <a:buNone/>
-              <a:defRPr sz="900"/>
+              <a:defRPr sz="1000"/>
             </a:lvl7pPr>
             <a:lvl8pPr marL="3200400" indent="0">
               <a:buNone/>
-              <a:defRPr sz="900"/>
+              <a:defRPr sz="1000"/>
             </a:lvl8pPr>
             <a:lvl9pPr marL="3657600" indent="0">
               <a:buNone/>
-              <a:defRPr sz="900"/>
+              <a:defRPr sz="1000"/>
             </a:lvl9pPr>
           </a:lstStyle>
           <a:p>
             <a:pPr lvl="0"/>
             <a:r>
               <a:rPr lang="nl-NL"/>
-              <a:t>Klik om de modelstijlen te bewerken</a:t>
-            </a:r>
-          </a:p>
-        </p:txBody>
-      </p:sp>
-      <p:sp>
-        <p:nvSpPr>
-          <p:cNvPr id="5" name="Rectangle 6"/>
-          <p:cNvSpPr>
-            <a:spLocks noGrp="1" noChangeArrowheads="1"/>
-          </p:cNvSpPr>
-          <p:nvPr>
-            <p:ph type="sldNum" sz="quarter" idx="10"/>
+              <a:t>Klikken om de tekststijl van het model te bewerken</a:t>
+            </a:r>
+          </a:p>
+        </p:txBody>
+      </p:sp>
+      <p:sp>
+        <p:nvSpPr>
+          <p:cNvPr id="5" name="Tijdelijke aanduiding voor datum 4">
+            <a:extLst>
+              <a:ext uri="{FF2B5EF4-FFF2-40B4-BE49-F238E27FC236}">
+                <a16:creationId xmlns:a16="http://schemas.microsoft.com/office/drawing/2014/main" id="{13014279-A0D6-4628-B04E-B73C6A41F2C2}"/>
+              </a:ext>
+            </a:extLst>
+          </p:cNvPr>
+          <p:cNvSpPr>
+            <a:spLocks noGrp="1"/>
+          </p:cNvSpPr>
+          <p:nvPr>
+            <p:ph type="dt" sz="half" idx="10"/>
           </p:nvPr>
         </p:nvSpPr>
         <p:spPr/>
         <p:txBody>
           <a:bodyPr/>
-          <a:lstStyle>
-            <a:lvl1pPr>
-              <a:defRPr/>
-            </a:lvl1pPr>
-          </a:lstStyle>
+          <a:lstStyle/>
+          <a:p>
+            <a:fld id="{2661A00B-007A-4326-8859-8C83DD4C6E5D}" type="datetimeFigureOut">
+              <a:rPr lang="nl-BE" smtClean="0"/>
+              <a:t>4/02/2021</a:t>
+            </a:fld>
+            <a:endParaRPr lang="nl-BE"/>
+          </a:p>
+        </p:txBody>
+      </p:sp>
+      <p:sp>
+        <p:nvSpPr>
+          <p:cNvPr id="6" name="Tijdelijke aanduiding voor voettekst 5">
+            <a:extLst>
+              <a:ext uri="{FF2B5EF4-FFF2-40B4-BE49-F238E27FC236}">
+                <a16:creationId xmlns:a16="http://schemas.microsoft.com/office/drawing/2014/main" id="{9E1844A0-29A9-431A-BC59-A681E7C22417}"/>
+              </a:ext>
+            </a:extLst>
+          </p:cNvPr>
+          <p:cNvSpPr>
+            <a:spLocks noGrp="1"/>
+          </p:cNvSpPr>
+          <p:nvPr>
+            <p:ph type="ftr" sz="quarter" idx="11"/>
+          </p:nvPr>
+        </p:nvSpPr>
+        <p:spPr/>
+        <p:txBody>
+          <a:bodyPr/>
+          <a:lstStyle/>
+          <a:p>
+            <a:endParaRPr lang="nl-BE"/>
+          </a:p>
+        </p:txBody>
+      </p:sp>
+      <p:sp>
+        <p:nvSpPr>
+          <p:cNvPr id="7" name="Tijdelijke aanduiding voor dianummer 6">
+            <a:extLst>
+              <a:ext uri="{FF2B5EF4-FFF2-40B4-BE49-F238E27FC236}">
+                <a16:creationId xmlns:a16="http://schemas.microsoft.com/office/drawing/2014/main" id="{68B01B68-315D-4275-93E7-1CD101EBA32F}"/>
+              </a:ext>
+            </a:extLst>
+          </p:cNvPr>
+          <p:cNvSpPr>
+            <a:spLocks noGrp="1"/>
+          </p:cNvSpPr>
+          <p:nvPr>
+            <p:ph type="sldNum" sz="quarter" idx="12"/>
+          </p:nvPr>
+        </p:nvSpPr>
+        <p:spPr/>
+        <p:txBody>
+          <a:bodyPr/>
+          <a:lstStyle/>
           <a:p>
             <a:pPr>
               <a:defRPr/>
             </a:pPr>
             <a:r>
-              <a:rPr lang="nl-NL" dirty="0"/>
+              <a:rPr lang="nl-NL"/>
               <a:t>© ap2008 | </a:t>
             </a:r>
             <a:fld id="{EEF52B10-FE16-474A-A3EE-A30968C8FBB4}" type="slidenum">
-              <a:rPr lang="nl-NL"/>
+              <a:rPr lang="nl-NL" smtClean="0"/>
               <a:pPr>
                 <a:defRPr/>
               </a:pPr>
@@ -3878,7 +3480,7 @@
     </p:spTree>
     <p:extLst>
       <p:ext uri="{BB962C8B-B14F-4D97-AF65-F5344CB8AC3E}">
-        <p14:creationId xmlns:p14="http://schemas.microsoft.com/office/powerpoint/2010/main" val="3532035776"/>
+        <p14:creationId xmlns:p14="http://schemas.microsoft.com/office/powerpoint/2010/main" val="2371473872"/>
       </p:ext>
     </p:extLst>
   </p:cSld>
@@ -3892,12 +3494,9 @@
 <p:sldMaster xmlns:a="http://schemas.openxmlformats.org/drawingml/2006/main" xmlns:r="http://schemas.openxmlformats.org/officeDocument/2006/relationships" xmlns:p="http://schemas.openxmlformats.org/presentationml/2006/main">
   <p:cSld>
     <p:bg>
-      <p:bgPr>
-        <a:solidFill>
-          <a:schemeClr val="bg1"/>
-        </a:solidFill>
-        <a:effectLst/>
-      </p:bgPr>
+      <p:bgRef idx="1001">
+        <a:schemeClr val="bg1"/>
+      </p:bgRef>
     </p:bg>
     <p:spTree>
       <p:nvGrpSpPr>
@@ -3915,214 +3514,346 @@
       </p:grpSpPr>
       <p:sp>
         <p:nvSpPr>
-          <p:cNvPr id="6146" name="Rectangle 2"/>
-          <p:cNvSpPr>
-            <a:spLocks noGrp="1" noChangeArrowheads="1"/>
+          <p:cNvPr id="2" name="Tijdelijke aanduiding voor titel 1">
+            <a:extLst>
+              <a:ext uri="{FF2B5EF4-FFF2-40B4-BE49-F238E27FC236}">
+                <a16:creationId xmlns:a16="http://schemas.microsoft.com/office/drawing/2014/main" id="{00694DA2-4E03-486D-860B-097381549B64}"/>
+              </a:ext>
+            </a:extLst>
+          </p:cNvPr>
+          <p:cNvSpPr>
+            <a:spLocks noGrp="1"/>
           </p:cNvSpPr>
           <p:nvPr>
             <p:ph type="title"/>
           </p:nvPr>
         </p:nvSpPr>
+        <p:spPr>
+          <a:xfrm>
+            <a:off x="838200" y="365125"/>
+            <a:ext cx="10515600" cy="1325563"/>
+          </a:xfrm>
+          <a:prstGeom prst="rect">
+            <a:avLst/>
+          </a:prstGeom>
+        </p:spPr>
+        <p:txBody>
+          <a:bodyPr vert="horz" lIns="91440" tIns="45720" rIns="91440" bIns="45720" rtlCol="0" anchor="ctr">
+            <a:normAutofit/>
+          </a:bodyPr>
+          <a:lstStyle/>
+          <a:p>
+            <a:r>
+              <a:rPr lang="nl-NL" dirty="0"/>
+              <a:t>Klik om stijl te bewerken</a:t>
+            </a:r>
+            <a:endParaRPr lang="nl-BE" dirty="0"/>
+          </a:p>
+        </p:txBody>
+      </p:sp>
+      <p:sp>
+        <p:nvSpPr>
+          <p:cNvPr id="3" name="Tijdelijke aanduiding voor tekst 2">
+            <a:extLst>
+              <a:ext uri="{FF2B5EF4-FFF2-40B4-BE49-F238E27FC236}">
+                <a16:creationId xmlns:a16="http://schemas.microsoft.com/office/drawing/2014/main" id="{685C7508-DC72-4533-8509-4CD89465044C}"/>
+              </a:ext>
+            </a:extLst>
+          </p:cNvPr>
+          <p:cNvSpPr>
+            <a:spLocks noGrp="1"/>
+          </p:cNvSpPr>
+          <p:nvPr>
+            <p:ph type="body" idx="1"/>
+          </p:nvPr>
+        </p:nvSpPr>
+        <p:spPr>
+          <a:xfrm>
+            <a:off x="838200" y="1825625"/>
+            <a:ext cx="10515600" cy="4351338"/>
+          </a:xfrm>
+          <a:prstGeom prst="rect">
+            <a:avLst/>
+          </a:prstGeom>
+        </p:spPr>
+        <p:txBody>
+          <a:bodyPr vert="horz" lIns="91440" tIns="45720" rIns="91440" bIns="45720" rtlCol="0">
+            <a:normAutofit/>
+          </a:bodyPr>
+          <a:lstStyle/>
+          <a:p>
+            <a:pPr lvl="0"/>
+            <a:r>
+              <a:rPr lang="nl-NL" dirty="0"/>
+              <a:t>Klikken om de tekststijl van het model te bewerken</a:t>
+            </a:r>
+          </a:p>
+          <a:p>
+            <a:pPr lvl="1"/>
+            <a:r>
+              <a:rPr lang="nl-NL" dirty="0"/>
+              <a:t>Tweede niveau</a:t>
+            </a:r>
+          </a:p>
+          <a:p>
+            <a:pPr lvl="2"/>
+            <a:r>
+              <a:rPr lang="nl-NL" dirty="0"/>
+              <a:t>Derde niveau</a:t>
+            </a:r>
+          </a:p>
+          <a:p>
+            <a:pPr lvl="3"/>
+            <a:r>
+              <a:rPr lang="nl-NL" dirty="0"/>
+              <a:t>Vierde niveau</a:t>
+            </a:r>
+          </a:p>
+          <a:p>
+            <a:pPr lvl="4"/>
+            <a:r>
+              <a:rPr lang="nl-NL" dirty="0"/>
+              <a:t>Vijfde niveau</a:t>
+            </a:r>
+            <a:endParaRPr lang="nl-BE" dirty="0"/>
+          </a:p>
+        </p:txBody>
+      </p:sp>
+      <p:sp>
+        <p:nvSpPr>
+          <p:cNvPr id="4" name="Tijdelijke aanduiding voor datum 3">
+            <a:extLst>
+              <a:ext uri="{FF2B5EF4-FFF2-40B4-BE49-F238E27FC236}">
+                <a16:creationId xmlns:a16="http://schemas.microsoft.com/office/drawing/2014/main" id="{831C0E2D-36AC-4651-B5A5-7C24D95AAA30}"/>
+              </a:ext>
+            </a:extLst>
+          </p:cNvPr>
+          <p:cNvSpPr>
+            <a:spLocks noGrp="1"/>
+          </p:cNvSpPr>
+          <p:nvPr>
+            <p:ph type="dt" sz="half" idx="2"/>
+          </p:nvPr>
+        </p:nvSpPr>
+        <p:spPr>
+          <a:xfrm>
+            <a:off x="838200" y="6356350"/>
+            <a:ext cx="2743200" cy="365125"/>
+          </a:xfrm>
+          <a:prstGeom prst="rect">
+            <a:avLst/>
+          </a:prstGeom>
+        </p:spPr>
+        <p:txBody>
+          <a:bodyPr vert="horz" lIns="91440" tIns="45720" rIns="91440" bIns="45720" rtlCol="0" anchor="ctr"/>
+          <a:lstStyle>
+            <a:lvl1pPr algn="l">
+              <a:defRPr sz="1200">
+                <a:solidFill>
+                  <a:schemeClr val="tx1">
+                    <a:tint val="75000"/>
+                  </a:schemeClr>
+                </a:solidFill>
+              </a:defRPr>
+            </a:lvl1pPr>
+          </a:lstStyle>
+          <a:p>
+            <a:fld id="{2661A00B-007A-4326-8859-8C83DD4C6E5D}" type="datetimeFigureOut">
+              <a:rPr lang="nl-BE" smtClean="0"/>
+              <a:t>4/02/2021</a:t>
+            </a:fld>
+            <a:endParaRPr lang="nl-BE"/>
+          </a:p>
+        </p:txBody>
+      </p:sp>
+      <p:sp>
+        <p:nvSpPr>
+          <p:cNvPr id="5" name="Tijdelijke aanduiding voor voettekst 4">
+            <a:extLst>
+              <a:ext uri="{FF2B5EF4-FFF2-40B4-BE49-F238E27FC236}">
+                <a16:creationId xmlns:a16="http://schemas.microsoft.com/office/drawing/2014/main" id="{B2F3C7A1-BCFE-4981-8966-87B26FEB7EF7}"/>
+              </a:ext>
+            </a:extLst>
+          </p:cNvPr>
+          <p:cNvSpPr>
+            <a:spLocks noGrp="1"/>
+          </p:cNvSpPr>
+          <p:nvPr>
+            <p:ph type="ftr" sz="quarter" idx="3"/>
+          </p:nvPr>
+        </p:nvSpPr>
+        <p:spPr>
+          <a:xfrm>
+            <a:off x="4038600" y="6356350"/>
+            <a:ext cx="4114800" cy="365125"/>
+          </a:xfrm>
+          <a:prstGeom prst="rect">
+            <a:avLst/>
+          </a:prstGeom>
+        </p:spPr>
+        <p:txBody>
+          <a:bodyPr vert="horz" lIns="91440" tIns="45720" rIns="91440" bIns="45720" rtlCol="0" anchor="ctr"/>
+          <a:lstStyle>
+            <a:lvl1pPr algn="ctr">
+              <a:defRPr sz="1200">
+                <a:solidFill>
+                  <a:schemeClr val="tx1">
+                    <a:tint val="75000"/>
+                  </a:schemeClr>
+                </a:solidFill>
+              </a:defRPr>
+            </a:lvl1pPr>
+          </a:lstStyle>
+          <a:p>
+            <a:endParaRPr lang="nl-BE"/>
+          </a:p>
+        </p:txBody>
+      </p:sp>
+      <p:sp>
+        <p:nvSpPr>
+          <p:cNvPr id="6" name="Tijdelijke aanduiding voor dianummer 5">
+            <a:extLst>
+              <a:ext uri="{FF2B5EF4-FFF2-40B4-BE49-F238E27FC236}">
+                <a16:creationId xmlns:a16="http://schemas.microsoft.com/office/drawing/2014/main" id="{9C052746-846E-4603-B721-809D7198C9E2}"/>
+              </a:ext>
+            </a:extLst>
+          </p:cNvPr>
+          <p:cNvSpPr>
+            <a:spLocks noGrp="1"/>
+          </p:cNvSpPr>
+          <p:nvPr>
+            <p:ph type="sldNum" sz="quarter" idx="4"/>
+          </p:nvPr>
+        </p:nvSpPr>
+        <p:spPr>
+          <a:xfrm>
+            <a:off x="8610600" y="6356350"/>
+            <a:ext cx="2743200" cy="365125"/>
+          </a:xfrm>
+          <a:prstGeom prst="rect">
+            <a:avLst/>
+          </a:prstGeom>
+        </p:spPr>
+        <p:txBody>
+          <a:bodyPr vert="horz" lIns="91440" tIns="45720" rIns="91440" bIns="45720" rtlCol="0" anchor="ctr"/>
+          <a:lstStyle>
+            <a:lvl1pPr algn="r">
+              <a:defRPr sz="1200">
+                <a:solidFill>
+                  <a:schemeClr val="tx1">
+                    <a:tint val="75000"/>
+                  </a:schemeClr>
+                </a:solidFill>
+              </a:defRPr>
+            </a:lvl1pPr>
+          </a:lstStyle>
+          <a:p>
+            <a:pPr>
+              <a:defRPr/>
+            </a:pPr>
+            <a:endParaRPr lang="nl-NL" dirty="0"/>
+          </a:p>
+        </p:txBody>
+      </p:sp>
+      <p:pic>
+        <p:nvPicPr>
+          <p:cNvPr id="1026" name="Picture 2" descr="Huisstijl | AP Hogeschool">
+            <a:extLst>
+              <a:ext uri="{FF2B5EF4-FFF2-40B4-BE49-F238E27FC236}">
+                <a16:creationId xmlns:a16="http://schemas.microsoft.com/office/drawing/2014/main" id="{A63DCC07-2517-4A2E-85D4-1179A0BDB0C4}"/>
+              </a:ext>
+            </a:extLst>
+          </p:cNvPr>
+          <p:cNvPicPr>
+            <a:picLocks noChangeAspect="1" noChangeArrowheads="1"/>
+          </p:cNvPicPr>
+          <p:nvPr/>
+        </p:nvPicPr>
+        <p:blipFill>
+          <a:blip r:embed="rId14">
+            <a:extLst>
+              <a:ext uri="{28A0092B-C50C-407E-A947-70E740481C1C}">
+                <a14:useLocalDpi xmlns:a14="http://schemas.microsoft.com/office/drawing/2010/main" val="0"/>
+              </a:ext>
+            </a:extLst>
+          </a:blip>
+          <a:srcRect/>
+          <a:stretch>
+            <a:fillRect/>
+          </a:stretch>
+        </p:blipFill>
         <p:spPr bwMode="auto">
           <a:xfrm>
-            <a:off x="963085" y="0"/>
-            <a:ext cx="10265833" cy="922338"/>
+            <a:off x="193741" y="6378084"/>
+            <a:ext cx="513792" cy="285699"/>
           </a:xfrm>
           <a:prstGeom prst="rect">
             <a:avLst/>
           </a:prstGeom>
           <a:noFill/>
-          <a:ln w="9525">
-            <a:noFill/>
-            <a:miter lim="800000"/>
-            <a:headEnd/>
-            <a:tailEnd/>
-          </a:ln>
+          <a:extLst>
+            <a:ext uri="{909E8E84-426E-40DD-AFC4-6F175D3DCCD1}">
+              <a14:hiddenFill xmlns:a14="http://schemas.microsoft.com/office/drawing/2010/main">
+                <a:solidFill>
+                  <a:srgbClr val="FFFFFF"/>
+                </a:solidFill>
+              </a14:hiddenFill>
+            </a:ext>
+          </a:extLst>
         </p:spPr>
-        <p:txBody>
-          <a:bodyPr vert="horz" wrap="square" lIns="0" tIns="0" rIns="0" bIns="0" numCol="1" anchor="ctr" anchorCtr="0" compatLnSpc="1">
-            <a:prstTxWarp prst="textNoShape">
-              <a:avLst/>
-            </a:prstTxWarp>
-          </a:bodyPr>
-          <a:lstStyle/>
-          <a:p>
-            <a:pPr lvl="0"/>
-            <a:r>
-              <a:rPr lang="nl-NL" dirty="0"/>
-              <a:t>Titelstijl van model bewerken</a:t>
-            </a:r>
-          </a:p>
-        </p:txBody>
-      </p:sp>
-      <p:sp>
-        <p:nvSpPr>
-          <p:cNvPr id="6147" name="Rectangle 3"/>
-          <p:cNvSpPr>
-            <a:spLocks noGrp="1" noChangeArrowheads="1"/>
-          </p:cNvSpPr>
-          <p:nvPr>
-            <p:ph type="body" idx="1"/>
-          </p:nvPr>
-        </p:nvSpPr>
-        <p:spPr bwMode="auto">
+      </p:pic>
+      <p:pic>
+        <p:nvPicPr>
+          <p:cNvPr id="9" name="Afbeelding 8">
+            <a:extLst>
+              <a:ext uri="{FF2B5EF4-FFF2-40B4-BE49-F238E27FC236}">
+                <a16:creationId xmlns:a16="http://schemas.microsoft.com/office/drawing/2014/main" id="{ADEA6C63-59A4-49ED-A761-DE84E5378269}"/>
+              </a:ext>
+            </a:extLst>
+          </p:cNvPr>
+          <p:cNvPicPr>
+            <a:picLocks noChangeAspect="1"/>
+          </p:cNvPicPr>
+          <p:nvPr/>
+        </p:nvPicPr>
+        <p:blipFill>
+          <a:blip r:embed="rId15">
+            <a:extLst>
+              <a:ext uri="{28A0092B-C50C-407E-A947-70E740481C1C}">
+                <a14:useLocalDpi xmlns:a14="http://schemas.microsoft.com/office/drawing/2010/main" val="0"/>
+              </a:ext>
+            </a:extLst>
+          </a:blip>
+          <a:stretch>
+            <a:fillRect/>
+          </a:stretch>
+        </p:blipFill>
+        <p:spPr>
           <a:xfrm>
-            <a:off x="963085" y="1328738"/>
-            <a:ext cx="10949516" cy="4902200"/>
+            <a:off x="11438852" y="5744"/>
+            <a:ext cx="658715" cy="377988"/>
           </a:xfrm>
           <a:prstGeom prst="rect">
             <a:avLst/>
           </a:prstGeom>
-          <a:noFill/>
-          <a:ln w="9525">
-            <a:noFill/>
-            <a:miter lim="800000"/>
-            <a:headEnd/>
-            <a:tailEnd/>
-          </a:ln>
         </p:spPr>
-        <p:txBody>
-          <a:bodyPr vert="horz" wrap="square" lIns="0" tIns="0" rIns="0" bIns="0" numCol="1" anchor="t" anchorCtr="0" compatLnSpc="1">
-            <a:prstTxWarp prst="textNoShape">
-              <a:avLst/>
-            </a:prstTxWarp>
-          </a:bodyPr>
-          <a:lstStyle/>
-          <a:p>
-            <a:pPr lvl="0"/>
-            <a:r>
-              <a:rPr lang="nl-NL"/>
-              <a:t>Klik om de tekststijl van het model te bewerken</a:t>
-            </a:r>
-          </a:p>
-          <a:p>
-            <a:pPr lvl="1"/>
-            <a:r>
-              <a:rPr lang="nl-NL"/>
-              <a:t>Tweede niveau</a:t>
-            </a:r>
-          </a:p>
-          <a:p>
-            <a:pPr lvl="2"/>
-            <a:r>
-              <a:rPr lang="nl-NL"/>
-              <a:t>Derde niveau</a:t>
-            </a:r>
-          </a:p>
-          <a:p>
-            <a:pPr lvl="3"/>
-            <a:r>
-              <a:rPr lang="nl-NL"/>
-              <a:t>Vierde niveau</a:t>
-            </a:r>
-          </a:p>
-          <a:p>
-            <a:pPr lvl="4"/>
-            <a:r>
-              <a:rPr lang="nl-NL"/>
-              <a:t>Vijfde niveau</a:t>
-            </a:r>
-          </a:p>
-        </p:txBody>
-      </p:sp>
-      <p:sp>
-        <p:nvSpPr>
-          <p:cNvPr id="1030" name="Rectangle 6"/>
-          <p:cNvSpPr>
-            <a:spLocks noGrp="1" noChangeArrowheads="1"/>
-          </p:cNvSpPr>
-          <p:nvPr>
-            <p:ph type="sldNum" sz="quarter" idx="4"/>
-          </p:nvPr>
-        </p:nvSpPr>
-        <p:spPr bwMode="auto">
-          <a:xfrm>
-            <a:off x="8691033" y="6470650"/>
-            <a:ext cx="3208867" cy="312738"/>
-          </a:xfrm>
-          <a:prstGeom prst="rect">
-            <a:avLst/>
-          </a:prstGeom>
-          <a:noFill/>
-          <a:ln w="9525">
-            <a:noFill/>
-            <a:miter lim="800000"/>
-            <a:headEnd/>
-            <a:tailEnd/>
-          </a:ln>
-          <a:effectLst/>
-        </p:spPr>
-        <p:txBody>
-          <a:bodyPr vert="horz" wrap="square" lIns="0" tIns="0" rIns="0" bIns="0" numCol="1" anchor="ctr" anchorCtr="0" compatLnSpc="1">
-            <a:prstTxWarp prst="textNoShape">
-              <a:avLst/>
-            </a:prstTxWarp>
-          </a:bodyPr>
-          <a:lstStyle>
-            <a:lvl1pPr algn="r" eaLnBrk="0" hangingPunct="0">
-              <a:defRPr sz="1100">
-                <a:cs typeface="+mn-cs"/>
-              </a:defRPr>
-            </a:lvl1pPr>
-          </a:lstStyle>
-          <a:p>
-            <a:pPr>
-              <a:defRPr/>
-            </a:pPr>
-            <a:endParaRPr lang="nl-NL" dirty="0"/>
-          </a:p>
-        </p:txBody>
-      </p:sp>
-      <p:sp>
-        <p:nvSpPr>
-          <p:cNvPr id="1050" name="Line 26"/>
-          <p:cNvSpPr>
-            <a:spLocks noChangeShapeType="1"/>
-          </p:cNvSpPr>
-          <p:nvPr/>
-        </p:nvSpPr>
-        <p:spPr bwMode="auto">
-          <a:xfrm>
-            <a:off x="0" y="922338"/>
-            <a:ext cx="12192000" cy="0"/>
-          </a:xfrm>
-          <a:prstGeom prst="line">
-            <a:avLst/>
-          </a:prstGeom>
-          <a:noFill/>
-          <a:ln w="12700">
-            <a:solidFill>
-              <a:srgbClr val="CCCCCC"/>
-            </a:solidFill>
-            <a:round/>
-            <a:headEnd/>
-            <a:tailEnd/>
-          </a:ln>
-          <a:effectLst/>
-        </p:spPr>
-        <p:txBody>
-          <a:bodyPr wrap="none" anchor="ctr"/>
-          <a:lstStyle/>
-          <a:p>
-            <a:pPr eaLnBrk="0" hangingPunct="0">
-              <a:defRPr/>
-            </a:pPr>
-            <a:endParaRPr lang="nl-NL">
-              <a:cs typeface="+mn-cs"/>
-            </a:endParaRPr>
-          </a:p>
-        </p:txBody>
-      </p:sp>
+      </p:pic>
       <p:pic>
         <p:nvPicPr>
-          <p:cNvPr id="9218" name="Picture 2" descr="https://fbcdn-profile-a.akamaihd.net/hprofile-ak-ash1/t1/s160x160/374436_476699385701555_1606017591_a.jpg"/>
+          <p:cNvPr id="10" name="Picture 2" descr="https://fbcdn-profile-a.akamaihd.net/hprofile-ak-ash1/t1/s160x160/374436_476699385701555_1606017591_a.jpg">
+            <a:extLst>
+              <a:ext uri="{FF2B5EF4-FFF2-40B4-BE49-F238E27FC236}">
+                <a16:creationId xmlns:a16="http://schemas.microsoft.com/office/drawing/2014/main" id="{EFD093B4-8A89-46E8-A103-41F47DD8739D}"/>
+              </a:ext>
+            </a:extLst>
+          </p:cNvPr>
           <p:cNvPicPr>
             <a:picLocks noChangeAspect="1" noChangeArrowheads="1"/>
           </p:cNvPicPr>
           <p:nvPr userDrawn="1"/>
         </p:nvPicPr>
         <p:blipFill>
-          <a:blip r:embed="rId19">
+          <a:blip r:embed="rId16">
             <a:extLst>
               <a:ext uri="{28A0092B-C50C-407E-A947-70E740481C1C}">
                 <a14:useLocalDpi xmlns:a14="http://schemas.microsoft.com/office/drawing/2010/main" val="0"/>
@@ -4157,204 +3888,57 @@
     </p:spTree>
     <p:extLst>
       <p:ext uri="{BB962C8B-B14F-4D97-AF65-F5344CB8AC3E}">
-        <p14:creationId xmlns:p14="http://schemas.microsoft.com/office/powerpoint/2010/main" val="1613606286"/>
+        <p14:creationId xmlns:p14="http://schemas.microsoft.com/office/powerpoint/2010/main" val="1859652424"/>
       </p:ext>
     </p:extLst>
   </p:cSld>
   <p:clrMap bg1="lt1" tx1="dk1" bg2="lt2" tx2="dk2" accent1="accent1" accent2="accent2" accent3="accent3" accent4="accent4" accent5="accent5" accent6="accent6" hlink="hlink" folHlink="folHlink"/>
   <p:sldLayoutIdLst>
-    <p:sldLayoutId id="2147483661" r:id="rId1"/>
-    <p:sldLayoutId id="2147483662" r:id="rId2"/>
-    <p:sldLayoutId id="2147483663" r:id="rId3"/>
-    <p:sldLayoutId id="2147483664" r:id="rId4"/>
-    <p:sldLayoutId id="2147483665" r:id="rId5"/>
-    <p:sldLayoutId id="2147483666" r:id="rId6"/>
-    <p:sldLayoutId id="2147483667" r:id="rId7"/>
-    <p:sldLayoutId id="2147483668" r:id="rId8"/>
-    <p:sldLayoutId id="2147483669" r:id="rId9"/>
-    <p:sldLayoutId id="2147483670" r:id="rId10"/>
-    <p:sldLayoutId id="2147483671" r:id="rId11"/>
-    <p:sldLayoutId id="2147483672" r:id="rId12"/>
-    <p:sldLayoutId id="2147483673" r:id="rId13"/>
-    <p:sldLayoutId id="2147483674" r:id="rId14"/>
-    <p:sldLayoutId id="2147483675" r:id="rId15"/>
-    <p:sldLayoutId id="2147483676" r:id="rId16"/>
-    <p:sldLayoutId id="2147483677" r:id="rId17"/>
+    <p:sldLayoutId id="2147483679" r:id="rId1"/>
+    <p:sldLayoutId id="2147483680" r:id="rId2"/>
+    <p:sldLayoutId id="2147483681" r:id="rId3"/>
+    <p:sldLayoutId id="2147483682" r:id="rId4"/>
+    <p:sldLayoutId id="2147483683" r:id="rId5"/>
+    <p:sldLayoutId id="2147483684" r:id="rId6"/>
+    <p:sldLayoutId id="2147483685" r:id="rId7"/>
+    <p:sldLayoutId id="2147483686" r:id="rId8"/>
+    <p:sldLayoutId id="2147483687" r:id="rId9"/>
+    <p:sldLayoutId id="2147483688" r:id="rId10"/>
+    <p:sldLayoutId id="2147483689" r:id="rId11"/>
+    <p:sldLayoutId id="2147483690" r:id="rId12"/>
   </p:sldLayoutIdLst>
   <p:hf hdr="0" ftr="0" dt="0"/>
   <p:txStyles>
     <p:titleStyle>
-      <a:lvl1pPr algn="l" rtl="0" eaLnBrk="0" fontAlgn="base" hangingPunct="0">
+      <a:lvl1pPr algn="l" defTabSz="914400" rtl="0" eaLnBrk="1" latinLnBrk="0" hangingPunct="1">
         <a:lnSpc>
           <a:spcPct val="90000"/>
         </a:lnSpc>
         <a:spcBef>
           <a:spcPct val="0"/>
         </a:spcBef>
-        <a:spcAft>
-          <a:spcPct val="0"/>
-        </a:spcAft>
-        <a:defRPr sz="2600">
+        <a:buNone/>
+        <a:defRPr sz="4400" kern="1200">
           <a:solidFill>
-            <a:schemeClr val="accent2"/>
+            <a:schemeClr val="tx1"/>
           </a:solidFill>
           <a:latin typeface="+mj-lt"/>
           <a:ea typeface="+mj-ea"/>
           <a:cs typeface="+mj-cs"/>
         </a:defRPr>
       </a:lvl1pPr>
-      <a:lvl2pPr algn="l" rtl="0" eaLnBrk="0" fontAlgn="base" hangingPunct="0">
+    </p:titleStyle>
+    <p:bodyStyle>
+      <a:lvl1pPr marL="228600" indent="-228600" algn="l" defTabSz="914400" rtl="0" eaLnBrk="1" latinLnBrk="0" hangingPunct="1">
         <a:lnSpc>
           <a:spcPct val="90000"/>
         </a:lnSpc>
         <a:spcBef>
-          <a:spcPct val="0"/>
+          <a:spcPts val="1000"/>
         </a:spcBef>
-        <a:spcAft>
-          <a:spcPct val="0"/>
-        </a:spcAft>
-        <a:defRPr sz="2600">
-          <a:solidFill>
-            <a:schemeClr val="accent2"/>
-          </a:solidFill>
-          <a:latin typeface="Arial" charset="0"/>
-        </a:defRPr>
-      </a:lvl2pPr>
-      <a:lvl3pPr algn="l" rtl="0" eaLnBrk="0" fontAlgn="base" hangingPunct="0">
-        <a:lnSpc>
-          <a:spcPct val="90000"/>
-        </a:lnSpc>
-        <a:spcBef>
-          <a:spcPct val="0"/>
-        </a:spcBef>
-        <a:spcAft>
-          <a:spcPct val="0"/>
-        </a:spcAft>
-        <a:defRPr sz="2600">
-          <a:solidFill>
-            <a:schemeClr val="accent2"/>
-          </a:solidFill>
-          <a:latin typeface="Arial" charset="0"/>
-        </a:defRPr>
-      </a:lvl3pPr>
-      <a:lvl4pPr algn="l" rtl="0" eaLnBrk="0" fontAlgn="base" hangingPunct="0">
-        <a:lnSpc>
-          <a:spcPct val="90000"/>
-        </a:lnSpc>
-        <a:spcBef>
-          <a:spcPct val="0"/>
-        </a:spcBef>
-        <a:spcAft>
-          <a:spcPct val="0"/>
-        </a:spcAft>
-        <a:defRPr sz="2600">
-          <a:solidFill>
-            <a:schemeClr val="accent2"/>
-          </a:solidFill>
-          <a:latin typeface="Arial" charset="0"/>
-        </a:defRPr>
-      </a:lvl4pPr>
-      <a:lvl5pPr algn="l" rtl="0" eaLnBrk="0" fontAlgn="base" hangingPunct="0">
-        <a:lnSpc>
-          <a:spcPct val="90000"/>
-        </a:lnSpc>
-        <a:spcBef>
-          <a:spcPct val="0"/>
-        </a:spcBef>
-        <a:spcAft>
-          <a:spcPct val="0"/>
-        </a:spcAft>
-        <a:defRPr sz="2600">
-          <a:solidFill>
-            <a:schemeClr val="accent2"/>
-          </a:solidFill>
-          <a:latin typeface="Arial" charset="0"/>
-        </a:defRPr>
-      </a:lvl5pPr>
-      <a:lvl6pPr marL="457200" algn="l" rtl="0" fontAlgn="base">
-        <a:lnSpc>
-          <a:spcPct val="90000"/>
-        </a:lnSpc>
-        <a:spcBef>
-          <a:spcPct val="0"/>
-        </a:spcBef>
-        <a:spcAft>
-          <a:spcPct val="0"/>
-        </a:spcAft>
-        <a:defRPr sz="2600">
-          <a:solidFill>
-            <a:schemeClr val="accent2"/>
-          </a:solidFill>
-          <a:latin typeface="Arial" charset="0"/>
-        </a:defRPr>
-      </a:lvl6pPr>
-      <a:lvl7pPr marL="914400" algn="l" rtl="0" fontAlgn="base">
-        <a:lnSpc>
-          <a:spcPct val="90000"/>
-        </a:lnSpc>
-        <a:spcBef>
-          <a:spcPct val="0"/>
-        </a:spcBef>
-        <a:spcAft>
-          <a:spcPct val="0"/>
-        </a:spcAft>
-        <a:defRPr sz="2600">
-          <a:solidFill>
-            <a:schemeClr val="accent2"/>
-          </a:solidFill>
-          <a:latin typeface="Arial" charset="0"/>
-        </a:defRPr>
-      </a:lvl7pPr>
-      <a:lvl8pPr marL="1371600" algn="l" rtl="0" fontAlgn="base">
-        <a:lnSpc>
-          <a:spcPct val="90000"/>
-        </a:lnSpc>
-        <a:spcBef>
-          <a:spcPct val="0"/>
-        </a:spcBef>
-        <a:spcAft>
-          <a:spcPct val="0"/>
-        </a:spcAft>
-        <a:defRPr sz="2600">
-          <a:solidFill>
-            <a:schemeClr val="accent2"/>
-          </a:solidFill>
-          <a:latin typeface="Arial" charset="0"/>
-        </a:defRPr>
-      </a:lvl8pPr>
-      <a:lvl9pPr marL="1828800" algn="l" rtl="0" fontAlgn="base">
-        <a:lnSpc>
-          <a:spcPct val="90000"/>
-        </a:lnSpc>
-        <a:spcBef>
-          <a:spcPct val="0"/>
-        </a:spcBef>
-        <a:spcAft>
-          <a:spcPct val="0"/>
-        </a:spcAft>
-        <a:defRPr sz="2600">
-          <a:solidFill>
-            <a:schemeClr val="accent2"/>
-          </a:solidFill>
-          <a:latin typeface="Arial" charset="0"/>
-        </a:defRPr>
-      </a:lvl9pPr>
-    </p:titleStyle>
-    <p:bodyStyle>
-      <a:lvl1pPr marL="287338" indent="-287338" algn="l" rtl="0" eaLnBrk="0" fontAlgn="base" hangingPunct="0">
-        <a:spcBef>
-          <a:spcPct val="20000"/>
-        </a:spcBef>
-        <a:spcAft>
-          <a:spcPct val="0"/>
-        </a:spcAft>
-        <a:buClr>
-          <a:schemeClr val="accent2"/>
-        </a:buClr>
-        <a:buSzPct val="110000"/>
-        <a:buFont typeface="Times" pitchFamily="18" charset="0"/>
+        <a:buFont typeface="Arial" panose="020B0604020202020204" pitchFamily="34" charset="0"/>
         <a:buChar char="•"/>
-        <a:defRPr sz="2000">
+        <a:defRPr sz="2800" kern="1200">
           <a:solidFill>
             <a:schemeClr val="tx1"/>
           </a:solidFill>
@@ -4363,164 +3947,154 @@
           <a:cs typeface="+mn-cs"/>
         </a:defRPr>
       </a:lvl1pPr>
-      <a:lvl2pPr marL="723900" indent="-246063" algn="l" rtl="0" eaLnBrk="0" fontAlgn="base" hangingPunct="0">
+      <a:lvl2pPr marL="685800" indent="-228600" algn="l" defTabSz="914400" rtl="0" eaLnBrk="1" latinLnBrk="0" hangingPunct="1">
+        <a:lnSpc>
+          <a:spcPct val="90000"/>
+        </a:lnSpc>
         <a:spcBef>
-          <a:spcPct val="20000"/>
+          <a:spcPts val="500"/>
         </a:spcBef>
-        <a:spcAft>
-          <a:spcPct val="0"/>
-        </a:spcAft>
-        <a:buClr>
-          <a:schemeClr val="accent2"/>
-        </a:buClr>
-        <a:buSzPct val="115000"/>
-        <a:buFont typeface="Times" pitchFamily="18" charset="0"/>
+        <a:buFont typeface="Arial" panose="020B0604020202020204" pitchFamily="34" charset="0"/>
         <a:buChar char="•"/>
-        <a:defRPr>
+        <a:defRPr sz="2400" kern="1200">
           <a:solidFill>
             <a:schemeClr val="tx1"/>
           </a:solidFill>
           <a:latin typeface="+mn-lt"/>
+          <a:ea typeface="+mn-ea"/>
+          <a:cs typeface="+mn-cs"/>
         </a:defRPr>
       </a:lvl2pPr>
-      <a:lvl3pPr marL="1135063" indent="-220663" algn="just" rtl="0" eaLnBrk="0" fontAlgn="base" hangingPunct="0">
+      <a:lvl3pPr marL="1143000" indent="-228600" algn="l" defTabSz="914400" rtl="0" eaLnBrk="1" latinLnBrk="0" hangingPunct="1">
+        <a:lnSpc>
+          <a:spcPct val="90000"/>
+        </a:lnSpc>
         <a:spcBef>
-          <a:spcPct val="20000"/>
+          <a:spcPts val="500"/>
         </a:spcBef>
-        <a:spcAft>
-          <a:spcPct val="0"/>
-        </a:spcAft>
-        <a:buClr>
-          <a:schemeClr val="accent2"/>
-        </a:buClr>
-        <a:buSzPct val="90000"/>
-        <a:buFont typeface="Times" pitchFamily="18" charset="0"/>
+        <a:buFont typeface="Arial" panose="020B0604020202020204" pitchFamily="34" charset="0"/>
         <a:buChar char="•"/>
-        <a:defRPr sz="1600">
+        <a:defRPr sz="2000" kern="1200">
           <a:solidFill>
             <a:schemeClr val="tx1"/>
           </a:solidFill>
           <a:latin typeface="+mn-lt"/>
+          <a:ea typeface="+mn-ea"/>
+          <a:cs typeface="+mn-cs"/>
         </a:defRPr>
       </a:lvl3pPr>
-      <a:lvl4pPr marL="1503363" indent="-207963" algn="l" rtl="0" eaLnBrk="0" fontAlgn="base" hangingPunct="0">
+      <a:lvl4pPr marL="1600200" indent="-228600" algn="l" defTabSz="914400" rtl="0" eaLnBrk="1" latinLnBrk="0" hangingPunct="1">
+        <a:lnSpc>
+          <a:spcPct val="90000"/>
+        </a:lnSpc>
         <a:spcBef>
-          <a:spcPct val="20000"/>
+          <a:spcPts val="500"/>
         </a:spcBef>
-        <a:spcAft>
-          <a:spcPct val="0"/>
-        </a:spcAft>
-        <a:buClr>
-          <a:schemeClr val="accent2"/>
-        </a:buClr>
-        <a:buFont typeface="Times" pitchFamily="18" charset="0"/>
+        <a:buFont typeface="Arial" panose="020B0604020202020204" pitchFamily="34" charset="0"/>
         <a:buChar char="•"/>
-        <a:defRPr sz="1600">
+        <a:defRPr sz="1800" kern="1200">
           <a:solidFill>
             <a:schemeClr val="tx1"/>
           </a:solidFill>
           <a:latin typeface="+mn-lt"/>
+          <a:ea typeface="+mn-ea"/>
+          <a:cs typeface="+mn-cs"/>
         </a:defRPr>
       </a:lvl4pPr>
-      <a:lvl5pPr marL="1898650" indent="-204788" algn="l" rtl="0" eaLnBrk="0" fontAlgn="base" hangingPunct="0">
+      <a:lvl5pPr marL="2057400" indent="-228600" algn="l" defTabSz="914400" rtl="0" eaLnBrk="1" latinLnBrk="0" hangingPunct="1">
+        <a:lnSpc>
+          <a:spcPct val="90000"/>
+        </a:lnSpc>
         <a:spcBef>
-          <a:spcPct val="20000"/>
+          <a:spcPts val="500"/>
         </a:spcBef>
-        <a:spcAft>
-          <a:spcPct val="0"/>
-        </a:spcAft>
-        <a:buClr>
-          <a:schemeClr val="accent2"/>
-        </a:buClr>
-        <a:buFont typeface="Times" pitchFamily="18" charset="0"/>
+        <a:buFont typeface="Arial" panose="020B0604020202020204" pitchFamily="34" charset="0"/>
         <a:buChar char="•"/>
-        <a:defRPr sz="1600">
+        <a:defRPr sz="1800" kern="1200">
           <a:solidFill>
             <a:schemeClr val="tx1"/>
           </a:solidFill>
           <a:latin typeface="+mn-lt"/>
+          <a:ea typeface="+mn-ea"/>
+          <a:cs typeface="+mn-cs"/>
         </a:defRPr>
       </a:lvl5pPr>
-      <a:lvl6pPr marL="2355850" indent="-204788" algn="l" rtl="0" fontAlgn="base">
+      <a:lvl6pPr marL="2514600" indent="-228600" algn="l" defTabSz="914400" rtl="0" eaLnBrk="1" latinLnBrk="0" hangingPunct="1">
+        <a:lnSpc>
+          <a:spcPct val="90000"/>
+        </a:lnSpc>
         <a:spcBef>
-          <a:spcPct val="20000"/>
+          <a:spcPts val="500"/>
         </a:spcBef>
-        <a:spcAft>
-          <a:spcPct val="0"/>
-        </a:spcAft>
-        <a:buClr>
-          <a:schemeClr val="accent2"/>
-        </a:buClr>
-        <a:buFont typeface="Times" charset="0"/>
+        <a:buFont typeface="Arial" panose="020B0604020202020204" pitchFamily="34" charset="0"/>
         <a:buChar char="•"/>
-        <a:defRPr sz="1600">
+        <a:defRPr sz="1800" kern="1200">
           <a:solidFill>
             <a:schemeClr val="tx1"/>
           </a:solidFill>
           <a:latin typeface="+mn-lt"/>
+          <a:ea typeface="+mn-ea"/>
+          <a:cs typeface="+mn-cs"/>
         </a:defRPr>
       </a:lvl6pPr>
-      <a:lvl7pPr marL="2813050" indent="-204788" algn="l" rtl="0" fontAlgn="base">
+      <a:lvl7pPr marL="2971800" indent="-228600" algn="l" defTabSz="914400" rtl="0" eaLnBrk="1" latinLnBrk="0" hangingPunct="1">
+        <a:lnSpc>
+          <a:spcPct val="90000"/>
+        </a:lnSpc>
         <a:spcBef>
-          <a:spcPct val="20000"/>
+          <a:spcPts val="500"/>
         </a:spcBef>
-        <a:spcAft>
-          <a:spcPct val="0"/>
-        </a:spcAft>
-        <a:buClr>
-          <a:schemeClr val="accent2"/>
-        </a:buClr>
-        <a:buFont typeface="Times" charset="0"/>
+        <a:buFont typeface="Arial" panose="020B0604020202020204" pitchFamily="34" charset="0"/>
         <a:buChar char="•"/>
-        <a:defRPr sz="1600">
+        <a:defRPr sz="1800" kern="1200">
           <a:solidFill>
             <a:schemeClr val="tx1"/>
           </a:solidFill>
           <a:latin typeface="+mn-lt"/>
+          <a:ea typeface="+mn-ea"/>
+          <a:cs typeface="+mn-cs"/>
         </a:defRPr>
       </a:lvl7pPr>
-      <a:lvl8pPr marL="3270250" indent="-204788" algn="l" rtl="0" fontAlgn="base">
+      <a:lvl8pPr marL="3429000" indent="-228600" algn="l" defTabSz="914400" rtl="0" eaLnBrk="1" latinLnBrk="0" hangingPunct="1">
+        <a:lnSpc>
+          <a:spcPct val="90000"/>
+        </a:lnSpc>
         <a:spcBef>
-          <a:spcPct val="20000"/>
+          <a:spcPts val="500"/>
         </a:spcBef>
-        <a:spcAft>
-          <a:spcPct val="0"/>
-        </a:spcAft>
-        <a:buClr>
-          <a:schemeClr val="accent2"/>
-        </a:buClr>
-        <a:buFont typeface="Times" charset="0"/>
+        <a:buFont typeface="Arial" panose="020B0604020202020204" pitchFamily="34" charset="0"/>
         <a:buChar char="•"/>
-        <a:defRPr sz="1600">
+        <a:defRPr sz="1800" kern="1200">
           <a:solidFill>
             <a:schemeClr val="tx1"/>
           </a:solidFill>
           <a:latin typeface="+mn-lt"/>
+          <a:ea typeface="+mn-ea"/>
+          <a:cs typeface="+mn-cs"/>
         </a:defRPr>
       </a:lvl8pPr>
-      <a:lvl9pPr marL="3727450" indent="-204788" algn="l" rtl="0" fontAlgn="base">
+      <a:lvl9pPr marL="3886200" indent="-228600" algn="l" defTabSz="914400" rtl="0" eaLnBrk="1" latinLnBrk="0" hangingPunct="1">
+        <a:lnSpc>
+          <a:spcPct val="90000"/>
+        </a:lnSpc>
         <a:spcBef>
-          <a:spcPct val="20000"/>
+          <a:spcPts val="500"/>
         </a:spcBef>
-        <a:spcAft>
-          <a:spcPct val="0"/>
-        </a:spcAft>
-        <a:buClr>
-          <a:schemeClr val="accent2"/>
-        </a:buClr>
-        <a:buFont typeface="Times" charset="0"/>
+        <a:buFont typeface="Arial" panose="020B0604020202020204" pitchFamily="34" charset="0"/>
         <a:buChar char="•"/>
-        <a:defRPr sz="1600">
+        <a:defRPr sz="1800" kern="1200">
           <a:solidFill>
             <a:schemeClr val="tx1"/>
           </a:solidFill>
           <a:latin typeface="+mn-lt"/>
+          <a:ea typeface="+mn-ea"/>
+          <a:cs typeface="+mn-cs"/>
         </a:defRPr>
       </a:lvl9pPr>
     </p:bodyStyle>
     <p:otherStyle>
       <a:defPPr>
-        <a:defRPr lang="nl-NL"/>
+        <a:defRPr lang="nl-BE"/>
       </a:defPPr>
       <a:lvl1pPr marL="0" algn="l" defTabSz="914400" rtl="0" eaLnBrk="1" latinLnBrk="0" hangingPunct="1">
         <a:defRPr sz="1800" kern="1200">
@@ -4636,168 +4210,92 @@
       </p:grpSpPr>
       <p:sp>
         <p:nvSpPr>
-          <p:cNvPr id="167938" name="Rectangle 2"/>
-          <p:cNvSpPr>
-            <a:spLocks noGrp="1" noChangeArrowheads="1"/>
+          <p:cNvPr id="2" name="Titel 1">
+            <a:extLst>
+              <a:ext uri="{FF2B5EF4-FFF2-40B4-BE49-F238E27FC236}">
+                <a16:creationId xmlns:a16="http://schemas.microsoft.com/office/drawing/2014/main" id="{D49AD562-1D74-4BEA-B3AF-7164892E0A94}"/>
+              </a:ext>
+            </a:extLst>
+          </p:cNvPr>
+          <p:cNvSpPr>
+            <a:spLocks noGrp="1"/>
           </p:cNvSpPr>
           <p:nvPr>
             <p:ph type="ctrTitle"/>
           </p:nvPr>
         </p:nvSpPr>
-        <p:spPr>
-          <a:xfrm>
-            <a:off x="2246314" y="438151"/>
-            <a:ext cx="7831137" cy="1095375"/>
-          </a:xfrm>
-        </p:spPr>
-        <p:txBody>
-          <a:bodyPr/>
-          <a:lstStyle/>
-          <a:p>
-            <a:pPr eaLnBrk="1" hangingPunct="1"/>
-            <a:r>
-              <a:rPr lang="en-US" sz="2800" dirty="0"/>
-              <a:t>Object Oriented Programming</a:t>
-            </a:r>
-          </a:p>
-        </p:txBody>
-      </p:sp>
-      <p:sp>
-        <p:nvSpPr>
-          <p:cNvPr id="167939" name="Rectangle 9"/>
-          <p:cNvSpPr>
-            <a:spLocks noChangeArrowheads="1"/>
-          </p:cNvSpPr>
-          <p:nvPr/>
-        </p:nvSpPr>
-        <p:spPr bwMode="auto">
-          <a:xfrm>
-            <a:off x="2236788" y="1543051"/>
-            <a:ext cx="7834312" cy="804863"/>
-          </a:xfrm>
-          <a:prstGeom prst="rect">
-            <a:avLst/>
-          </a:prstGeom>
-          <a:noFill/>
-          <a:ln w="9525">
-            <a:noFill/>
-            <a:miter lim="800000"/>
-            <a:headEnd/>
-            <a:tailEnd/>
-          </a:ln>
-        </p:spPr>
-        <p:txBody>
-          <a:bodyPr lIns="0" tIns="0" rIns="0" bIns="0"/>
-          <a:lstStyle/>
-          <a:p>
-            <a:pPr marL="0" marR="0" lvl="0" indent="0" algn="l" defTabSz="914400" rtl="0" eaLnBrk="1" fontAlgn="base" latinLnBrk="0" hangingPunct="1">
-              <a:lnSpc>
-                <a:spcPct val="100000"/>
-              </a:lnSpc>
-              <a:spcBef>
-                <a:spcPct val="0"/>
-              </a:spcBef>
-              <a:spcAft>
-                <a:spcPct val="0"/>
-              </a:spcAft>
-              <a:buClrTx/>
-              <a:buSzTx/>
-              <a:buFontTx/>
-              <a:buNone/>
-              <a:tabLst/>
+        <p:spPr/>
+        <p:txBody>
+          <a:bodyPr/>
+          <a:lstStyle/>
+          <a:p>
+            <a:r>
+              <a:rPr lang="nl-BE" dirty="0"/>
+              <a:t>1. Polymorfisme</a:t>
+            </a:r>
+          </a:p>
+        </p:txBody>
+      </p:sp>
+      <p:sp>
+        <p:nvSpPr>
+          <p:cNvPr id="3" name="Ondertitel 2">
+            <a:extLst>
+              <a:ext uri="{FF2B5EF4-FFF2-40B4-BE49-F238E27FC236}">
+                <a16:creationId xmlns:a16="http://schemas.microsoft.com/office/drawing/2014/main" id="{7DAA9F0F-1E4B-441D-BED6-9E8A604CF7BF}"/>
+              </a:ext>
+            </a:extLst>
+          </p:cNvPr>
+          <p:cNvSpPr>
+            <a:spLocks noGrp="1"/>
+          </p:cNvSpPr>
+          <p:nvPr>
+            <p:ph type="subTitle" idx="1"/>
+          </p:nvPr>
+        </p:nvSpPr>
+        <p:spPr/>
+        <p:txBody>
+          <a:bodyPr/>
+          <a:lstStyle/>
+          <a:p>
+            <a:r>
+              <a:rPr lang="nl-BE" dirty="0"/>
+              <a:t>H8. Polymorfisme</a:t>
+            </a:r>
+          </a:p>
+        </p:txBody>
+      </p:sp>
+      <p:sp>
+        <p:nvSpPr>
+          <p:cNvPr id="4" name="Tijdelijke aanduiding voor dianummer 3">
+            <a:extLst>
+              <a:ext uri="{FF2B5EF4-FFF2-40B4-BE49-F238E27FC236}">
+                <a16:creationId xmlns:a16="http://schemas.microsoft.com/office/drawing/2014/main" id="{33AE541F-98AD-460C-8300-83DFD80D7C1B}"/>
+              </a:ext>
+            </a:extLst>
+          </p:cNvPr>
+          <p:cNvSpPr>
+            <a:spLocks noGrp="1"/>
+          </p:cNvSpPr>
+          <p:nvPr>
+            <p:ph type="sldNum" sz="quarter" idx="12"/>
+          </p:nvPr>
+        </p:nvSpPr>
+        <p:spPr/>
+        <p:txBody>
+          <a:bodyPr/>
+          <a:lstStyle/>
+          <a:p>
+            <a:pPr>
               <a:defRPr/>
             </a:pPr>
-            <a:r>
-              <a:rPr kumimoji="0" lang="en-US" sz="2400" b="0" i="0" u="none" strike="noStrike" kern="1200" cap="none" spc="0" normalizeH="0" baseline="0" noProof="0" dirty="0">
-                <a:ln>
-                  <a:noFill/>
-                </a:ln>
-                <a:solidFill>
-                  <a:prstClr val="white"/>
-                </a:solidFill>
-                <a:effectLst/>
-                <a:uLnTx/>
-                <a:uFillTx/>
-                <a:latin typeface="Arial" charset="0"/>
-                <a:ea typeface="+mn-ea"/>
-                <a:cs typeface="Arial" charset="0"/>
-              </a:rPr>
-              <a:t>Mod 4</a:t>
-            </a:r>
-          </a:p>
-          <a:p>
-            <a:pPr marL="0" marR="0" lvl="0" indent="0" algn="l" defTabSz="914400" rtl="0" eaLnBrk="1" fontAlgn="base" latinLnBrk="0" hangingPunct="1">
-              <a:lnSpc>
-                <a:spcPct val="100000"/>
-              </a:lnSpc>
-              <a:spcBef>
-                <a:spcPct val="0"/>
-              </a:spcBef>
-              <a:spcAft>
-                <a:spcPct val="0"/>
-              </a:spcAft>
-              <a:buClrTx/>
-              <a:buSzTx/>
-              <a:buFontTx/>
-              <a:buNone/>
-              <a:tabLst/>
-              <a:defRPr/>
-            </a:pPr>
-            <a:r>
-              <a:rPr kumimoji="0" lang="en-US" sz="2400" b="0" i="0" u="none" strike="noStrike" kern="1200" cap="none" spc="0" normalizeH="0" baseline="0" noProof="0" dirty="0">
-                <a:ln>
-                  <a:noFill/>
-                </a:ln>
-                <a:solidFill>
-                  <a:prstClr val="white"/>
-                </a:solidFill>
-                <a:effectLst/>
-                <a:uLnTx/>
-                <a:uFillTx/>
-                <a:latin typeface="Arial" charset="0"/>
-                <a:ea typeface="+mn-ea"/>
-                <a:cs typeface="Arial" charset="0"/>
-              </a:rPr>
-              <a:t>Les 4: </a:t>
-            </a:r>
-            <a:r>
-              <a:rPr kumimoji="0" lang="en-US" sz="2400" b="0" i="0" u="none" strike="noStrike" kern="1200" cap="none" spc="0" normalizeH="0" baseline="0" noProof="0" dirty="0" err="1">
-                <a:ln>
-                  <a:noFill/>
-                </a:ln>
-                <a:solidFill>
-                  <a:prstClr val="white"/>
-                </a:solidFill>
-                <a:effectLst/>
-                <a:uLnTx/>
-                <a:uFillTx/>
-                <a:latin typeface="Arial" charset="0"/>
-                <a:ea typeface="+mn-ea"/>
-                <a:cs typeface="Arial" charset="0"/>
-              </a:rPr>
-              <a:t>Polymorfisme</a:t>
-            </a:r>
-            <a:endParaRPr kumimoji="0" lang="en-US" sz="2400" b="0" i="0" u="none" strike="noStrike" kern="1200" cap="none" spc="0" normalizeH="0" baseline="0" noProof="0" dirty="0">
-              <a:ln>
-                <a:noFill/>
-              </a:ln>
-              <a:solidFill>
-                <a:prstClr val="white"/>
-              </a:solidFill>
-              <a:effectLst/>
-              <a:uLnTx/>
-              <a:uFillTx/>
-              <a:latin typeface="Arial" charset="0"/>
-              <a:ea typeface="+mn-ea"/>
-              <a:cs typeface="Arial" charset="0"/>
-            </a:endParaRPr>
+            <a:endParaRPr lang="nl-NL" dirty="0"/>
           </a:p>
         </p:txBody>
       </p:sp>
     </p:spTree>
     <p:extLst>
       <p:ext uri="{BB962C8B-B14F-4D97-AF65-F5344CB8AC3E}">
-        <p14:creationId xmlns:p14="http://schemas.microsoft.com/office/powerpoint/2010/main" val="1538588538"/>
+        <p14:creationId xmlns:p14="http://schemas.microsoft.com/office/powerpoint/2010/main" val="470085138"/>
       </p:ext>
     </p:extLst>
   </p:cSld>
@@ -4906,7 +4404,7 @@
             <a:spLocks noGrp="1"/>
           </p:cNvSpPr>
           <p:nvPr>
-            <p:ph type="sldNum" sz="quarter" idx="10"/>
+            <p:ph type="sldNum" sz="quarter" idx="12"/>
           </p:nvPr>
         </p:nvSpPr>
         <p:spPr/>
@@ -4954,7 +4452,7 @@
         </p:blipFill>
         <p:spPr>
           <a:xfrm>
-            <a:off x="505681" y="2120060"/>
+            <a:off x="604025" y="2236787"/>
             <a:ext cx="4933950" cy="1724025"/>
           </a:xfrm>
           <a:prstGeom prst="rect">
@@ -5193,7 +4691,7 @@
             <a:spLocks noGrp="1"/>
           </p:cNvSpPr>
           <p:nvPr>
-            <p:ph type="sldNum" sz="quarter" idx="10"/>
+            <p:ph type="sldNum" sz="quarter" idx="12"/>
           </p:nvPr>
         </p:nvSpPr>
         <p:spPr/>
@@ -5345,7 +4843,7 @@
             <a:spLocks noGrp="1"/>
           </p:cNvSpPr>
           <p:nvPr>
-            <p:ph type="sldNum" sz="quarter" idx="10"/>
+            <p:ph type="sldNum" sz="quarter" idx="12"/>
           </p:nvPr>
         </p:nvSpPr>
         <p:spPr/>
@@ -5393,7 +4891,7 @@
         </p:blipFill>
         <p:spPr>
           <a:xfrm>
-            <a:off x="2833332" y="922338"/>
+            <a:off x="2774609" y="1257898"/>
             <a:ext cx="7285536" cy="5730197"/>
           </a:xfrm>
           <a:prstGeom prst="rect">
@@ -5494,7 +4992,7 @@
             <a:spLocks noGrp="1"/>
           </p:cNvSpPr>
           <p:nvPr>
-            <p:ph type="sldNum" sz="quarter" idx="10"/>
+            <p:ph type="sldNum" sz="quarter" idx="12"/>
           </p:nvPr>
         </p:nvSpPr>
         <p:spPr/>
@@ -5707,15 +5205,15 @@
           <p:cNvPr id="2" name="Titel 1">
             <a:extLst>
               <a:ext uri="{FF2B5EF4-FFF2-40B4-BE49-F238E27FC236}">
-                <a16:creationId xmlns:a16="http://schemas.microsoft.com/office/drawing/2014/main" id="{04A5303E-05E3-436A-82A7-7C8D50235826}"/>
-              </a:ext>
-            </a:extLst>
-          </p:cNvPr>
-          <p:cNvSpPr>
-            <a:spLocks noGrp="1"/>
-          </p:cNvSpPr>
-          <p:nvPr>
-            <p:ph type="title"/>
+                <a16:creationId xmlns:a16="http://schemas.microsoft.com/office/drawing/2014/main" id="{0870341C-C011-4A8E-B08A-4F62E7B42744}"/>
+              </a:ext>
+            </a:extLst>
+          </p:cNvPr>
+          <p:cNvSpPr>
+            <a:spLocks noGrp="1"/>
+          </p:cNvSpPr>
+          <p:nvPr>
+            <p:ph type="ctrTitle"/>
           </p:nvPr>
         </p:nvSpPr>
         <p:spPr/>
@@ -5724,30 +5222,26 @@
           <a:lstStyle/>
           <a:p>
             <a:r>
-              <a:rPr lang="nl-BE" dirty="0" err="1"/>
-              <a:t>iS</a:t>
-            </a:r>
-            <a:r>
               <a:rPr lang="nl-BE" dirty="0"/>
-              <a:t>/AS</a:t>
-            </a:r>
-          </a:p>
-        </p:txBody>
-      </p:sp>
-      <p:sp>
-        <p:nvSpPr>
-          <p:cNvPr id="3" name="Tijdelijke aanduiding voor tekst 2">
-            <a:extLst>
-              <a:ext uri="{FF2B5EF4-FFF2-40B4-BE49-F238E27FC236}">
-                <a16:creationId xmlns:a16="http://schemas.microsoft.com/office/drawing/2014/main" id="{D2446424-628D-4FF1-A7B1-1C000D32D61E}"/>
-              </a:ext>
-            </a:extLst>
-          </p:cNvPr>
-          <p:cNvSpPr>
-            <a:spLocks noGrp="1"/>
-          </p:cNvSpPr>
-          <p:nvPr>
-            <p:ph type="body" idx="1"/>
+              <a:t>3. Is en as</a:t>
+            </a:r>
+          </a:p>
+        </p:txBody>
+      </p:sp>
+      <p:sp>
+        <p:nvSpPr>
+          <p:cNvPr id="3" name="Ondertitel 2">
+            <a:extLst>
+              <a:ext uri="{FF2B5EF4-FFF2-40B4-BE49-F238E27FC236}">
+                <a16:creationId xmlns:a16="http://schemas.microsoft.com/office/drawing/2014/main" id="{53368F7E-589A-4C21-97AA-E72B0519A3DB}"/>
+              </a:ext>
+            </a:extLst>
+          </p:cNvPr>
+          <p:cNvSpPr>
+            <a:spLocks noGrp="1"/>
+          </p:cNvSpPr>
+          <p:nvPr>
+            <p:ph type="subTitle" idx="1"/>
           </p:nvPr>
         </p:nvSpPr>
         <p:spPr/>
@@ -5755,7 +5249,10 @@
           <a:bodyPr/>
           <a:lstStyle/>
           <a:p>
-            <a:endParaRPr lang="nl-BE"/>
+            <a:r>
+              <a:rPr lang="nl-BE" dirty="0"/>
+              <a:t>H8. Polymorfisme</a:t>
+            </a:r>
           </a:p>
         </p:txBody>
       </p:sp>
@@ -5764,15 +5261,15 @@
           <p:cNvPr id="4" name="Tijdelijke aanduiding voor dianummer 3">
             <a:extLst>
               <a:ext uri="{FF2B5EF4-FFF2-40B4-BE49-F238E27FC236}">
-                <a16:creationId xmlns:a16="http://schemas.microsoft.com/office/drawing/2014/main" id="{07B24DA9-8A57-4427-9AC0-5CBFC213DA40}"/>
-              </a:ext>
-            </a:extLst>
-          </p:cNvPr>
-          <p:cNvSpPr>
-            <a:spLocks noGrp="1"/>
-          </p:cNvSpPr>
-          <p:nvPr>
-            <p:ph type="sldNum" sz="quarter" idx="10"/>
+                <a16:creationId xmlns:a16="http://schemas.microsoft.com/office/drawing/2014/main" id="{85C5E622-AACE-4BA7-883B-271D34FF1E18}"/>
+              </a:ext>
+            </a:extLst>
+          </p:cNvPr>
+          <p:cNvSpPr>
+            <a:spLocks noGrp="1"/>
+          </p:cNvSpPr>
+          <p:nvPr>
+            <p:ph type="sldNum" sz="quarter" idx="12"/>
           </p:nvPr>
         </p:nvSpPr>
         <p:spPr/>
@@ -5783,17 +5280,6 @@
             <a:pPr>
               <a:defRPr/>
             </a:pPr>
-            <a:r>
-              <a:rPr lang="nl-NL"/>
-              <a:t>© ap| </a:t>
-            </a:r>
-            <a:fld id="{07DCCE98-C9D1-4FEF-ADDE-AE30A9E734C1}" type="slidenum">
-              <a:rPr lang="nl-NL" smtClean="0"/>
-              <a:pPr>
-                <a:defRPr/>
-              </a:pPr>
-              <a:t>14</a:t>
-            </a:fld>
             <a:endParaRPr lang="nl-NL" dirty="0"/>
           </a:p>
         </p:txBody>
@@ -5801,7 +5287,7 @@
     </p:spTree>
     <p:extLst>
       <p:ext uri="{BB962C8B-B14F-4D97-AF65-F5344CB8AC3E}">
-        <p14:creationId xmlns:p14="http://schemas.microsoft.com/office/powerpoint/2010/main" val="1435241581"/>
+        <p14:creationId xmlns:p14="http://schemas.microsoft.com/office/powerpoint/2010/main" val="3358075532"/>
       </p:ext>
     </p:extLst>
   </p:cSld>
@@ -5934,7 +5420,7 @@
             <a:spLocks noGrp="1"/>
           </p:cNvSpPr>
           <p:nvPr>
-            <p:ph type="sldNum" sz="quarter" idx="10"/>
+            <p:ph type="sldNum" sz="quarter" idx="12"/>
           </p:nvPr>
         </p:nvSpPr>
         <p:spPr/>
@@ -5982,7 +5468,7 @@
         </p:blipFill>
         <p:spPr>
           <a:xfrm>
-            <a:off x="1956477" y="3731981"/>
+            <a:off x="2838450" y="4001294"/>
             <a:ext cx="8515350" cy="1695450"/>
           </a:xfrm>
           <a:prstGeom prst="rect">
@@ -6093,7 +5579,7 @@
             <a:spLocks noGrp="1"/>
           </p:cNvSpPr>
           <p:nvPr>
-            <p:ph type="sldNum" sz="quarter" idx="10"/>
+            <p:ph type="sldNum" sz="quarter" idx="12"/>
           </p:nvPr>
         </p:nvSpPr>
         <p:spPr/>
@@ -6141,7 +5627,7 @@
         </p:blipFill>
         <p:spPr>
           <a:xfrm>
-            <a:off x="889837" y="1150938"/>
+            <a:off x="906615" y="1444553"/>
             <a:ext cx="3076575" cy="2219325"/>
           </a:xfrm>
           <a:prstGeom prst="rect">
@@ -6245,7 +5731,7 @@
             <a:spLocks noGrp="1"/>
           </p:cNvSpPr>
           <p:nvPr>
-            <p:ph type="sldNum" sz="quarter" idx="10"/>
+            <p:ph type="sldNum" sz="quarter" idx="12"/>
           </p:nvPr>
         </p:nvSpPr>
         <p:spPr/>
@@ -6293,7 +5779,7 @@
         </p:blipFill>
         <p:spPr>
           <a:xfrm>
-            <a:off x="1643062" y="1690687"/>
+            <a:off x="1896348" y="2599771"/>
             <a:ext cx="8905875" cy="3476625"/>
           </a:xfrm>
           <a:prstGeom prst="rect">
@@ -6323,7 +5809,7 @@
         </p:blipFill>
         <p:spPr bwMode="auto">
           <a:xfrm>
-            <a:off x="1643062" y="871537"/>
+            <a:off x="1896348" y="1348582"/>
             <a:ext cx="4333875" cy="819150"/>
           </a:xfrm>
           <a:prstGeom prst="rect">
@@ -6414,7 +5900,9 @@
         </p:nvSpPr>
         <p:spPr/>
         <p:txBody>
-          <a:bodyPr/>
+          <a:bodyPr>
+            <a:normAutofit fontScale="92500" lnSpcReduction="20000"/>
+          </a:bodyPr>
           <a:lstStyle/>
           <a:p>
             <a:r>
@@ -6522,7 +6010,7 @@
             <a:spLocks noGrp="1"/>
           </p:cNvSpPr>
           <p:nvPr>
-            <p:ph type="sldNum" sz="quarter" idx="10"/>
+            <p:ph type="sldNum" sz="quarter" idx="12"/>
           </p:nvPr>
         </p:nvSpPr>
         <p:spPr/>
@@ -6570,7 +6058,7 @@
         </p:blipFill>
         <p:spPr>
           <a:xfrm>
-            <a:off x="3200560" y="1871716"/>
+            <a:off x="3318006" y="2400223"/>
             <a:ext cx="4619625" cy="895350"/>
           </a:xfrm>
           <a:prstGeom prst="rect">
@@ -6600,7 +6088,7 @@
         </p:blipFill>
         <p:spPr>
           <a:xfrm>
-            <a:off x="3453410" y="4952145"/>
+            <a:off x="7061608" y="4384877"/>
             <a:ext cx="3097984" cy="1777429"/>
           </a:xfrm>
           <a:prstGeom prst="rect">
@@ -6653,59 +6141,355 @@
           <a:bodyPr/>
           <a:lstStyle/>
           <a:p>
+            <a:r>
+              <a:rPr lang="en-IE" dirty="0" err="1"/>
+              <a:t>Polymorfisme</a:t>
+            </a:r>
+            <a:endParaRPr lang="en-IE" dirty="0"/>
+          </a:p>
+        </p:txBody>
+      </p:sp>
+      <p:sp>
+        <p:nvSpPr>
+          <p:cNvPr id="3" name="Tijdelijke aanduiding voor inhoud 2"/>
+          <p:cNvSpPr>
+            <a:spLocks noGrp="1"/>
+          </p:cNvSpPr>
+          <p:nvPr>
+            <p:ph idx="1"/>
+          </p:nvPr>
+        </p:nvSpPr>
+        <p:spPr/>
+        <p:txBody>
+          <a:bodyPr/>
+          <a:lstStyle/>
+          <a:p>
+            <a:endParaRPr lang="en-IE" dirty="0"/>
+          </a:p>
+          <a:p>
+            <a:r>
+              <a:rPr lang="en-IE" dirty="0" err="1"/>
+              <a:t>Polymorfisme</a:t>
+            </a:r>
+            <a:r>
+              <a:rPr lang="en-IE" dirty="0"/>
+              <a:t>: </a:t>
+            </a:r>
+            <a:r>
+              <a:rPr lang="en-IE" dirty="0" err="1"/>
+              <a:t>afgeleide</a:t>
+            </a:r>
+            <a:r>
+              <a:rPr lang="en-IE" dirty="0"/>
+              <a:t> </a:t>
+            </a:r>
+            <a:r>
+              <a:rPr lang="en-IE" dirty="0" err="1"/>
+              <a:t>objecten</a:t>
+            </a:r>
+            <a:r>
+              <a:rPr lang="en-IE" dirty="0"/>
+              <a:t> </a:t>
+            </a:r>
+            <a:r>
+              <a:rPr lang="en-IE" dirty="0" err="1"/>
+              <a:t>kunnen</a:t>
+            </a:r>
+            <a:r>
+              <a:rPr lang="en-IE" dirty="0"/>
+              <a:t> </a:t>
+            </a:r>
+            <a:r>
+              <a:rPr lang="en-IE" dirty="0" err="1"/>
+              <a:t>ook</a:t>
+            </a:r>
+            <a:r>
+              <a:rPr lang="en-IE" dirty="0"/>
+              <a:t> </a:t>
+            </a:r>
+            <a:r>
+              <a:rPr lang="en-IE" dirty="0" err="1"/>
+              <a:t>beschouwd</a:t>
+            </a:r>
+            <a:r>
+              <a:rPr lang="en-IE" dirty="0"/>
+              <a:t> </a:t>
+            </a:r>
+            <a:r>
+              <a:rPr lang="en-IE" dirty="0" err="1"/>
+              <a:t>worden</a:t>
+            </a:r>
+            <a:r>
+              <a:rPr lang="en-IE" dirty="0"/>
+              <a:t> </a:t>
+            </a:r>
+            <a:r>
+              <a:rPr lang="en-IE" dirty="0" err="1"/>
+              <a:t>als</a:t>
+            </a:r>
+            <a:r>
+              <a:rPr lang="en-IE" dirty="0"/>
+              <a:t> </a:t>
+            </a:r>
+            <a:r>
+              <a:rPr lang="en-IE" dirty="0" err="1"/>
+              <a:t>objecten</a:t>
+            </a:r>
+            <a:r>
+              <a:rPr lang="en-IE" dirty="0"/>
+              <a:t> van de </a:t>
+            </a:r>
+            <a:r>
+              <a:rPr lang="en-IE" dirty="0" err="1"/>
+              <a:t>daarin</a:t>
+            </a:r>
+            <a:r>
+              <a:rPr lang="en-IE" dirty="0"/>
+              <a:t> </a:t>
+            </a:r>
+            <a:r>
+              <a:rPr lang="en-IE" dirty="0" err="1"/>
+              <a:t>besloten</a:t>
+            </a:r>
+            <a:r>
+              <a:rPr lang="en-IE" dirty="0"/>
+              <a:t> </a:t>
+            </a:r>
+            <a:r>
+              <a:rPr lang="en-IE" dirty="0" err="1"/>
+              <a:t>basisklassen</a:t>
+            </a:r>
+            <a:r>
+              <a:rPr lang="en-IE" dirty="0"/>
+              <a:t>.</a:t>
+            </a:r>
+          </a:p>
+          <a:p>
+            <a:endParaRPr lang="en-IE" dirty="0"/>
+          </a:p>
+          <a:p>
+            <a:pPr lvl="1"/>
+            <a:r>
+              <a:rPr lang="en-IE" dirty="0" err="1"/>
+              <a:t>Voorbeeld</a:t>
+            </a:r>
+            <a:r>
+              <a:rPr lang="en-IE" dirty="0"/>
+              <a:t>:</a:t>
+            </a:r>
+          </a:p>
+          <a:p>
+            <a:pPr lvl="2"/>
+            <a:r>
+              <a:rPr lang="en-IE" dirty="0" err="1"/>
+              <a:t>Een</a:t>
+            </a:r>
+            <a:r>
+              <a:rPr lang="en-IE" dirty="0"/>
+              <a:t> </a:t>
+            </a:r>
+            <a:r>
+              <a:rPr lang="en-IE" dirty="0" err="1"/>
+              <a:t>klasse</a:t>
+            </a:r>
+            <a:r>
+              <a:rPr lang="en-IE" dirty="0"/>
+              <a:t> </a:t>
+            </a:r>
+            <a:r>
+              <a:rPr lang="en-IE" dirty="0" err="1"/>
+              <a:t>Dennenboom</a:t>
+            </a:r>
+            <a:r>
+              <a:rPr lang="en-IE" dirty="0"/>
+              <a:t>, </a:t>
+            </a:r>
+            <a:r>
+              <a:rPr lang="en-IE" dirty="0" err="1"/>
+              <a:t>dat</a:t>
+            </a:r>
+            <a:r>
+              <a:rPr lang="en-IE" dirty="0"/>
+              <a:t> </a:t>
+            </a:r>
+            <a:r>
+              <a:rPr lang="en-IE" dirty="0" err="1"/>
+              <a:t>overerft</a:t>
+            </a:r>
+            <a:r>
+              <a:rPr lang="en-IE" dirty="0"/>
+              <a:t> van </a:t>
+            </a:r>
+          </a:p>
+          <a:p>
+            <a:pPr lvl="3"/>
+            <a:r>
+              <a:rPr lang="en-IE" dirty="0" err="1"/>
+              <a:t>Naaldboom</a:t>
+            </a:r>
+            <a:r>
+              <a:rPr lang="en-IE" dirty="0"/>
+              <a:t>  -&gt; Boom -&gt; Plant -&gt; </a:t>
+            </a:r>
+            <a:r>
+              <a:rPr lang="en-IE" dirty="0" err="1"/>
+              <a:t>LevendWezen</a:t>
+            </a:r>
+            <a:r>
+              <a:rPr lang="en-IE" dirty="0"/>
+              <a:t> </a:t>
+            </a:r>
+          </a:p>
+          <a:p>
+            <a:pPr lvl="2"/>
+            <a:r>
+              <a:rPr lang="en-IE" dirty="0" err="1"/>
+              <a:t>Dennenboom</a:t>
+            </a:r>
+            <a:r>
+              <a:rPr lang="en-IE" dirty="0"/>
+              <a:t> </a:t>
+            </a:r>
+            <a:r>
+              <a:rPr lang="en-IE" dirty="0" err="1"/>
+              <a:t>kan</a:t>
+            </a:r>
+            <a:r>
+              <a:rPr lang="en-IE" dirty="0"/>
+              <a:t> </a:t>
+            </a:r>
+            <a:r>
+              <a:rPr lang="en-IE" dirty="0" err="1"/>
+              <a:t>ook</a:t>
+            </a:r>
+            <a:r>
+              <a:rPr lang="en-IE" dirty="0"/>
+              <a:t> </a:t>
+            </a:r>
+            <a:r>
+              <a:rPr lang="en-IE" dirty="0" err="1"/>
+              <a:t>beschouwd</a:t>
+            </a:r>
+            <a:r>
+              <a:rPr lang="en-IE" dirty="0"/>
+              <a:t> </a:t>
+            </a:r>
+            <a:r>
+              <a:rPr lang="en-IE" dirty="0" err="1"/>
+              <a:t>worden</a:t>
+            </a:r>
+            <a:r>
+              <a:rPr lang="en-IE" dirty="0"/>
+              <a:t> door de compiler </a:t>
+            </a:r>
+            <a:r>
+              <a:rPr lang="en-IE" dirty="0" err="1"/>
+              <a:t>als</a:t>
+            </a:r>
+            <a:r>
+              <a:rPr lang="en-IE" dirty="0"/>
+              <a:t> </a:t>
+            </a:r>
+            <a:r>
+              <a:rPr lang="en-IE" dirty="0" err="1"/>
+              <a:t>Naaldboom</a:t>
+            </a:r>
+            <a:r>
+              <a:rPr lang="en-IE" dirty="0"/>
+              <a:t>, Boom, etc. (</a:t>
+            </a:r>
+            <a:r>
+              <a:rPr lang="en-IE" dirty="0" err="1"/>
+              <a:t>een</a:t>
+            </a:r>
+            <a:r>
+              <a:rPr lang="en-IE" dirty="0"/>
+              <a:t> </a:t>
+            </a:r>
+            <a:r>
+              <a:rPr lang="en-IE" dirty="0" err="1"/>
+              <a:t>Dennenboom</a:t>
+            </a:r>
+            <a:r>
+              <a:rPr lang="en-IE" dirty="0"/>
+              <a:t> object </a:t>
+            </a:r>
+            <a:r>
+              <a:rPr lang="en-IE" dirty="0" err="1"/>
+              <a:t>bevat</a:t>
+            </a:r>
+            <a:r>
+              <a:rPr lang="en-IE" dirty="0"/>
+              <a:t> </a:t>
+            </a:r>
+            <a:r>
+              <a:rPr lang="en-IE" dirty="0" err="1"/>
+              <a:t>als</a:t>
+            </a:r>
+            <a:r>
+              <a:rPr lang="en-IE" dirty="0"/>
+              <a:t> het ware </a:t>
+            </a:r>
+            <a:r>
+              <a:rPr lang="en-IE" dirty="0" err="1"/>
+              <a:t>een</a:t>
+            </a:r>
+            <a:r>
+              <a:rPr lang="en-IE" dirty="0"/>
+              <a:t> Plant object, etc)</a:t>
+            </a:r>
+          </a:p>
+          <a:p>
+            <a:pPr lvl="2"/>
+            <a:endParaRPr lang="en-IE" dirty="0"/>
+          </a:p>
+          <a:p>
+            <a:pPr lvl="2"/>
+            <a:endParaRPr lang="en-IE" dirty="0"/>
+          </a:p>
+          <a:p>
+            <a:pPr lvl="2"/>
+            <a:endParaRPr lang="en-IE" dirty="0"/>
+          </a:p>
+          <a:p>
+            <a:pPr lvl="2"/>
+            <a:endParaRPr lang="en-IE" dirty="0"/>
+          </a:p>
+          <a:p>
+            <a:pPr lvl="2"/>
+            <a:endParaRPr lang="en-IE" dirty="0"/>
+          </a:p>
+          <a:p>
+            <a:pPr marL="914400" lvl="2" indent="0">
+              <a:buNone/>
+            </a:pPr>
+            <a:endParaRPr lang="en-IE" dirty="0"/>
+          </a:p>
+        </p:txBody>
+      </p:sp>
+      <p:sp>
+        <p:nvSpPr>
+          <p:cNvPr id="4" name="Tijdelijke aanduiding voor dianummer 3"/>
+          <p:cNvSpPr>
+            <a:spLocks noGrp="1"/>
+          </p:cNvSpPr>
+          <p:nvPr>
+            <p:ph type="sldNum" sz="quarter" idx="12"/>
+          </p:nvPr>
+        </p:nvSpPr>
+        <p:spPr/>
+        <p:txBody>
+          <a:bodyPr/>
+          <a:lstStyle/>
+          <a:p>
             <a:pPr>
               <a:defRPr/>
             </a:pPr>
             <a:r>
-              <a:rPr lang="nl-BE" dirty="0" err="1"/>
-              <a:t>Polymorfisme</a:t>
-            </a:r>
-            <a:endParaRPr lang="nl-BE" dirty="0"/>
-          </a:p>
-        </p:txBody>
-      </p:sp>
-      <p:sp>
-        <p:nvSpPr>
-          <p:cNvPr id="149507" name="Tijdelijke aanduiding voor tekst 2"/>
-          <p:cNvSpPr>
-            <a:spLocks noGrp="1"/>
-          </p:cNvSpPr>
-          <p:nvPr>
-            <p:ph type="body" idx="1"/>
-          </p:nvPr>
-        </p:nvSpPr>
-        <p:spPr/>
-        <p:txBody>
-          <a:bodyPr/>
-          <a:lstStyle/>
-          <a:p>
-            <a:endParaRPr lang="nl-BE" dirty="0"/>
-          </a:p>
-        </p:txBody>
-      </p:sp>
-      <p:sp>
-        <p:nvSpPr>
-          <p:cNvPr id="19460" name="Tijdelijke aanduiding voor dianummer 3"/>
-          <p:cNvSpPr>
-            <a:spLocks noGrp="1"/>
-          </p:cNvSpPr>
-          <p:nvPr>
-            <p:ph type="sldNum" sz="quarter" idx="10"/>
-          </p:nvPr>
-        </p:nvSpPr>
-        <p:spPr/>
-        <p:txBody>
-          <a:bodyPr/>
-          <a:lstStyle/>
-          <a:p>
-            <a:pPr>
-              <a:defRPr/>
-            </a:pPr>
-            <a:r>
               <a:rPr lang="nl-NL" dirty="0"/>
               <a:t>| </a:t>
             </a:r>
-            <a:fld id="{3EE0FDFE-66BA-4B23-A2FE-B4A14666A091}" type="slidenum">
+            <a:fld id="{8A00CA90-1673-4C5D-B289-DA0BFE9501DF}" type="slidenum">
               <a:rPr lang="nl-NL" smtClean="0"/>
               <a:pPr>
                 <a:defRPr/>
@@ -6716,48 +6500,10 @@
           </a:p>
         </p:txBody>
       </p:sp>
-      <p:sp>
-        <p:nvSpPr>
-          <p:cNvPr id="149509" name="Tekstvak 4"/>
-          <p:cNvSpPr txBox="1">
-            <a:spLocks noChangeArrowheads="1"/>
-          </p:cNvSpPr>
-          <p:nvPr/>
-        </p:nvSpPr>
-        <p:spPr bwMode="auto">
-          <a:xfrm>
-            <a:off x="1524001" y="6550026"/>
-            <a:ext cx="531813" cy="307975"/>
-          </a:xfrm>
-          <a:prstGeom prst="rect">
-            <a:avLst/>
-          </a:prstGeom>
-          <a:noFill/>
-          <a:ln w="9525">
-            <a:noFill/>
-            <a:miter lim="800000"/>
-            <a:headEnd/>
-            <a:tailEnd/>
-          </a:ln>
-        </p:spPr>
-        <p:txBody>
-          <a:bodyPr wrap="none">
-            <a:spAutoFit/>
-          </a:bodyPr>
-          <a:lstStyle/>
-          <a:p>
-            <a:pPr eaLnBrk="0" hangingPunct="0"/>
-            <a:r>
-              <a:rPr lang="nl-BE" sz="1400"/>
-              <a:t>p.75</a:t>
-            </a:r>
-          </a:p>
-        </p:txBody>
-      </p:sp>
     </p:spTree>
     <p:extLst>
       <p:ext uri="{BB962C8B-B14F-4D97-AF65-F5344CB8AC3E}">
-        <p14:creationId xmlns:p14="http://schemas.microsoft.com/office/powerpoint/2010/main" val="1569645082"/>
+        <p14:creationId xmlns:p14="http://schemas.microsoft.com/office/powerpoint/2010/main" val="3813433742"/>
       </p:ext>
     </p:extLst>
   </p:cSld>
@@ -6803,326 +6549,67 @@
               <a:rPr lang="en-IE" dirty="0" err="1"/>
               <a:t>Polymorfisme</a:t>
             </a:r>
-            <a:endParaRPr lang="en-IE" dirty="0"/>
-          </a:p>
-        </p:txBody>
-      </p:sp>
-      <p:sp>
-        <p:nvSpPr>
-          <p:cNvPr id="3" name="Tijdelijke aanduiding voor inhoud 2"/>
-          <p:cNvSpPr>
-            <a:spLocks noGrp="1"/>
-          </p:cNvSpPr>
-          <p:nvPr>
-            <p:ph idx="1"/>
-          </p:nvPr>
-        </p:nvSpPr>
-        <p:spPr/>
-        <p:txBody>
-          <a:bodyPr/>
-          <a:lstStyle/>
-          <a:p>
-            <a:endParaRPr lang="en-IE" dirty="0"/>
-          </a:p>
-          <a:p>
-            <a:r>
-              <a:rPr lang="en-IE" dirty="0" err="1"/>
-              <a:t>Polymorfisme</a:t>
-            </a:r>
-            <a:r>
-              <a:rPr lang="en-IE" dirty="0"/>
-              <a:t>: </a:t>
-            </a:r>
-            <a:r>
-              <a:rPr lang="en-IE" dirty="0" err="1"/>
-              <a:t>afgeleide</a:t>
-            </a:r>
             <a:r>
               <a:rPr lang="en-IE" dirty="0"/>
               <a:t> </a:t>
             </a:r>
             <a:r>
               <a:rPr lang="en-IE" dirty="0" err="1"/>
-              <a:t>objecten</a:t>
-            </a:r>
-            <a:r>
-              <a:rPr lang="en-IE" dirty="0"/>
-              <a:t> </a:t>
-            </a:r>
-            <a:r>
-              <a:rPr lang="en-IE" dirty="0" err="1"/>
-              <a:t>kunnen</a:t>
-            </a:r>
-            <a:r>
-              <a:rPr lang="en-IE" dirty="0"/>
-              <a:t> </a:t>
-            </a:r>
-            <a:r>
-              <a:rPr lang="en-IE" dirty="0" err="1"/>
-              <a:t>ook</a:t>
-            </a:r>
-            <a:r>
-              <a:rPr lang="en-IE" dirty="0"/>
-              <a:t> </a:t>
-            </a:r>
-            <a:r>
-              <a:rPr lang="en-IE" dirty="0" err="1"/>
-              <a:t>beschouwd</a:t>
-            </a:r>
-            <a:r>
-              <a:rPr lang="en-IE" dirty="0"/>
-              <a:t> </a:t>
-            </a:r>
-            <a:r>
-              <a:rPr lang="en-IE" dirty="0" err="1"/>
-              <a:t>worden</a:t>
-            </a:r>
-            <a:r>
-              <a:rPr lang="en-IE" dirty="0"/>
-              <a:t> </a:t>
-            </a:r>
-            <a:r>
-              <a:rPr lang="en-IE" dirty="0" err="1"/>
-              <a:t>als</a:t>
-            </a:r>
-            <a:r>
-              <a:rPr lang="en-IE" dirty="0"/>
-              <a:t> </a:t>
-            </a:r>
-            <a:r>
-              <a:rPr lang="en-IE" dirty="0" err="1"/>
-              <a:t>objecten</a:t>
-            </a:r>
-            <a:r>
-              <a:rPr lang="en-IE" dirty="0"/>
-              <a:t> van de </a:t>
-            </a:r>
-            <a:r>
-              <a:rPr lang="en-IE" dirty="0" err="1"/>
-              <a:t>daarin</a:t>
-            </a:r>
-            <a:r>
-              <a:rPr lang="en-IE" dirty="0"/>
-              <a:t> </a:t>
-            </a:r>
-            <a:r>
-              <a:rPr lang="en-IE" dirty="0" err="1"/>
-              <a:t>besloten</a:t>
-            </a:r>
-            <a:r>
-              <a:rPr lang="en-IE" dirty="0"/>
-              <a:t> </a:t>
-            </a:r>
-            <a:r>
-              <a:rPr lang="en-IE" dirty="0" err="1"/>
-              <a:t>basisklassen</a:t>
-            </a:r>
-            <a:r>
-              <a:rPr lang="en-IE" dirty="0"/>
-              <a:t>.</a:t>
-            </a:r>
-          </a:p>
-          <a:p>
+              <a:t>voorbeeld</a:t>
+            </a:r>
             <a:endParaRPr lang="en-IE" dirty="0"/>
           </a:p>
-          <a:p>
-            <a:pPr lvl="1"/>
-            <a:r>
-              <a:rPr lang="en-IE" dirty="0" err="1"/>
-              <a:t>Voorbeeld</a:t>
-            </a:r>
-            <a:r>
-              <a:rPr lang="en-IE" dirty="0"/>
-              <a:t>:</a:t>
-            </a:r>
-          </a:p>
-          <a:p>
-            <a:pPr lvl="2"/>
-            <a:r>
-              <a:rPr lang="en-IE" dirty="0" err="1"/>
-              <a:t>Een</a:t>
-            </a:r>
-            <a:r>
-              <a:rPr lang="en-IE" dirty="0"/>
-              <a:t> </a:t>
-            </a:r>
-            <a:r>
-              <a:rPr lang="en-IE" dirty="0" err="1"/>
-              <a:t>klasse</a:t>
-            </a:r>
-            <a:r>
-              <a:rPr lang="en-IE" dirty="0"/>
-              <a:t> </a:t>
-            </a:r>
-            <a:r>
-              <a:rPr lang="en-IE" dirty="0" err="1"/>
-              <a:t>Dennenboom</a:t>
-            </a:r>
-            <a:r>
-              <a:rPr lang="en-IE" dirty="0"/>
-              <a:t>, </a:t>
-            </a:r>
-            <a:r>
-              <a:rPr lang="en-IE" dirty="0" err="1"/>
-              <a:t>dat</a:t>
-            </a:r>
-            <a:r>
-              <a:rPr lang="en-IE" dirty="0"/>
-              <a:t> </a:t>
-            </a:r>
-            <a:r>
-              <a:rPr lang="en-IE" dirty="0" err="1"/>
-              <a:t>overerft</a:t>
-            </a:r>
-            <a:r>
-              <a:rPr lang="en-IE" dirty="0"/>
-              <a:t> van </a:t>
-            </a:r>
-          </a:p>
-          <a:p>
-            <a:pPr lvl="3"/>
-            <a:r>
-              <a:rPr lang="en-IE" dirty="0" err="1"/>
-              <a:t>Naaldboom</a:t>
-            </a:r>
-            <a:r>
-              <a:rPr lang="en-IE" dirty="0"/>
-              <a:t>  -&gt; Boom -&gt; Plant -&gt; </a:t>
-            </a:r>
-            <a:r>
-              <a:rPr lang="en-IE" dirty="0" err="1"/>
-              <a:t>LevendWezen</a:t>
-            </a:r>
-            <a:r>
-              <a:rPr lang="en-IE" dirty="0"/>
-              <a:t> </a:t>
-            </a:r>
-          </a:p>
-          <a:p>
-            <a:pPr lvl="2"/>
-            <a:r>
-              <a:rPr lang="en-IE" dirty="0" err="1"/>
-              <a:t>Dennenboom</a:t>
-            </a:r>
-            <a:r>
-              <a:rPr lang="en-IE" dirty="0"/>
-              <a:t> </a:t>
-            </a:r>
-            <a:r>
-              <a:rPr lang="en-IE" dirty="0" err="1"/>
-              <a:t>kan</a:t>
-            </a:r>
-            <a:r>
-              <a:rPr lang="en-IE" dirty="0"/>
-              <a:t> </a:t>
-            </a:r>
-            <a:r>
-              <a:rPr lang="en-IE" dirty="0" err="1"/>
-              <a:t>ook</a:t>
-            </a:r>
-            <a:r>
-              <a:rPr lang="en-IE" dirty="0"/>
-              <a:t> </a:t>
-            </a:r>
-            <a:r>
-              <a:rPr lang="en-IE" dirty="0" err="1"/>
-              <a:t>beschouwd</a:t>
-            </a:r>
-            <a:r>
-              <a:rPr lang="en-IE" dirty="0"/>
-              <a:t> </a:t>
-            </a:r>
-            <a:r>
-              <a:rPr lang="en-IE" dirty="0" err="1"/>
-              <a:t>worden</a:t>
-            </a:r>
-            <a:r>
-              <a:rPr lang="en-IE" dirty="0"/>
-              <a:t> door de compiler </a:t>
-            </a:r>
-            <a:r>
-              <a:rPr lang="en-IE" dirty="0" err="1"/>
-              <a:t>als</a:t>
-            </a:r>
-            <a:r>
-              <a:rPr lang="en-IE" dirty="0"/>
-              <a:t> </a:t>
-            </a:r>
-            <a:r>
-              <a:rPr lang="en-IE" dirty="0" err="1"/>
-              <a:t>Naaldboom</a:t>
-            </a:r>
-            <a:r>
-              <a:rPr lang="en-IE" dirty="0"/>
-              <a:t>, Boom, etc. (</a:t>
-            </a:r>
-            <a:r>
-              <a:rPr lang="en-IE" dirty="0" err="1"/>
-              <a:t>een</a:t>
-            </a:r>
-            <a:r>
-              <a:rPr lang="en-IE" dirty="0"/>
-              <a:t> </a:t>
-            </a:r>
-            <a:r>
-              <a:rPr lang="en-IE" dirty="0" err="1"/>
-              <a:t>Dennenboom</a:t>
-            </a:r>
-            <a:r>
-              <a:rPr lang="en-IE" dirty="0"/>
-              <a:t> object </a:t>
-            </a:r>
-            <a:r>
-              <a:rPr lang="en-IE" dirty="0" err="1"/>
-              <a:t>bevat</a:t>
-            </a:r>
-            <a:r>
-              <a:rPr lang="en-IE" dirty="0"/>
-              <a:t> </a:t>
-            </a:r>
-            <a:r>
-              <a:rPr lang="en-IE" dirty="0" err="1"/>
-              <a:t>als</a:t>
-            </a:r>
-            <a:r>
-              <a:rPr lang="en-IE" dirty="0"/>
-              <a:t> het ware </a:t>
-            </a:r>
-            <a:r>
-              <a:rPr lang="en-IE" dirty="0" err="1"/>
-              <a:t>een</a:t>
-            </a:r>
-            <a:r>
-              <a:rPr lang="en-IE" dirty="0"/>
-              <a:t> Plant object, etc)</a:t>
-            </a:r>
-          </a:p>
-          <a:p>
-            <a:pPr lvl="2"/>
+        </p:txBody>
+      </p:sp>
+      <p:sp>
+        <p:nvSpPr>
+          <p:cNvPr id="3" name="Tijdelijke aanduiding voor inhoud 2"/>
+          <p:cNvSpPr>
+            <a:spLocks noGrp="1"/>
+          </p:cNvSpPr>
+          <p:nvPr>
+            <p:ph idx="1"/>
+          </p:nvPr>
+        </p:nvSpPr>
+        <p:spPr>
+          <a:xfrm>
+            <a:off x="1509320" y="2141537"/>
+            <a:ext cx="10515600" cy="4351338"/>
+          </a:xfrm>
+        </p:spPr>
+        <p:txBody>
+          <a:bodyPr/>
+          <a:lstStyle/>
+          <a:p>
             <a:endParaRPr lang="en-IE" dirty="0"/>
           </a:p>
           <a:p>
-            <a:pPr lvl="2"/>
             <a:endParaRPr lang="en-IE" dirty="0"/>
           </a:p>
           <a:p>
-            <a:pPr lvl="2"/>
             <a:endParaRPr lang="en-IE" dirty="0"/>
           </a:p>
           <a:p>
-            <a:pPr lvl="2"/>
             <a:endParaRPr lang="en-IE" dirty="0"/>
           </a:p>
           <a:p>
-            <a:pPr lvl="2"/>
             <a:endParaRPr lang="en-IE" dirty="0"/>
           </a:p>
           <a:p>
-            <a:pPr marL="914400" lvl="2" indent="0">
-              <a:buNone/>
-            </a:pPr>
             <a:endParaRPr lang="en-IE" dirty="0"/>
           </a:p>
+          <a:p>
+            <a:endParaRPr lang="en-IE" dirty="0"/>
+          </a:p>
+          <a:p>
+            <a:endParaRPr lang="en-IE" dirty="0"/>
+          </a:p>
+          <a:p>
+            <a:endParaRPr lang="en-IE" dirty="0"/>
+          </a:p>
+          <a:p>
+            <a:endParaRPr lang="en-IE" dirty="0"/>
+          </a:p>
         </p:txBody>
       </p:sp>
       <p:sp>
@@ -7132,7 +6619,7 @@
             <a:spLocks noGrp="1"/>
           </p:cNvSpPr>
           <p:nvPr>
-            <p:ph type="sldNum" sz="quarter" idx="10"/>
+            <p:ph type="sldNum" sz="quarter" idx="12"/>
           </p:nvPr>
         </p:nvSpPr>
         <p:spPr/>
@@ -7153,146 +6640,6 @@
                 <a:defRPr/>
               </a:pPr>
               <a:t>3</a:t>
-            </a:fld>
-            <a:endParaRPr lang="nl-NL" dirty="0"/>
-          </a:p>
-        </p:txBody>
-      </p:sp>
-    </p:spTree>
-    <p:extLst>
-      <p:ext uri="{BB962C8B-B14F-4D97-AF65-F5344CB8AC3E}">
-        <p14:creationId xmlns:p14="http://schemas.microsoft.com/office/powerpoint/2010/main" val="3813433742"/>
-      </p:ext>
-    </p:extLst>
-  </p:cSld>
-  <p:clrMapOvr>
-    <a:masterClrMapping/>
-  </p:clrMapOvr>
-</p:sld>
-</file>
-
-<file path=ppt/slides/slide4.xml><?xml version="1.0" encoding="utf-8"?>
-<p:sld xmlns:a="http://schemas.openxmlformats.org/drawingml/2006/main" xmlns:r="http://schemas.openxmlformats.org/officeDocument/2006/relationships" xmlns:p="http://schemas.openxmlformats.org/presentationml/2006/main">
-  <p:cSld>
-    <p:spTree>
-      <p:nvGrpSpPr>
-        <p:cNvPr id="1" name=""/>
-        <p:cNvGrpSpPr/>
-        <p:nvPr/>
-      </p:nvGrpSpPr>
-      <p:grpSpPr>
-        <a:xfrm>
-          <a:off x="0" y="0"/>
-          <a:ext cx="0" cy="0"/>
-          <a:chOff x="0" y="0"/>
-          <a:chExt cx="0" cy="0"/>
-        </a:xfrm>
-      </p:grpSpPr>
-      <p:sp>
-        <p:nvSpPr>
-          <p:cNvPr id="2" name="Titel 1"/>
-          <p:cNvSpPr>
-            <a:spLocks noGrp="1"/>
-          </p:cNvSpPr>
-          <p:nvPr>
-            <p:ph type="title"/>
-          </p:nvPr>
-        </p:nvSpPr>
-        <p:spPr/>
-        <p:txBody>
-          <a:bodyPr/>
-          <a:lstStyle/>
-          <a:p>
-            <a:r>
-              <a:rPr lang="en-IE" dirty="0" err="1"/>
-              <a:t>Polymorfisme</a:t>
-            </a:r>
-            <a:r>
-              <a:rPr lang="en-IE" dirty="0"/>
-              <a:t> </a:t>
-            </a:r>
-            <a:r>
-              <a:rPr lang="en-IE" dirty="0" err="1"/>
-              <a:t>voorbeeld</a:t>
-            </a:r>
-            <a:endParaRPr lang="en-IE" dirty="0"/>
-          </a:p>
-        </p:txBody>
-      </p:sp>
-      <p:sp>
-        <p:nvSpPr>
-          <p:cNvPr id="3" name="Tijdelijke aanduiding voor inhoud 2"/>
-          <p:cNvSpPr>
-            <a:spLocks noGrp="1"/>
-          </p:cNvSpPr>
-          <p:nvPr>
-            <p:ph idx="1"/>
-          </p:nvPr>
-        </p:nvSpPr>
-        <p:spPr/>
-        <p:txBody>
-          <a:bodyPr/>
-          <a:lstStyle/>
-          <a:p>
-            <a:endParaRPr lang="en-IE" dirty="0"/>
-          </a:p>
-          <a:p>
-            <a:endParaRPr lang="en-IE" dirty="0"/>
-          </a:p>
-          <a:p>
-            <a:endParaRPr lang="en-IE" dirty="0"/>
-          </a:p>
-          <a:p>
-            <a:endParaRPr lang="en-IE" dirty="0"/>
-          </a:p>
-          <a:p>
-            <a:endParaRPr lang="en-IE" dirty="0"/>
-          </a:p>
-          <a:p>
-            <a:endParaRPr lang="en-IE" dirty="0"/>
-          </a:p>
-          <a:p>
-            <a:endParaRPr lang="en-IE" dirty="0"/>
-          </a:p>
-          <a:p>
-            <a:endParaRPr lang="en-IE" dirty="0"/>
-          </a:p>
-          <a:p>
-            <a:endParaRPr lang="en-IE" dirty="0"/>
-          </a:p>
-          <a:p>
-            <a:endParaRPr lang="en-IE" dirty="0"/>
-          </a:p>
-        </p:txBody>
-      </p:sp>
-      <p:sp>
-        <p:nvSpPr>
-          <p:cNvPr id="4" name="Tijdelijke aanduiding voor dianummer 3"/>
-          <p:cNvSpPr>
-            <a:spLocks noGrp="1"/>
-          </p:cNvSpPr>
-          <p:nvPr>
-            <p:ph type="sldNum" sz="quarter" idx="10"/>
-          </p:nvPr>
-        </p:nvSpPr>
-        <p:spPr/>
-        <p:txBody>
-          <a:bodyPr/>
-          <a:lstStyle/>
-          <a:p>
-            <a:pPr>
-              <a:defRPr/>
-            </a:pPr>
-            <a:r>
-              <a:rPr lang="nl-NL" dirty="0"/>
-              <a:t>| </a:t>
-            </a:r>
-            <a:fld id="{8A00CA90-1673-4C5D-B289-DA0BFE9501DF}" type="slidenum">
-              <a:rPr lang="nl-NL" smtClean="0"/>
-              <a:pPr>
-                <a:defRPr/>
-              </a:pPr>
-              <a:t>4</a:t>
             </a:fld>
             <a:endParaRPr lang="nl-NL" dirty="0"/>
           </a:p>
@@ -7315,7 +6662,7 @@
         </p:blipFill>
         <p:spPr bwMode="auto">
           <a:xfrm>
-            <a:off x="2242253" y="1118302"/>
+            <a:off x="2913373" y="1434214"/>
             <a:ext cx="3667125" cy="3324225"/>
           </a:xfrm>
           <a:prstGeom prst="rect">
@@ -7350,7 +6697,7 @@
         </p:blipFill>
         <p:spPr bwMode="auto">
           <a:xfrm>
-            <a:off x="2021328" y="5102983"/>
+            <a:off x="2692448" y="5418895"/>
             <a:ext cx="8355046" cy="467499"/>
           </a:xfrm>
           <a:prstGeom prst="rect">
@@ -7376,7 +6723,7 @@
         </p:nvSpPr>
         <p:spPr bwMode="auto">
           <a:xfrm>
-            <a:off x="3214578" y="5076842"/>
+            <a:off x="3885698" y="5392754"/>
             <a:ext cx="1467292" cy="802964"/>
           </a:xfrm>
           <a:prstGeom prst="rect">
@@ -7536,7 +6883,7 @@
 </p:sld>
 </file>
 
-<file path=ppt/slides/slide5.xml><?xml version="1.0" encoding="utf-8"?>
+<file path=ppt/slides/slide4.xml><?xml version="1.0" encoding="utf-8"?>
 <p:sld xmlns:a="http://schemas.openxmlformats.org/drawingml/2006/main" xmlns:r="http://schemas.openxmlformats.org/officeDocument/2006/relationships" xmlns:p="http://schemas.openxmlformats.org/presentationml/2006/main">
   <p:cSld>
     <p:spTree>
@@ -7588,7 +6935,9 @@
         </p:nvSpPr>
         <p:spPr/>
         <p:txBody>
-          <a:bodyPr/>
+          <a:bodyPr>
+            <a:normAutofit fontScale="55000" lnSpcReduction="20000"/>
+          </a:bodyPr>
           <a:lstStyle/>
           <a:p>
             <a:r>
@@ -7821,6 +7170,9 @@
               <a:rPr lang="en-IE" dirty="0"/>
               <a:t> =&gt; exception)</a:t>
             </a:r>
+          </a:p>
+          <a:p>
+            <a:endParaRPr lang="en-IE" dirty="0"/>
           </a:p>
           <a:p>
             <a:endParaRPr lang="en-IE" dirty="0"/>
@@ -7894,7 +7246,7 @@
             <a:spLocks noGrp="1"/>
           </p:cNvSpPr>
           <p:nvPr>
-            <p:ph type="sldNum" sz="quarter" idx="10"/>
+            <p:ph type="sldNum" sz="quarter" idx="12"/>
           </p:nvPr>
         </p:nvSpPr>
         <p:spPr/>
@@ -7914,7 +7266,7 @@
               <a:pPr>
                 <a:defRPr/>
               </a:pPr>
-              <a:t>5</a:t>
+              <a:t>4</a:t>
             </a:fld>
             <a:endParaRPr lang="nl-NL" dirty="0"/>
           </a:p>
@@ -7969,7 +7321,7 @@
         </p:blipFill>
         <p:spPr bwMode="auto">
           <a:xfrm>
-            <a:off x="5506779" y="3589816"/>
+            <a:off x="5663333" y="3451595"/>
             <a:ext cx="2667000" cy="571500"/>
           </a:xfrm>
           <a:prstGeom prst="rect">
@@ -8001,7 +7353,7 @@
         </p:blipFill>
         <p:spPr bwMode="auto">
           <a:xfrm>
-            <a:off x="3427006" y="1732776"/>
+            <a:off x="5859814" y="1690688"/>
             <a:ext cx="2190750" cy="542925"/>
           </a:xfrm>
           <a:prstGeom prst="rect">
@@ -8065,7 +7417,7 @@
         </p:blipFill>
         <p:spPr bwMode="auto">
           <a:xfrm>
-            <a:off x="3248690" y="5373320"/>
+            <a:off x="2844653" y="4519392"/>
             <a:ext cx="2781300" cy="981075"/>
           </a:xfrm>
           <a:prstGeom prst="rect">
@@ -8097,7 +7449,7 @@
         </p:blipFill>
         <p:spPr bwMode="auto">
           <a:xfrm>
-            <a:off x="6141079" y="5500467"/>
+            <a:off x="5907645" y="5009929"/>
             <a:ext cx="2695575" cy="790575"/>
           </a:xfrm>
           <a:prstGeom prst="rect">
@@ -8408,7 +7760,7 @@
                                         <p:tgtEl>
                                           <p:spTgt spid="3">
                                             <p:txEl>
-                                              <p:pRg st="12" end="12"/>
+                                              <p:pRg st="13" end="13"/>
                                             </p:txEl>
                                           </p:spTgt>
                                         </p:tgtEl>
@@ -8526,7 +7878,7 @@
 </p:sld>
 </file>
 
-<file path=ppt/slides/slide6.xml><?xml version="1.0" encoding="utf-8"?>
+<file path=ppt/slides/slide5.xml><?xml version="1.0" encoding="utf-8"?>
 <p:sld xmlns:a="http://schemas.openxmlformats.org/drawingml/2006/main" xmlns:r="http://schemas.openxmlformats.org/officeDocument/2006/relationships" xmlns:p="http://schemas.openxmlformats.org/presentationml/2006/main">
   <p:cSld>
     <p:spTree>
@@ -8572,7 +7924,7 @@
             <a:spLocks noGrp="1"/>
           </p:cNvSpPr>
           <p:nvPr>
-            <p:ph type="sldNum" sz="quarter" idx="10"/>
+            <p:ph type="sldNum" sz="quarter" idx="12"/>
           </p:nvPr>
         </p:nvSpPr>
         <p:spPr/>
@@ -8592,7 +7944,7 @@
               <a:pPr>
                 <a:defRPr/>
               </a:pPr>
-              <a:t>6</a:t>
+              <a:t>5</a:t>
             </a:fld>
             <a:endParaRPr lang="nl-NL" dirty="0"/>
           </a:p>
@@ -8615,7 +7967,7 @@
         </p:blipFill>
         <p:spPr bwMode="auto">
           <a:xfrm>
-            <a:off x="710913" y="922338"/>
+            <a:off x="668968" y="1466919"/>
             <a:ext cx="6249560" cy="4889431"/>
           </a:xfrm>
           <a:prstGeom prst="rect">
@@ -8788,7 +8140,7 @@
 </p:sld>
 </file>
 
-<file path=ppt/slides/slide7.xml><?xml version="1.0" encoding="utf-8"?>
+<file path=ppt/slides/slide6.xml><?xml version="1.0" encoding="utf-8"?>
 <p:sld xmlns:a="http://schemas.openxmlformats.org/drawingml/2006/main" xmlns:r="http://schemas.openxmlformats.org/officeDocument/2006/relationships" xmlns:p="http://schemas.openxmlformats.org/presentationml/2006/main">
   <p:cSld>
     <p:spTree>
@@ -8853,7 +8205,7 @@
             <a:spLocks noGrp="1"/>
           </p:cNvSpPr>
           <p:nvPr>
-            <p:ph type="sldNum" sz="quarter" idx="10"/>
+            <p:ph type="sldNum" sz="quarter" idx="12"/>
           </p:nvPr>
         </p:nvSpPr>
         <p:spPr/>
@@ -8881,7 +8233,7 @@
               <a:pPr>
                 <a:defRPr/>
               </a:pPr>
-              <a:t>7</a:t>
+              <a:t>6</a:t>
             </a:fld>
             <a:endParaRPr lang="nl-NL" dirty="0"/>
           </a:p>
@@ -8930,6 +8282,120 @@
 </p:sld>
 </file>
 
+<file path=ppt/slides/slide7.xml><?xml version="1.0" encoding="utf-8"?>
+<p:sld xmlns:a="http://schemas.openxmlformats.org/drawingml/2006/main" xmlns:r="http://schemas.openxmlformats.org/officeDocument/2006/relationships" xmlns:p="http://schemas.openxmlformats.org/presentationml/2006/main">
+  <p:cSld>
+    <p:spTree>
+      <p:nvGrpSpPr>
+        <p:cNvPr id="1" name=""/>
+        <p:cNvGrpSpPr/>
+        <p:nvPr/>
+      </p:nvGrpSpPr>
+      <p:grpSpPr>
+        <a:xfrm>
+          <a:off x="0" y="0"/>
+          <a:ext cx="0" cy="0"/>
+          <a:chOff x="0" y="0"/>
+          <a:chExt cx="0" cy="0"/>
+        </a:xfrm>
+      </p:grpSpPr>
+      <p:sp>
+        <p:nvSpPr>
+          <p:cNvPr id="2" name="Titel 1">
+            <a:extLst>
+              <a:ext uri="{FF2B5EF4-FFF2-40B4-BE49-F238E27FC236}">
+                <a16:creationId xmlns:a16="http://schemas.microsoft.com/office/drawing/2014/main" id="{B8DA4F4B-270B-4A96-BF89-3C9C89589CE1}"/>
+              </a:ext>
+            </a:extLst>
+          </p:cNvPr>
+          <p:cNvSpPr>
+            <a:spLocks noGrp="1"/>
+          </p:cNvSpPr>
+          <p:nvPr>
+            <p:ph type="ctrTitle"/>
+          </p:nvPr>
+        </p:nvSpPr>
+        <p:spPr/>
+        <p:txBody>
+          <a:bodyPr/>
+          <a:lstStyle/>
+          <a:p>
+            <a:r>
+              <a:rPr lang="nl-BE" dirty="0"/>
+              <a:t>2. Polymorfisme in de praktijk</a:t>
+            </a:r>
+          </a:p>
+        </p:txBody>
+      </p:sp>
+      <p:sp>
+        <p:nvSpPr>
+          <p:cNvPr id="3" name="Ondertitel 2">
+            <a:extLst>
+              <a:ext uri="{FF2B5EF4-FFF2-40B4-BE49-F238E27FC236}">
+                <a16:creationId xmlns:a16="http://schemas.microsoft.com/office/drawing/2014/main" id="{21C0D648-DAC3-4026-996C-72A470EB4BAE}"/>
+              </a:ext>
+            </a:extLst>
+          </p:cNvPr>
+          <p:cNvSpPr>
+            <a:spLocks noGrp="1"/>
+          </p:cNvSpPr>
+          <p:nvPr>
+            <p:ph type="subTitle" idx="1"/>
+          </p:nvPr>
+        </p:nvSpPr>
+        <p:spPr/>
+        <p:txBody>
+          <a:bodyPr/>
+          <a:lstStyle/>
+          <a:p>
+            <a:r>
+              <a:rPr lang="nl-BE" dirty="0"/>
+              <a:t>H8. Polymorfisme</a:t>
+            </a:r>
+          </a:p>
+        </p:txBody>
+      </p:sp>
+      <p:sp>
+        <p:nvSpPr>
+          <p:cNvPr id="4" name="Tijdelijke aanduiding voor dianummer 3">
+            <a:extLst>
+              <a:ext uri="{FF2B5EF4-FFF2-40B4-BE49-F238E27FC236}">
+                <a16:creationId xmlns:a16="http://schemas.microsoft.com/office/drawing/2014/main" id="{EB4E6A8B-066F-4450-8B7C-FCB0947F2538}"/>
+              </a:ext>
+            </a:extLst>
+          </p:cNvPr>
+          <p:cNvSpPr>
+            <a:spLocks noGrp="1"/>
+          </p:cNvSpPr>
+          <p:nvPr>
+            <p:ph type="sldNum" sz="quarter" idx="12"/>
+          </p:nvPr>
+        </p:nvSpPr>
+        <p:spPr/>
+        <p:txBody>
+          <a:bodyPr/>
+          <a:lstStyle/>
+          <a:p>
+            <a:pPr>
+              <a:defRPr/>
+            </a:pPr>
+            <a:endParaRPr lang="nl-NL" dirty="0"/>
+          </a:p>
+        </p:txBody>
+      </p:sp>
+    </p:spTree>
+    <p:extLst>
+      <p:ext uri="{BB962C8B-B14F-4D97-AF65-F5344CB8AC3E}">
+        <p14:creationId xmlns:p14="http://schemas.microsoft.com/office/powerpoint/2010/main" val="1587231703"/>
+      </p:ext>
+    </p:extLst>
+  </p:cSld>
+  <p:clrMapOvr>
+    <a:masterClrMapping/>
+  </p:clrMapOvr>
+</p:sld>
+</file>
+
 <file path=ppt/slides/slide8.xml><?xml version="1.0" encoding="utf-8"?>
 <p:sld xmlns:a="http://schemas.openxmlformats.org/drawingml/2006/main" xmlns:r="http://schemas.openxmlformats.org/officeDocument/2006/relationships" xmlns:p="http://schemas.openxmlformats.org/presentationml/2006/main">
   <p:cSld>
@@ -9016,7 +8482,7 @@
             <a:spLocks noGrp="1"/>
           </p:cNvSpPr>
           <p:nvPr>
-            <p:ph type="sldNum" sz="quarter" idx="10"/>
+            <p:ph type="sldNum" sz="quarter" idx="12"/>
           </p:nvPr>
         </p:nvSpPr>
         <p:spPr/>
@@ -9071,8 +8537,8 @@
         </p:blipFill>
         <p:spPr bwMode="auto">
           <a:xfrm>
-            <a:off x="2914543" y="1793875"/>
-            <a:ext cx="7143750" cy="4676775"/>
+            <a:off x="3775181" y="2357306"/>
+            <a:ext cx="6283112" cy="4113344"/>
           </a:xfrm>
           <a:prstGeom prst="rect">
             <a:avLst/>
@@ -9199,7 +8665,7 @@
             <a:spLocks noGrp="1"/>
           </p:cNvSpPr>
           <p:nvPr>
-            <p:ph type="sldNum" sz="quarter" idx="10"/>
+            <p:ph type="sldNum" sz="quarter" idx="12"/>
           </p:nvPr>
         </p:nvSpPr>
         <p:spPr/>
@@ -9247,8 +8713,8 @@
         </p:blipFill>
         <p:spPr>
           <a:xfrm>
-            <a:off x="4873717" y="0"/>
-            <a:ext cx="6975470" cy="6858000"/>
+            <a:off x="5323118" y="301815"/>
+            <a:ext cx="6030682" cy="5929123"/>
           </a:xfrm>
           <a:prstGeom prst="rect">
             <a:avLst/>
@@ -9269,9 +8735,9 @@
 </file>
 
 <file path=ppt/theme/theme1.xml><?xml version="1.0" encoding="utf-8"?>
-<a:theme xmlns:a="http://schemas.openxmlformats.org/drawingml/2006/main" name="Standaardontwerp">
+<a:theme xmlns:a="http://schemas.openxmlformats.org/drawingml/2006/main" name="ziescherper">
   <a:themeElements>
-    <a:clrScheme name="Rood">
+    <a:clrScheme name="Office">
       <a:dk1>
         <a:sysClr val="windowText" lastClr="000000"/>
       </a:dk1>
@@ -9279,49 +8745,49 @@
         <a:sysClr val="window" lastClr="FFFFFF"/>
       </a:lt1>
       <a:dk2>
-        <a:srgbClr val="323232"/>
+        <a:srgbClr val="44546A"/>
       </a:dk2>
       <a:lt2>
-        <a:srgbClr val="E5C243"/>
+        <a:srgbClr val="E7E6E6"/>
       </a:lt2>
       <a:accent1>
-        <a:srgbClr val="A5300F"/>
+        <a:srgbClr val="4472C4"/>
       </a:accent1>
       <a:accent2>
-        <a:srgbClr val="D55816"/>
+        <a:srgbClr val="ED7D31"/>
       </a:accent2>
       <a:accent3>
-        <a:srgbClr val="E19825"/>
+        <a:srgbClr val="A5A5A5"/>
       </a:accent3>
       <a:accent4>
-        <a:srgbClr val="B19C7D"/>
+        <a:srgbClr val="FFC000"/>
       </a:accent4>
       <a:accent5>
-        <a:srgbClr val="7F5F52"/>
+        <a:srgbClr val="5B9BD5"/>
       </a:accent5>
       <a:accent6>
-        <a:srgbClr val="B27D49"/>
+        <a:srgbClr val="70AD47"/>
       </a:accent6>
       <a:hlink>
-        <a:srgbClr val="6B9F25"/>
+        <a:srgbClr val="0563C1"/>
       </a:hlink>
       <a:folHlink>
-        <a:srgbClr val="B26B02"/>
+        <a:srgbClr val="954F72"/>
       </a:folHlink>
     </a:clrScheme>
-    <a:fontScheme name="Standaardontwerp">
+    <a:fontScheme name="Aangepast 1">
       <a:majorFont>
-        <a:latin typeface="Arial"/>
+        <a:latin typeface="Archivo Narrow"/>
         <a:ea typeface=""/>
         <a:cs typeface=""/>
       </a:majorFont>
       <a:minorFont>
-        <a:latin typeface="Arial"/>
+        <a:latin typeface="Blogger Sans"/>
         <a:ea typeface=""/>
         <a:cs typeface=""/>
       </a:minorFont>
     </a:fontScheme>
-    <a:fmtScheme name="Kantoor">
+    <a:fmtScheme name="Office">
       <a:fillStyleLst>
         <a:solidFill>
           <a:schemeClr val="phClr"/>
@@ -9330,333 +8796,142 @@
           <a:gsLst>
             <a:gs pos="0">
               <a:schemeClr val="phClr">
-                <a:tint val="50000"/>
-                <a:satMod val="300000"/>
+                <a:lumMod val="110000"/>
+                <a:satMod val="105000"/>
+                <a:tint val="67000"/>
               </a:schemeClr>
             </a:gs>
-            <a:gs pos="35000">
+            <a:gs pos="50000">
               <a:schemeClr val="phClr">
-                <a:tint val="37000"/>
-                <a:satMod val="300000"/>
+                <a:lumMod val="105000"/>
+                <a:satMod val="103000"/>
+                <a:tint val="73000"/>
               </a:schemeClr>
             </a:gs>
             <a:gs pos="100000">
               <a:schemeClr val="phClr">
-                <a:tint val="15000"/>
-                <a:satMod val="350000"/>
+                <a:lumMod val="105000"/>
+                <a:satMod val="109000"/>
+                <a:tint val="81000"/>
               </a:schemeClr>
             </a:gs>
           </a:gsLst>
-          <a:lin ang="16200000" scaled="1"/>
+          <a:lin ang="5400000" scaled="0"/>
         </a:gradFill>
         <a:gradFill rotWithShape="1">
           <a:gsLst>
             <a:gs pos="0">
               <a:schemeClr val="phClr">
-                <a:shade val="51000"/>
-                <a:satMod val="130000"/>
+                <a:satMod val="103000"/>
+                <a:lumMod val="102000"/>
+                <a:tint val="94000"/>
               </a:schemeClr>
             </a:gs>
-            <a:gs pos="80000">
+            <a:gs pos="50000">
               <a:schemeClr val="phClr">
-                <a:shade val="93000"/>
-                <a:satMod val="130000"/>
+                <a:satMod val="110000"/>
+                <a:lumMod val="100000"/>
+                <a:shade val="100000"/>
               </a:schemeClr>
             </a:gs>
             <a:gs pos="100000">
               <a:schemeClr val="phClr">
-                <a:shade val="94000"/>
-                <a:satMod val="135000"/>
+                <a:lumMod val="99000"/>
+                <a:satMod val="120000"/>
+                <a:shade val="78000"/>
               </a:schemeClr>
             </a:gs>
           </a:gsLst>
-          <a:lin ang="16200000" scaled="0"/>
+          <a:lin ang="5400000" scaled="0"/>
         </a:gradFill>
       </a:fillStyleLst>
       <a:lnStyleLst>
-        <a:ln w="9525" cap="flat" cmpd="sng" algn="ctr">
-          <a:solidFill>
-            <a:schemeClr val="phClr">
-              <a:shade val="95000"/>
-              <a:satMod val="105000"/>
-            </a:schemeClr>
-          </a:solidFill>
-          <a:prstDash val="solid"/>
-        </a:ln>
-        <a:ln w="25400" cap="flat" cmpd="sng" algn="ctr">
+        <a:ln w="6350" cap="flat" cmpd="sng" algn="ctr">
           <a:solidFill>
             <a:schemeClr val="phClr"/>
           </a:solidFill>
           <a:prstDash val="solid"/>
+          <a:miter lim="800000"/>
         </a:ln>
-        <a:ln w="38100" cap="flat" cmpd="sng" algn="ctr">
+        <a:ln w="12700" cap="flat" cmpd="sng" algn="ctr">
           <a:solidFill>
             <a:schemeClr val="phClr"/>
           </a:solidFill>
           <a:prstDash val="solid"/>
+          <a:miter lim="800000"/>
+        </a:ln>
+        <a:ln w="19050" cap="flat" cmpd="sng" algn="ctr">
+          <a:solidFill>
+            <a:schemeClr val="phClr"/>
+          </a:solidFill>
+          <a:prstDash val="solid"/>
+          <a:miter lim="800000"/>
         </a:ln>
       </a:lnStyleLst>
       <a:effectStyleLst>
         <a:effectStyle>
+          <a:effectLst/>
+        </a:effectStyle>
+        <a:effectStyle>
+          <a:effectLst/>
+        </a:effectStyle>
+        <a:effectStyle>
           <a:effectLst>
-            <a:outerShdw blurRad="40000" dist="20000" dir="5400000" rotWithShape="0">
+            <a:outerShdw blurRad="57150" dist="19050" dir="5400000" algn="ctr" rotWithShape="0">
               <a:srgbClr val="000000">
-                <a:alpha val="38000"/>
+                <a:alpha val="63000"/>
               </a:srgbClr>
             </a:outerShdw>
           </a:effectLst>
-        </a:effectStyle>
-        <a:effectStyle>
-          <a:effectLst>
-            <a:outerShdw blurRad="40000" dist="23000" dir="5400000" rotWithShape="0">
-              <a:srgbClr val="000000">
-                <a:alpha val="35000"/>
-              </a:srgbClr>
-            </a:outerShdw>
-          </a:effectLst>
-        </a:effectStyle>
-        <a:effectStyle>
-          <a:effectLst>
-            <a:outerShdw blurRad="40000" dist="23000" dir="5400000" rotWithShape="0">
-              <a:srgbClr val="000000">
-                <a:alpha val="35000"/>
-              </a:srgbClr>
-            </a:outerShdw>
-          </a:effectLst>
-          <a:scene3d>
-            <a:camera prst="orthographicFront">
-              <a:rot lat="0" lon="0" rev="0"/>
-            </a:camera>
-            <a:lightRig rig="threePt" dir="t">
-              <a:rot lat="0" lon="0" rev="1200000"/>
-            </a:lightRig>
-          </a:scene3d>
-          <a:sp3d>
-            <a:bevelT w="63500" h="25400"/>
-          </a:sp3d>
         </a:effectStyle>
       </a:effectStyleLst>
       <a:bgFillStyleLst>
         <a:solidFill>
           <a:schemeClr val="phClr"/>
         </a:solidFill>
+        <a:solidFill>
+          <a:schemeClr val="phClr">
+            <a:tint val="95000"/>
+            <a:satMod val="170000"/>
+          </a:schemeClr>
+        </a:solidFill>
         <a:gradFill rotWithShape="1">
           <a:gsLst>
             <a:gs pos="0">
               <a:schemeClr val="phClr">
-                <a:tint val="40000"/>
-                <a:satMod val="350000"/>
+                <a:tint val="93000"/>
+                <a:satMod val="150000"/>
+                <a:shade val="98000"/>
+                <a:lumMod val="102000"/>
               </a:schemeClr>
             </a:gs>
-            <a:gs pos="40000">
+            <a:gs pos="50000">
               <a:schemeClr val="phClr">
-                <a:tint val="45000"/>
-                <a:shade val="99000"/>
-                <a:satMod val="350000"/>
+                <a:tint val="98000"/>
+                <a:satMod val="130000"/>
+                <a:shade val="90000"/>
+                <a:lumMod val="103000"/>
               </a:schemeClr>
             </a:gs>
             <a:gs pos="100000">
               <a:schemeClr val="phClr">
-                <a:shade val="20000"/>
-                <a:satMod val="255000"/>
+                <a:shade val="63000"/>
+                <a:satMod val="120000"/>
               </a:schemeClr>
             </a:gs>
           </a:gsLst>
-          <a:path path="circle">
-            <a:fillToRect l="50000" t="-80000" r="50000" b="180000"/>
-          </a:path>
-        </a:gradFill>
-        <a:gradFill rotWithShape="1">
-          <a:gsLst>
-            <a:gs pos="0">
-              <a:schemeClr val="phClr">
-                <a:tint val="80000"/>
-                <a:satMod val="300000"/>
-              </a:schemeClr>
-            </a:gs>
-            <a:gs pos="100000">
-              <a:schemeClr val="phClr">
-                <a:shade val="30000"/>
-                <a:satMod val="200000"/>
-              </a:schemeClr>
-            </a:gs>
-          </a:gsLst>
-          <a:path path="circle">
-            <a:fillToRect l="50000" t="50000" r="50000" b="50000"/>
-          </a:path>
+          <a:lin ang="5400000" scaled="0"/>
         </a:gradFill>
       </a:bgFillStyleLst>
     </a:fmtScheme>
   </a:themeElements>
-  <a:objectDefaults>
-    <a:spDef>
-      <a:spPr bwMode="auto">
-        <a:xfrm>
-          <a:off x="0" y="0"/>
-          <a:ext cx="1" cy="1"/>
-        </a:xfrm>
-        <a:custGeom>
-          <a:avLst/>
-          <a:gdLst/>
-          <a:ahLst/>
-          <a:cxnLst/>
-          <a:rect l="0" t="0" r="0" b="0"/>
-          <a:pathLst/>
-        </a:custGeom>
-        <a:solidFill>
-          <a:schemeClr val="accent1"/>
-        </a:solidFill>
-        <a:ln w="9525" cap="flat" cmpd="sng" algn="ctr">
-          <a:solidFill>
-            <a:schemeClr val="tx1"/>
-          </a:solidFill>
-          <a:prstDash val="solid"/>
-          <a:round/>
-          <a:headEnd type="none" w="med" len="med"/>
-          <a:tailEnd type="none" w="med" len="med"/>
-        </a:ln>
-        <a:effectLst/>
-      </a:spPr>
-      <a:bodyPr vert="horz" wrap="square" lIns="91440" tIns="45720" rIns="91440" bIns="45720" numCol="1" anchor="t" anchorCtr="0" compatLnSpc="1">
-        <a:prstTxWarp prst="textNoShape">
-          <a:avLst/>
-        </a:prstTxWarp>
-      </a:bodyPr>
-      <a:lstStyle>
-        <a:defPPr marL="0" marR="0" indent="0" algn="l" defTabSz="914400" rtl="0" eaLnBrk="0" fontAlgn="base" latinLnBrk="0" hangingPunct="0">
-          <a:lnSpc>
-            <a:spcPct val="100000"/>
-          </a:lnSpc>
-          <a:spcBef>
-            <a:spcPct val="0"/>
-          </a:spcBef>
-          <a:spcAft>
-            <a:spcPct val="0"/>
-          </a:spcAft>
-          <a:buClrTx/>
-          <a:buSzTx/>
-          <a:buFontTx/>
-          <a:buNone/>
-          <a:tabLst/>
-          <a:defRPr kumimoji="0" lang="nl-NL" sz="1800" b="0" i="0" u="none" strike="noStrike" cap="none" normalizeH="0" baseline="0" smtClean="0">
-            <a:ln>
-              <a:noFill/>
-            </a:ln>
-            <a:solidFill>
-              <a:schemeClr val="tx1"/>
-            </a:solidFill>
-            <a:effectLst/>
-            <a:latin typeface="Arial" charset="0"/>
-          </a:defRPr>
-        </a:defPPr>
-      </a:lstStyle>
-    </a:spDef>
-    <a:lnDef>
-      <a:spPr bwMode="auto">
-        <a:xfrm>
-          <a:off x="0" y="0"/>
-          <a:ext cx="1" cy="1"/>
-        </a:xfrm>
-        <a:custGeom>
-          <a:avLst/>
-          <a:gdLst/>
-          <a:ahLst/>
-          <a:cxnLst/>
-          <a:rect l="0" t="0" r="0" b="0"/>
-          <a:pathLst/>
-        </a:custGeom>
-        <a:solidFill>
-          <a:schemeClr val="accent1"/>
-        </a:solidFill>
-        <a:ln w="9525" cap="flat" cmpd="sng" algn="ctr">
-          <a:solidFill>
-            <a:schemeClr val="tx1"/>
-          </a:solidFill>
-          <a:prstDash val="solid"/>
-          <a:round/>
-          <a:headEnd type="none" w="med" len="med"/>
-          <a:tailEnd type="none" w="med" len="med"/>
-        </a:ln>
-        <a:effectLst/>
-      </a:spPr>
-      <a:bodyPr vert="horz" wrap="square" lIns="91440" tIns="45720" rIns="91440" bIns="45720" numCol="1" anchor="t" anchorCtr="0" compatLnSpc="1">
-        <a:prstTxWarp prst="textNoShape">
-          <a:avLst/>
-        </a:prstTxWarp>
-      </a:bodyPr>
-      <a:lstStyle>
-        <a:defPPr marL="0" marR="0" indent="0" algn="l" defTabSz="914400" rtl="0" eaLnBrk="0" fontAlgn="base" latinLnBrk="0" hangingPunct="0">
-          <a:lnSpc>
-            <a:spcPct val="100000"/>
-          </a:lnSpc>
-          <a:spcBef>
-            <a:spcPct val="0"/>
-          </a:spcBef>
-          <a:spcAft>
-            <a:spcPct val="0"/>
-          </a:spcAft>
-          <a:buClrTx/>
-          <a:buSzTx/>
-          <a:buFontTx/>
-          <a:buNone/>
-          <a:tabLst/>
-          <a:defRPr kumimoji="0" lang="nl-NL" sz="1800" b="0" i="0" u="none" strike="noStrike" cap="none" normalizeH="0" baseline="0" smtClean="0">
-            <a:ln>
-              <a:noFill/>
-            </a:ln>
-            <a:solidFill>
-              <a:schemeClr val="tx1"/>
-            </a:solidFill>
-            <a:effectLst/>
-            <a:latin typeface="Arial" charset="0"/>
-          </a:defRPr>
-        </a:defPPr>
-      </a:lstStyle>
-    </a:lnDef>
-  </a:objectDefaults>
-  <a:extraClrSchemeLst>
-    <a:extraClrScheme>
-      <a:clrScheme name="Standaardontwerp 1">
-        <a:dk1>
-          <a:srgbClr val="330000"/>
-        </a:dk1>
-        <a:lt1>
-          <a:srgbClr val="FFFFFF"/>
-        </a:lt1>
-        <a:dk2>
-          <a:srgbClr val="330000"/>
-        </a:dk2>
-        <a:lt2>
-          <a:srgbClr val="5C1F00"/>
-        </a:lt2>
-        <a:accent1>
-          <a:srgbClr val="FF9900"/>
-        </a:accent1>
-        <a:accent2>
-          <a:srgbClr val="330000"/>
-        </a:accent2>
-        <a:accent3>
-          <a:srgbClr val="FFFFFF"/>
-        </a:accent3>
-        <a:accent4>
-          <a:srgbClr val="2A0000"/>
-        </a:accent4>
-        <a:accent5>
-          <a:srgbClr val="FFCAAA"/>
-        </a:accent5>
-        <a:accent6>
-          <a:srgbClr val="2D0000"/>
-        </a:accent6>
-        <a:hlink>
-          <a:srgbClr val="FFCC66"/>
-        </a:hlink>
-        <a:folHlink>
-          <a:srgbClr val="CC0000"/>
-        </a:folHlink>
-      </a:clrScheme>
-      <a:clrMap bg1="lt1" tx1="dk1" bg2="lt2" tx2="dk2" accent1="accent1" accent2="accent2" accent3="accent3" accent4="accent4" accent5="accent5" accent6="accent6" hlink="hlink" folHlink="folHlink"/>
-    </a:extraClrScheme>
-  </a:extraClrSchemeLst>
+  <a:objectDefaults/>
+  <a:extraClrSchemeLst/>
+  <a:extLst>
+    <a:ext uri="{05A4C25C-085E-4340-85A3-A5531E510DB2}">
+      <thm15:themeFamily xmlns:thm15="http://schemas.microsoft.com/office/thememl/2012/main" name="ziescherper" id="{69B2FE59-FA6B-4F45-B455-AA12E61C9549}" vid="{E9744CD3-A597-431D-8092-F51B983DCEB5}"/>
+    </a:ext>
+  </a:extLst>
 </a:theme>
 </file>
 
